--- a/D2 - Lineup - away 11h.pptx
+++ b/D2 - Lineup - away 11h.pptx
@@ -303,7 +303,7 @@
             <a:fld id="{1D8BD707-D9CF-40AE-B4C6-C98DA3205C09}" type="datetimeFigureOut">
               <a:rPr lang="en-US" smtClean="0"/>
               <a:pPr/>
-              <a:t>3/4/2019</a:t>
+              <a:t>3/4/2020</a:t>
             </a:fld>
             <a:endParaRPr lang="en-US"/>
           </a:p>
@@ -468,7 +468,7 @@
             <a:fld id="{1D8BD707-D9CF-40AE-B4C6-C98DA3205C09}" type="datetimeFigureOut">
               <a:rPr lang="en-US" smtClean="0"/>
               <a:pPr/>
-              <a:t>3/4/2019</a:t>
+              <a:t>3/4/2020</a:t>
             </a:fld>
             <a:endParaRPr lang="en-US"/>
           </a:p>
@@ -643,7 +643,7 @@
             <a:fld id="{1D8BD707-D9CF-40AE-B4C6-C98DA3205C09}" type="datetimeFigureOut">
               <a:rPr lang="en-US" smtClean="0"/>
               <a:pPr/>
-              <a:t>3/4/2019</a:t>
+              <a:t>3/4/2020</a:t>
             </a:fld>
             <a:endParaRPr lang="en-US"/>
           </a:p>
@@ -808,7 +808,7 @@
             <a:fld id="{1D8BD707-D9CF-40AE-B4C6-C98DA3205C09}" type="datetimeFigureOut">
               <a:rPr lang="en-US" smtClean="0"/>
               <a:pPr/>
-              <a:t>3/4/2019</a:t>
+              <a:t>3/4/2020</a:t>
             </a:fld>
             <a:endParaRPr lang="en-US"/>
           </a:p>
@@ -1050,7 +1050,7 @@
             <a:fld id="{1D8BD707-D9CF-40AE-B4C6-C98DA3205C09}" type="datetimeFigureOut">
               <a:rPr lang="en-US" smtClean="0"/>
               <a:pPr/>
-              <a:t>3/4/2019</a:t>
+              <a:t>3/4/2020</a:t>
             </a:fld>
             <a:endParaRPr lang="en-US"/>
           </a:p>
@@ -1332,7 +1332,7 @@
             <a:fld id="{1D8BD707-D9CF-40AE-B4C6-C98DA3205C09}" type="datetimeFigureOut">
               <a:rPr lang="en-US" smtClean="0"/>
               <a:pPr/>
-              <a:t>3/4/2019</a:t>
+              <a:t>3/4/2020</a:t>
             </a:fld>
             <a:endParaRPr lang="en-US"/>
           </a:p>
@@ -1748,7 +1748,7 @@
             <a:fld id="{1D8BD707-D9CF-40AE-B4C6-C98DA3205C09}" type="datetimeFigureOut">
               <a:rPr lang="en-US" smtClean="0"/>
               <a:pPr/>
-              <a:t>3/4/2019</a:t>
+              <a:t>3/4/2020</a:t>
             </a:fld>
             <a:endParaRPr lang="en-US"/>
           </a:p>
@@ -1862,7 +1862,7 @@
             <a:fld id="{1D8BD707-D9CF-40AE-B4C6-C98DA3205C09}" type="datetimeFigureOut">
               <a:rPr lang="en-US" smtClean="0"/>
               <a:pPr/>
-              <a:t>3/4/2019</a:t>
+              <a:t>3/4/2020</a:t>
             </a:fld>
             <a:endParaRPr lang="en-US"/>
           </a:p>
@@ -1954,7 +1954,7 @@
             <a:fld id="{1D8BD707-D9CF-40AE-B4C6-C98DA3205C09}" type="datetimeFigureOut">
               <a:rPr lang="en-US" smtClean="0"/>
               <a:pPr/>
-              <a:t>3/4/2019</a:t>
+              <a:t>3/4/2020</a:t>
             </a:fld>
             <a:endParaRPr lang="en-US"/>
           </a:p>
@@ -2226,7 +2226,7 @@
             <a:fld id="{1D8BD707-D9CF-40AE-B4C6-C98DA3205C09}" type="datetimeFigureOut">
               <a:rPr lang="en-US" smtClean="0"/>
               <a:pPr/>
-              <a:t>3/4/2019</a:t>
+              <a:t>3/4/2020</a:t>
             </a:fld>
             <a:endParaRPr lang="en-US"/>
           </a:p>
@@ -2475,7 +2475,7 @@
             <a:fld id="{1D8BD707-D9CF-40AE-B4C6-C98DA3205C09}" type="datetimeFigureOut">
               <a:rPr lang="en-US" smtClean="0"/>
               <a:pPr/>
-              <a:t>3/4/2019</a:t>
+              <a:t>3/4/2020</a:t>
             </a:fld>
             <a:endParaRPr lang="en-US"/>
           </a:p>
@@ -2683,7 +2683,7 @@
             <a:fld id="{1D8BD707-D9CF-40AE-B4C6-C98DA3205C09}" type="datetimeFigureOut">
               <a:rPr lang="en-US" smtClean="0"/>
               <a:pPr/>
-              <a:t>3/4/2019</a:t>
+              <a:t>3/4/2020</a:t>
             </a:fld>
             <a:endParaRPr lang="en-US"/>
           </a:p>
@@ -3063,7 +3063,7 @@
           <p:nvPr>
             <p:extLst>
               <p:ext uri="{D42A27DB-BD31-4B8C-83A1-F6EECF244321}">
-                <p14:modId xmlns:p14="http://schemas.microsoft.com/office/powerpoint/2010/main" val="2685584645"/>
+                <p14:modId xmlns:p14="http://schemas.microsoft.com/office/powerpoint/2010/main" val="4163069094"/>
               </p:ext>
             </p:extLst>
           </p:nvPr>
@@ -3636,7 +3636,7 @@
                             <a:schemeClr val="tx1"/>
                           </a:solidFill>
                         </a:rPr>
-                        <a:t>HOME</a:t>
+                        <a:t>OPPONENT</a:t>
                       </a:r>
                     </a:p>
                   </a:txBody>
@@ -4449,1228 +4449,6 @@
       </p:graphicFrame>
       <p:graphicFrame>
         <p:nvGraphicFramePr>
-          <p:cNvPr id="22" name="Tableau 21"/>
-          <p:cNvGraphicFramePr>
-            <a:graphicFrameLocks noGrp="1"/>
-          </p:cNvGraphicFramePr>
-          <p:nvPr>
-            <p:extLst>
-              <p:ext uri="{D42A27DB-BD31-4B8C-83A1-F6EECF244321}">
-                <p14:modId xmlns:p14="http://schemas.microsoft.com/office/powerpoint/2010/main" val="4045557628"/>
-              </p:ext>
-            </p:extLst>
-          </p:nvPr>
-        </p:nvGraphicFramePr>
-        <p:xfrm>
-          <a:off x="166813" y="1369747"/>
-          <a:ext cx="4100387" cy="3735651"/>
-        </p:xfrm>
-        <a:graphic>
-          <a:graphicData uri="http://schemas.openxmlformats.org/drawingml/2006/table">
-            <a:tbl>
-              <a:tblPr firstRow="1" bandRow="1">
-                <a:tableStyleId>{7E9639D4-E3E2-4D34-9284-5A2195B3D0D7}</a:tableStyleId>
-              </a:tblPr>
-              <a:tblGrid>
-                <a:gridCol w="483974">
-                  <a:extLst>
-                    <a:ext uri="{9D8B030D-6E8A-4147-A177-3AD203B41FA5}">
-                      <a16:colId xmlns:a16="http://schemas.microsoft.com/office/drawing/2014/main" val="20000"/>
-                    </a:ext>
-                  </a:extLst>
-                </a:gridCol>
-                <a:gridCol w="1205471">
-                  <a:extLst>
-                    <a:ext uri="{9D8B030D-6E8A-4147-A177-3AD203B41FA5}">
-                      <a16:colId xmlns:a16="http://schemas.microsoft.com/office/drawing/2014/main" val="20001"/>
-                    </a:ext>
-                  </a:extLst>
-                </a:gridCol>
-                <a:gridCol w="1205471">
-                  <a:extLst>
-                    <a:ext uri="{9D8B030D-6E8A-4147-A177-3AD203B41FA5}">
-                      <a16:colId xmlns:a16="http://schemas.microsoft.com/office/drawing/2014/main" val="20002"/>
-                    </a:ext>
-                  </a:extLst>
-                </a:gridCol>
-                <a:gridCol w="1205471">
-                  <a:extLst>
-                    <a:ext uri="{9D8B030D-6E8A-4147-A177-3AD203B41FA5}">
-                      <a16:colId xmlns:a16="http://schemas.microsoft.com/office/drawing/2014/main" val="20003"/>
-                    </a:ext>
-                  </a:extLst>
-                </a:gridCol>
-              </a:tblGrid>
-              <a:tr h="574715">
-                <a:tc>
-                  <a:txBody>
-                    <a:bodyPr/>
-                    <a:lstStyle/>
-                    <a:p>
-                      <a:pPr marL="0" lvl="0" algn="ctr" defTabSz="914400" rtl="0" eaLnBrk="1" latinLnBrk="0" hangingPunct="1"/>
-                      <a:endParaRPr lang="fr-FR" sz="1200" b="0" kern="1200" dirty="0">
-                        <a:solidFill>
-                          <a:schemeClr val="bg1"/>
-                        </a:solidFill>
-                        <a:latin typeface="+mn-lt"/>
-                        <a:ea typeface="+mn-ea"/>
-                        <a:cs typeface="+mn-cs"/>
-                      </a:endParaRPr>
-                    </a:p>
-                  </a:txBody>
-                  <a:tcPr marL="55572" marR="55572" marT="27786" marB="27786" anchor="ctr">
-                    <a:solidFill>
-                      <a:schemeClr val="tx1"/>
-                    </a:solidFill>
-                  </a:tcPr>
-                </a:tc>
-                <a:tc gridSpan="3">
-                  <a:txBody>
-                    <a:bodyPr/>
-                    <a:lstStyle/>
-                    <a:p>
-                      <a:pPr marL="0" marR="0" lvl="0" indent="0" algn="ctr" defTabSz="914400" rtl="0" eaLnBrk="1" fontAlgn="auto" latinLnBrk="0" hangingPunct="1">
-                        <a:lnSpc>
-                          <a:spcPct val="100000"/>
-                        </a:lnSpc>
-                        <a:spcBef>
-                          <a:spcPts val="0"/>
-                        </a:spcBef>
-                        <a:spcAft>
-                          <a:spcPts val="0"/>
-                        </a:spcAft>
-                        <a:buClrTx/>
-                        <a:buSzTx/>
-                        <a:buFontTx/>
-                        <a:buNone/>
-                        <a:tabLst/>
-                        <a:defRPr/>
-                      </a:pPr>
-                      <a:r>
-                        <a:rPr lang="fr-FR" sz="1400" b="1" kern="1200" dirty="0">
-                          <a:solidFill>
-                            <a:schemeClr val="bg1"/>
-                          </a:solidFill>
-                          <a:latin typeface="+mn-lt"/>
-                          <a:ea typeface="+mn-ea"/>
-                          <a:cs typeface="+mn-cs"/>
-                        </a:rPr>
-                        <a:t>5 ROUNDS OF 4 – ENDS W/BUNTS</a:t>
-                      </a:r>
-                    </a:p>
-                  </a:txBody>
-                  <a:tcPr marL="55572" marR="55572" marT="27786" marB="27786" anchor="ctr">
-                    <a:solidFill>
-                      <a:schemeClr val="tx1"/>
-                    </a:solidFill>
-                  </a:tcPr>
-                </a:tc>
-                <a:tc hMerge="1">
-                  <a:txBody>
-                    <a:bodyPr/>
-                    <a:lstStyle/>
-                    <a:p>
-                      <a:pPr algn="ctr"/>
-                      <a:endParaRPr lang="fr-FR" sz="1600" b="1" dirty="0"/>
-                    </a:p>
-                  </a:txBody>
-                  <a:tcPr anchor="ctr">
-                    <a:solidFill>
-                      <a:srgbClr val="FFFFFF">
-                        <a:alpha val="80000"/>
-                      </a:srgbClr>
-                    </a:solidFill>
-                  </a:tcPr>
-                </a:tc>
-                <a:tc hMerge="1">
-                  <a:txBody>
-                    <a:bodyPr/>
-                    <a:lstStyle/>
-                    <a:p>
-                      <a:pPr algn="ctr"/>
-                      <a:endParaRPr lang="fr-FR" sz="1600" dirty="0"/>
-                    </a:p>
-                  </a:txBody>
-                  <a:tcPr anchor="ctr">
-                    <a:solidFill>
-                      <a:srgbClr val="FFFFFF">
-                        <a:alpha val="80000"/>
-                      </a:srgbClr>
-                    </a:solidFill>
-                  </a:tcPr>
-                </a:tc>
-                <a:extLst>
-                  <a:ext uri="{0D108BD9-81ED-4DB2-BD59-A6C34878D82A}">
-                    <a16:rowId xmlns:a16="http://schemas.microsoft.com/office/drawing/2014/main" val="10000"/>
-                  </a:ext>
-                </a:extLst>
-              </a:tr>
-              <a:tr h="339604">
-                <a:tc>
-                  <a:txBody>
-                    <a:bodyPr/>
-                    <a:lstStyle/>
-                    <a:p>
-                      <a:pPr algn="ctr"/>
-                      <a:endParaRPr lang="fr-FR" sz="1200" b="1" cap="small" baseline="0" dirty="0"/>
-                    </a:p>
-                  </a:txBody>
-                  <a:tcPr marL="55572" marR="55572" marT="27786" marB="27786" anchor="ctr">
-                    <a:lnR w="12700" cap="flat" cmpd="sng" algn="ctr">
-                      <a:solidFill>
-                        <a:schemeClr val="tx1"/>
-                      </a:solidFill>
-                      <a:prstDash val="solid"/>
-                      <a:round/>
-                      <a:headEnd type="none" w="med" len="med"/>
-                      <a:tailEnd type="none" w="med" len="med"/>
-                    </a:lnR>
-                    <a:solidFill>
-                      <a:srgbClr val="7CC2ED"/>
-                    </a:solidFill>
-                  </a:tcPr>
-                </a:tc>
-                <a:tc>
-                  <a:txBody>
-                    <a:bodyPr/>
-                    <a:lstStyle/>
-                    <a:p>
-                      <a:pPr algn="ctr"/>
-                      <a:r>
-                        <a:rPr lang="fr-FR" sz="1200" b="1" cap="small" baseline="0" dirty="0"/>
-                        <a:t>GROUPE #1</a:t>
-                      </a:r>
-                    </a:p>
-                  </a:txBody>
-                  <a:tcPr marL="55572" marR="55572" marT="27786" marB="27786" anchor="ctr">
-                    <a:lnL w="12700" cap="flat" cmpd="sng" algn="ctr">
-                      <a:solidFill>
-                        <a:schemeClr val="tx1"/>
-                      </a:solidFill>
-                      <a:prstDash val="solid"/>
-                      <a:round/>
-                      <a:headEnd type="none" w="med" len="med"/>
-                      <a:tailEnd type="none" w="med" len="med"/>
-                    </a:lnL>
-                    <a:lnR w="12700" cap="flat" cmpd="sng" algn="ctr">
-                      <a:solidFill>
-                        <a:schemeClr val="tx1"/>
-                      </a:solidFill>
-                      <a:prstDash val="solid"/>
-                      <a:round/>
-                      <a:headEnd type="none" w="med" len="med"/>
-                      <a:tailEnd type="none" w="med" len="med"/>
-                    </a:lnR>
-                    <a:solidFill>
-                      <a:srgbClr val="7CC2ED"/>
-                    </a:solidFill>
-                  </a:tcPr>
-                </a:tc>
-                <a:tc>
-                  <a:txBody>
-                    <a:bodyPr/>
-                    <a:lstStyle/>
-                    <a:p>
-                      <a:pPr algn="ctr"/>
-                      <a:r>
-                        <a:rPr lang="fr-FR" sz="1200" b="1" cap="small" baseline="0" dirty="0"/>
-                        <a:t>GROUPE #2</a:t>
-                      </a:r>
-                    </a:p>
-                  </a:txBody>
-                  <a:tcPr marL="55572" marR="55572" marT="27786" marB="27786" anchor="ctr">
-                    <a:lnL w="12700" cap="flat" cmpd="sng" algn="ctr">
-                      <a:solidFill>
-                        <a:schemeClr val="tx1"/>
-                      </a:solidFill>
-                      <a:prstDash val="solid"/>
-                      <a:round/>
-                      <a:headEnd type="none" w="med" len="med"/>
-                      <a:tailEnd type="none" w="med" len="med"/>
-                    </a:lnL>
-                    <a:lnR w="12700" cap="flat" cmpd="sng" algn="ctr">
-                      <a:solidFill>
-                        <a:schemeClr val="tx1"/>
-                      </a:solidFill>
-                      <a:prstDash val="solid"/>
-                      <a:round/>
-                      <a:headEnd type="none" w="med" len="med"/>
-                      <a:tailEnd type="none" w="med" len="med"/>
-                    </a:lnR>
-                    <a:solidFill>
-                      <a:srgbClr val="7CC2ED"/>
-                    </a:solidFill>
-                  </a:tcPr>
-                </a:tc>
-                <a:tc>
-                  <a:txBody>
-                    <a:bodyPr/>
-                    <a:lstStyle/>
-                    <a:p>
-                      <a:pPr algn="ctr"/>
-                      <a:r>
-                        <a:rPr lang="fr-FR" sz="1200" b="1" cap="small" baseline="0" dirty="0"/>
-                        <a:t>GROUPE #3</a:t>
-                      </a:r>
-                    </a:p>
-                  </a:txBody>
-                  <a:tcPr marL="55572" marR="55572" marT="27786" marB="27786" anchor="ctr">
-                    <a:lnL w="12700" cap="flat" cmpd="sng" algn="ctr">
-                      <a:solidFill>
-                        <a:schemeClr val="tx1"/>
-                      </a:solidFill>
-                      <a:prstDash val="solid"/>
-                      <a:round/>
-                      <a:headEnd type="none" w="med" len="med"/>
-                      <a:tailEnd type="none" w="med" len="med"/>
-                    </a:lnL>
-                    <a:solidFill>
-                      <a:srgbClr val="7CC2ED"/>
-                    </a:solidFill>
-                  </a:tcPr>
-                </a:tc>
-                <a:extLst>
-                  <a:ext uri="{0D108BD9-81ED-4DB2-BD59-A6C34878D82A}">
-                    <a16:rowId xmlns:a16="http://schemas.microsoft.com/office/drawing/2014/main" val="10001"/>
-                  </a:ext>
-                </a:extLst>
-              </a:tr>
-              <a:tr h="470222">
-                <a:tc>
-                  <a:txBody>
-                    <a:bodyPr/>
-                    <a:lstStyle/>
-                    <a:p>
-                      <a:pPr algn="l"/>
-                      <a:endParaRPr lang="fr-FR" sz="1200" b="0" dirty="0"/>
-                    </a:p>
-                  </a:txBody>
-                  <a:tcPr marL="55572" marR="55572" marT="27786" marB="27786" anchor="ctr">
-                    <a:lnR w="12700" cap="flat" cmpd="sng" algn="ctr">
-                      <a:solidFill>
-                        <a:schemeClr val="tx1"/>
-                      </a:solidFill>
-                      <a:prstDash val="solid"/>
-                      <a:round/>
-                      <a:headEnd type="none" w="med" len="med"/>
-                      <a:tailEnd type="none" w="med" len="med"/>
-                    </a:lnR>
-                    <a:solidFill>
-                      <a:schemeClr val="bg1"/>
-                    </a:solidFill>
-                  </a:tcPr>
-                </a:tc>
-                <a:tc>
-                  <a:txBody>
-                    <a:bodyPr/>
-                    <a:lstStyle/>
-                    <a:p>
-                      <a:pPr algn="l"/>
-                      <a:endParaRPr lang="fr-FR" sz="1200" b="0" dirty="0"/>
-                    </a:p>
-                  </a:txBody>
-                  <a:tcPr marL="55572" marR="55572" marT="27786" marB="27786" anchor="ctr">
-                    <a:lnL w="12700" cap="flat" cmpd="sng" algn="ctr">
-                      <a:solidFill>
-                        <a:schemeClr val="tx1"/>
-                      </a:solidFill>
-                      <a:prstDash val="solid"/>
-                      <a:round/>
-                      <a:headEnd type="none" w="med" len="med"/>
-                      <a:tailEnd type="none" w="med" len="med"/>
-                    </a:lnL>
-                    <a:lnR w="12700" cap="flat" cmpd="sng" algn="ctr">
-                      <a:solidFill>
-                        <a:schemeClr val="tx1"/>
-                      </a:solidFill>
-                      <a:prstDash val="solid"/>
-                      <a:round/>
-                      <a:headEnd type="none" w="med" len="med"/>
-                      <a:tailEnd type="none" w="med" len="med"/>
-                    </a:lnR>
-                    <a:solidFill>
-                      <a:srgbClr val="FFFFFF">
-                        <a:alpha val="80000"/>
-                      </a:srgbClr>
-                    </a:solidFill>
-                  </a:tcPr>
-                </a:tc>
-                <a:tc>
-                  <a:txBody>
-                    <a:bodyPr/>
-                    <a:lstStyle/>
-                    <a:p>
-                      <a:pPr algn="l"/>
-                      <a:endParaRPr lang="fr-FR" sz="1200" b="0" dirty="0"/>
-                    </a:p>
-                  </a:txBody>
-                  <a:tcPr marL="55572" marR="55572" marT="27786" marB="27786" anchor="ctr">
-                    <a:lnL w="12700" cap="flat" cmpd="sng" algn="ctr">
-                      <a:solidFill>
-                        <a:schemeClr val="tx1"/>
-                      </a:solidFill>
-                      <a:prstDash val="solid"/>
-                      <a:round/>
-                      <a:headEnd type="none" w="med" len="med"/>
-                      <a:tailEnd type="none" w="med" len="med"/>
-                    </a:lnL>
-                    <a:lnR w="12700" cap="flat" cmpd="sng" algn="ctr">
-                      <a:solidFill>
-                        <a:schemeClr val="tx1"/>
-                      </a:solidFill>
-                      <a:prstDash val="solid"/>
-                      <a:round/>
-                      <a:headEnd type="none" w="med" len="med"/>
-                      <a:tailEnd type="none" w="med" len="med"/>
-                    </a:lnR>
-                    <a:solidFill>
-                      <a:srgbClr val="FFFFFF">
-                        <a:alpha val="80000"/>
-                      </a:srgbClr>
-                    </a:solidFill>
-                  </a:tcPr>
-                </a:tc>
-                <a:tc>
-                  <a:txBody>
-                    <a:bodyPr/>
-                    <a:lstStyle/>
-                    <a:p>
-                      <a:pPr algn="l"/>
-                      <a:endParaRPr lang="fr-FR" sz="1200" b="0" dirty="0"/>
-                    </a:p>
-                  </a:txBody>
-                  <a:tcPr marL="55572" marR="55572" marT="27786" marB="27786" anchor="ctr">
-                    <a:lnL w="12700" cap="flat" cmpd="sng" algn="ctr">
-                      <a:solidFill>
-                        <a:schemeClr val="tx1"/>
-                      </a:solidFill>
-                      <a:prstDash val="solid"/>
-                      <a:round/>
-                      <a:headEnd type="none" w="med" len="med"/>
-                      <a:tailEnd type="none" w="med" len="med"/>
-                    </a:lnL>
-                    <a:solidFill>
-                      <a:srgbClr val="FFFFFF">
-                        <a:alpha val="80000"/>
-                      </a:srgbClr>
-                    </a:solidFill>
-                  </a:tcPr>
-                </a:tc>
-                <a:extLst>
-                  <a:ext uri="{0D108BD9-81ED-4DB2-BD59-A6C34878D82A}">
-                    <a16:rowId xmlns:a16="http://schemas.microsoft.com/office/drawing/2014/main" val="10002"/>
-                  </a:ext>
-                </a:extLst>
-              </a:tr>
-              <a:tr h="470222">
-                <a:tc>
-                  <a:txBody>
-                    <a:bodyPr/>
-                    <a:lstStyle/>
-                    <a:p>
-                      <a:pPr marL="0" marR="0" indent="0" algn="l" defTabSz="914400" rtl="0" eaLnBrk="1" fontAlgn="auto" latinLnBrk="0" hangingPunct="1">
-                        <a:lnSpc>
-                          <a:spcPct val="100000"/>
-                        </a:lnSpc>
-                        <a:spcBef>
-                          <a:spcPts val="0"/>
-                        </a:spcBef>
-                        <a:spcAft>
-                          <a:spcPts val="0"/>
-                        </a:spcAft>
-                        <a:buClrTx/>
-                        <a:buSzTx/>
-                        <a:buFontTx/>
-                        <a:buNone/>
-                        <a:tabLst/>
-                        <a:defRPr/>
-                      </a:pPr>
-                      <a:endParaRPr lang="fr-FR" sz="1200" b="0" dirty="0"/>
-                    </a:p>
-                  </a:txBody>
-                  <a:tcPr marL="55572" marR="55572" marT="27786" marB="27786" anchor="ctr">
-                    <a:lnR w="12700" cap="flat" cmpd="sng" algn="ctr">
-                      <a:solidFill>
-                        <a:schemeClr val="tx1"/>
-                      </a:solidFill>
-                      <a:prstDash val="solid"/>
-                      <a:round/>
-                      <a:headEnd type="none" w="med" len="med"/>
-                      <a:tailEnd type="none" w="med" len="med"/>
-                    </a:lnR>
-                    <a:solidFill>
-                      <a:schemeClr val="bg1"/>
-                    </a:solidFill>
-                  </a:tcPr>
-                </a:tc>
-                <a:tc>
-                  <a:txBody>
-                    <a:bodyPr/>
-                    <a:lstStyle/>
-                    <a:p>
-                      <a:pPr marL="0" marR="0" indent="0" algn="l" defTabSz="914400" rtl="0" eaLnBrk="1" fontAlgn="auto" latinLnBrk="0" hangingPunct="1">
-                        <a:lnSpc>
-                          <a:spcPct val="100000"/>
-                        </a:lnSpc>
-                        <a:spcBef>
-                          <a:spcPts val="0"/>
-                        </a:spcBef>
-                        <a:spcAft>
-                          <a:spcPts val="0"/>
-                        </a:spcAft>
-                        <a:buClrTx/>
-                        <a:buSzTx/>
-                        <a:buFontTx/>
-                        <a:buNone/>
-                        <a:tabLst/>
-                        <a:defRPr/>
-                      </a:pPr>
-                      <a:endParaRPr lang="fr-FR" sz="1200" b="0" dirty="0"/>
-                    </a:p>
-                  </a:txBody>
-                  <a:tcPr marL="55572" marR="55572" marT="27786" marB="27786" anchor="ctr">
-                    <a:lnL w="12700" cap="flat" cmpd="sng" algn="ctr">
-                      <a:solidFill>
-                        <a:schemeClr val="tx1"/>
-                      </a:solidFill>
-                      <a:prstDash val="solid"/>
-                      <a:round/>
-                      <a:headEnd type="none" w="med" len="med"/>
-                      <a:tailEnd type="none" w="med" len="med"/>
-                    </a:lnL>
-                    <a:lnR w="12700" cap="flat" cmpd="sng" algn="ctr">
-                      <a:solidFill>
-                        <a:schemeClr val="tx1"/>
-                      </a:solidFill>
-                      <a:prstDash val="solid"/>
-                      <a:round/>
-                      <a:headEnd type="none" w="med" len="med"/>
-                      <a:tailEnd type="none" w="med" len="med"/>
-                    </a:lnR>
-                    <a:solidFill>
-                      <a:srgbClr val="FFFFFF">
-                        <a:alpha val="80000"/>
-                      </a:srgbClr>
-                    </a:solidFill>
-                  </a:tcPr>
-                </a:tc>
-                <a:tc>
-                  <a:txBody>
-                    <a:bodyPr/>
-                    <a:lstStyle/>
-                    <a:p>
-                      <a:pPr algn="l"/>
-                      <a:endParaRPr lang="fr-FR" sz="1200" b="0" dirty="0"/>
-                    </a:p>
-                  </a:txBody>
-                  <a:tcPr marL="55572" marR="55572" marT="27786" marB="27786" anchor="ctr">
-                    <a:lnL w="12700" cap="flat" cmpd="sng" algn="ctr">
-                      <a:solidFill>
-                        <a:schemeClr val="tx1"/>
-                      </a:solidFill>
-                      <a:prstDash val="solid"/>
-                      <a:round/>
-                      <a:headEnd type="none" w="med" len="med"/>
-                      <a:tailEnd type="none" w="med" len="med"/>
-                    </a:lnL>
-                    <a:lnR w="12700" cap="flat" cmpd="sng" algn="ctr">
-                      <a:solidFill>
-                        <a:schemeClr val="tx1"/>
-                      </a:solidFill>
-                      <a:prstDash val="solid"/>
-                      <a:round/>
-                      <a:headEnd type="none" w="med" len="med"/>
-                      <a:tailEnd type="none" w="med" len="med"/>
-                    </a:lnR>
-                    <a:solidFill>
-                      <a:srgbClr val="FFFFFF">
-                        <a:alpha val="80000"/>
-                      </a:srgbClr>
-                    </a:solidFill>
-                  </a:tcPr>
-                </a:tc>
-                <a:tc>
-                  <a:txBody>
-                    <a:bodyPr/>
-                    <a:lstStyle/>
-                    <a:p>
-                      <a:pPr algn="l"/>
-                      <a:endParaRPr lang="fr-FR" sz="1200" b="0" dirty="0"/>
-                    </a:p>
-                  </a:txBody>
-                  <a:tcPr marL="55572" marR="55572" marT="27786" marB="27786" anchor="ctr">
-                    <a:lnL w="12700" cap="flat" cmpd="sng" algn="ctr">
-                      <a:solidFill>
-                        <a:schemeClr val="tx1"/>
-                      </a:solidFill>
-                      <a:prstDash val="solid"/>
-                      <a:round/>
-                      <a:headEnd type="none" w="med" len="med"/>
-                      <a:tailEnd type="none" w="med" len="med"/>
-                    </a:lnL>
-                    <a:solidFill>
-                      <a:srgbClr val="FFFFFF">
-                        <a:alpha val="80000"/>
-                      </a:srgbClr>
-                    </a:solidFill>
-                  </a:tcPr>
-                </a:tc>
-                <a:extLst>
-                  <a:ext uri="{0D108BD9-81ED-4DB2-BD59-A6C34878D82A}">
-                    <a16:rowId xmlns:a16="http://schemas.microsoft.com/office/drawing/2014/main" val="10003"/>
-                  </a:ext>
-                </a:extLst>
-              </a:tr>
-              <a:tr h="470222">
-                <a:tc>
-                  <a:txBody>
-                    <a:bodyPr/>
-                    <a:lstStyle/>
-                    <a:p>
-                      <a:pPr marL="0" marR="0" indent="0" algn="l" defTabSz="914400" rtl="0" eaLnBrk="1" fontAlgn="auto" latinLnBrk="0" hangingPunct="1">
-                        <a:lnSpc>
-                          <a:spcPct val="100000"/>
-                        </a:lnSpc>
-                        <a:spcBef>
-                          <a:spcPts val="0"/>
-                        </a:spcBef>
-                        <a:spcAft>
-                          <a:spcPts val="0"/>
-                        </a:spcAft>
-                        <a:buClrTx/>
-                        <a:buSzTx/>
-                        <a:buFontTx/>
-                        <a:buNone/>
-                        <a:tabLst/>
-                        <a:defRPr/>
-                      </a:pPr>
-                      <a:endParaRPr lang="fr-FR" sz="1200" b="0" dirty="0"/>
-                    </a:p>
-                  </a:txBody>
-                  <a:tcPr marL="55572" marR="55572" marT="27786" marB="27786" anchor="ctr">
-                    <a:lnR w="12700" cap="flat" cmpd="sng" algn="ctr">
-                      <a:solidFill>
-                        <a:schemeClr val="tx1"/>
-                      </a:solidFill>
-                      <a:prstDash val="solid"/>
-                      <a:round/>
-                      <a:headEnd type="none" w="med" len="med"/>
-                      <a:tailEnd type="none" w="med" len="med"/>
-                    </a:lnR>
-                    <a:solidFill>
-                      <a:schemeClr val="bg1"/>
-                    </a:solidFill>
-                  </a:tcPr>
-                </a:tc>
-                <a:tc>
-                  <a:txBody>
-                    <a:bodyPr/>
-                    <a:lstStyle/>
-                    <a:p>
-                      <a:pPr marL="0" marR="0" indent="0" algn="l" defTabSz="914400" rtl="0" eaLnBrk="1" fontAlgn="auto" latinLnBrk="0" hangingPunct="1">
-                        <a:lnSpc>
-                          <a:spcPct val="100000"/>
-                        </a:lnSpc>
-                        <a:spcBef>
-                          <a:spcPts val="0"/>
-                        </a:spcBef>
-                        <a:spcAft>
-                          <a:spcPts val="0"/>
-                        </a:spcAft>
-                        <a:buClrTx/>
-                        <a:buSzTx/>
-                        <a:buFontTx/>
-                        <a:buNone/>
-                        <a:tabLst/>
-                        <a:defRPr/>
-                      </a:pPr>
-                      <a:endParaRPr lang="fr-FR" sz="1200" b="0" dirty="0"/>
-                    </a:p>
-                  </a:txBody>
-                  <a:tcPr marL="55572" marR="55572" marT="27786" marB="27786" anchor="ctr">
-                    <a:lnL w="12700" cap="flat" cmpd="sng" algn="ctr">
-                      <a:solidFill>
-                        <a:schemeClr val="tx1"/>
-                      </a:solidFill>
-                      <a:prstDash val="solid"/>
-                      <a:round/>
-                      <a:headEnd type="none" w="med" len="med"/>
-                      <a:tailEnd type="none" w="med" len="med"/>
-                    </a:lnL>
-                    <a:lnR w="12700" cap="flat" cmpd="sng" algn="ctr">
-                      <a:solidFill>
-                        <a:schemeClr val="tx1"/>
-                      </a:solidFill>
-                      <a:prstDash val="solid"/>
-                      <a:round/>
-                      <a:headEnd type="none" w="med" len="med"/>
-                      <a:tailEnd type="none" w="med" len="med"/>
-                    </a:lnR>
-                    <a:solidFill>
-                      <a:srgbClr val="FFFFFF">
-                        <a:alpha val="80000"/>
-                      </a:srgbClr>
-                    </a:solidFill>
-                  </a:tcPr>
-                </a:tc>
-                <a:tc>
-                  <a:txBody>
-                    <a:bodyPr/>
-                    <a:lstStyle/>
-                    <a:p>
-                      <a:pPr algn="l"/>
-                      <a:endParaRPr lang="fr-FR" sz="1200" b="0" dirty="0"/>
-                    </a:p>
-                  </a:txBody>
-                  <a:tcPr marL="55572" marR="55572" marT="27786" marB="27786" anchor="ctr">
-                    <a:lnL w="12700" cap="flat" cmpd="sng" algn="ctr">
-                      <a:solidFill>
-                        <a:schemeClr val="tx1"/>
-                      </a:solidFill>
-                      <a:prstDash val="solid"/>
-                      <a:round/>
-                      <a:headEnd type="none" w="med" len="med"/>
-                      <a:tailEnd type="none" w="med" len="med"/>
-                    </a:lnL>
-                    <a:lnR w="12700" cap="flat" cmpd="sng" algn="ctr">
-                      <a:solidFill>
-                        <a:schemeClr val="tx1"/>
-                      </a:solidFill>
-                      <a:prstDash val="solid"/>
-                      <a:round/>
-                      <a:headEnd type="none" w="med" len="med"/>
-                      <a:tailEnd type="none" w="med" len="med"/>
-                    </a:lnR>
-                    <a:solidFill>
-                      <a:srgbClr val="FFFFFF">
-                        <a:alpha val="80000"/>
-                      </a:srgbClr>
-                    </a:solidFill>
-                  </a:tcPr>
-                </a:tc>
-                <a:tc>
-                  <a:txBody>
-                    <a:bodyPr/>
-                    <a:lstStyle/>
-                    <a:p>
-                      <a:pPr algn="l"/>
-                      <a:endParaRPr lang="fr-FR" sz="1200" b="0" dirty="0"/>
-                    </a:p>
-                  </a:txBody>
-                  <a:tcPr marL="55572" marR="55572" marT="27786" marB="27786" anchor="ctr">
-                    <a:lnL w="12700" cap="flat" cmpd="sng" algn="ctr">
-                      <a:solidFill>
-                        <a:schemeClr val="tx1"/>
-                      </a:solidFill>
-                      <a:prstDash val="solid"/>
-                      <a:round/>
-                      <a:headEnd type="none" w="med" len="med"/>
-                      <a:tailEnd type="none" w="med" len="med"/>
-                    </a:lnL>
-                    <a:solidFill>
-                      <a:srgbClr val="FFFFFF">
-                        <a:alpha val="80000"/>
-                      </a:srgbClr>
-                    </a:solidFill>
-                  </a:tcPr>
-                </a:tc>
-                <a:extLst>
-                  <a:ext uri="{0D108BD9-81ED-4DB2-BD59-A6C34878D82A}">
-                    <a16:rowId xmlns:a16="http://schemas.microsoft.com/office/drawing/2014/main" val="10004"/>
-                  </a:ext>
-                </a:extLst>
-              </a:tr>
-              <a:tr h="470222">
-                <a:tc>
-                  <a:txBody>
-                    <a:bodyPr/>
-                    <a:lstStyle/>
-                    <a:p>
-                      <a:pPr marL="0" marR="0" indent="0" algn="l" defTabSz="914400" rtl="0" eaLnBrk="1" fontAlgn="auto" latinLnBrk="0" hangingPunct="1">
-                        <a:lnSpc>
-                          <a:spcPct val="100000"/>
-                        </a:lnSpc>
-                        <a:spcBef>
-                          <a:spcPts val="0"/>
-                        </a:spcBef>
-                        <a:spcAft>
-                          <a:spcPts val="0"/>
-                        </a:spcAft>
-                        <a:buClrTx/>
-                        <a:buSzTx/>
-                        <a:buFontTx/>
-                        <a:buNone/>
-                        <a:tabLst/>
-                        <a:defRPr/>
-                      </a:pPr>
-                      <a:endParaRPr lang="fr-FR" sz="1200" b="0" dirty="0"/>
-                    </a:p>
-                  </a:txBody>
-                  <a:tcPr marL="55572" marR="55572" marT="27786" marB="27786" anchor="ctr">
-                    <a:lnR w="12700" cap="flat" cmpd="sng" algn="ctr">
-                      <a:solidFill>
-                        <a:schemeClr val="tx1"/>
-                      </a:solidFill>
-                      <a:prstDash val="solid"/>
-                      <a:round/>
-                      <a:headEnd type="none" w="med" len="med"/>
-                      <a:tailEnd type="none" w="med" len="med"/>
-                    </a:lnR>
-                    <a:solidFill>
-                      <a:schemeClr val="bg1"/>
-                    </a:solidFill>
-                  </a:tcPr>
-                </a:tc>
-                <a:tc>
-                  <a:txBody>
-                    <a:bodyPr/>
-                    <a:lstStyle/>
-                    <a:p>
-                      <a:pPr marL="0" marR="0" indent="0" algn="l" defTabSz="914400" rtl="0" eaLnBrk="1" fontAlgn="auto" latinLnBrk="0" hangingPunct="1">
-                        <a:lnSpc>
-                          <a:spcPct val="100000"/>
-                        </a:lnSpc>
-                        <a:spcBef>
-                          <a:spcPts val="0"/>
-                        </a:spcBef>
-                        <a:spcAft>
-                          <a:spcPts val="0"/>
-                        </a:spcAft>
-                        <a:buClrTx/>
-                        <a:buSzTx/>
-                        <a:buFontTx/>
-                        <a:buNone/>
-                        <a:tabLst/>
-                        <a:defRPr/>
-                      </a:pPr>
-                      <a:endParaRPr lang="fr-FR" sz="1200" b="0" dirty="0"/>
-                    </a:p>
-                  </a:txBody>
-                  <a:tcPr marL="55572" marR="55572" marT="27786" marB="27786" anchor="ctr">
-                    <a:lnL w="12700" cap="flat" cmpd="sng" algn="ctr">
-                      <a:solidFill>
-                        <a:schemeClr val="tx1"/>
-                      </a:solidFill>
-                      <a:prstDash val="solid"/>
-                      <a:round/>
-                      <a:headEnd type="none" w="med" len="med"/>
-                      <a:tailEnd type="none" w="med" len="med"/>
-                    </a:lnL>
-                    <a:lnR w="12700" cap="flat" cmpd="sng" algn="ctr">
-                      <a:solidFill>
-                        <a:schemeClr val="tx1"/>
-                      </a:solidFill>
-                      <a:prstDash val="solid"/>
-                      <a:round/>
-                      <a:headEnd type="none" w="med" len="med"/>
-                      <a:tailEnd type="none" w="med" len="med"/>
-                    </a:lnR>
-                    <a:solidFill>
-                      <a:srgbClr val="FFFFFF">
-                        <a:alpha val="80000"/>
-                      </a:srgbClr>
-                    </a:solidFill>
-                  </a:tcPr>
-                </a:tc>
-                <a:tc>
-                  <a:txBody>
-                    <a:bodyPr/>
-                    <a:lstStyle/>
-                    <a:p>
-                      <a:pPr algn="l"/>
-                      <a:endParaRPr lang="fr-FR" sz="1200" b="0" dirty="0"/>
-                    </a:p>
-                  </a:txBody>
-                  <a:tcPr marL="55572" marR="55572" marT="27786" marB="27786" anchor="ctr">
-                    <a:lnL w="12700" cap="flat" cmpd="sng" algn="ctr">
-                      <a:solidFill>
-                        <a:schemeClr val="tx1"/>
-                      </a:solidFill>
-                      <a:prstDash val="solid"/>
-                      <a:round/>
-                      <a:headEnd type="none" w="med" len="med"/>
-                      <a:tailEnd type="none" w="med" len="med"/>
-                    </a:lnL>
-                    <a:lnR w="12700" cap="flat" cmpd="sng" algn="ctr">
-                      <a:solidFill>
-                        <a:schemeClr val="tx1"/>
-                      </a:solidFill>
-                      <a:prstDash val="solid"/>
-                      <a:round/>
-                      <a:headEnd type="none" w="med" len="med"/>
-                      <a:tailEnd type="none" w="med" len="med"/>
-                    </a:lnR>
-                    <a:solidFill>
-                      <a:srgbClr val="FFFFFF">
-                        <a:alpha val="80000"/>
-                      </a:srgbClr>
-                    </a:solidFill>
-                  </a:tcPr>
-                </a:tc>
-                <a:tc>
-                  <a:txBody>
-                    <a:bodyPr/>
-                    <a:lstStyle/>
-                    <a:p>
-                      <a:pPr algn="l"/>
-                      <a:endParaRPr lang="fr-FR" sz="1200" b="0" dirty="0"/>
-                    </a:p>
-                  </a:txBody>
-                  <a:tcPr marL="55572" marR="55572" marT="27786" marB="27786" anchor="ctr">
-                    <a:lnL w="12700" cap="flat" cmpd="sng" algn="ctr">
-                      <a:solidFill>
-                        <a:schemeClr val="tx1"/>
-                      </a:solidFill>
-                      <a:prstDash val="solid"/>
-                      <a:round/>
-                      <a:headEnd type="none" w="med" len="med"/>
-                      <a:tailEnd type="none" w="med" len="med"/>
-                    </a:lnL>
-                    <a:solidFill>
-                      <a:srgbClr val="FFFFFF">
-                        <a:alpha val="80000"/>
-                      </a:srgbClr>
-                    </a:solidFill>
-                  </a:tcPr>
-                </a:tc>
-                <a:extLst>
-                  <a:ext uri="{0D108BD9-81ED-4DB2-BD59-A6C34878D82A}">
-                    <a16:rowId xmlns:a16="http://schemas.microsoft.com/office/drawing/2014/main" val="10005"/>
-                  </a:ext>
-                </a:extLst>
-              </a:tr>
-              <a:tr h="470222">
-                <a:tc>
-                  <a:txBody>
-                    <a:bodyPr/>
-                    <a:lstStyle/>
-                    <a:p>
-                      <a:pPr marL="0" marR="0" indent="0" algn="ctr" defTabSz="914400" rtl="0" eaLnBrk="1" fontAlgn="auto" latinLnBrk="0" hangingPunct="1">
-                        <a:lnSpc>
-                          <a:spcPct val="100000"/>
-                        </a:lnSpc>
-                        <a:spcBef>
-                          <a:spcPts val="0"/>
-                        </a:spcBef>
-                        <a:spcAft>
-                          <a:spcPts val="0"/>
-                        </a:spcAft>
-                        <a:buClrTx/>
-                        <a:buSzTx/>
-                        <a:buFontTx/>
-                        <a:buNone/>
-                        <a:tabLst/>
-                        <a:defRPr/>
-                      </a:pPr>
-                      <a:r>
-                        <a:rPr lang="fr-FR" sz="1200" b="1" kern="1200" dirty="0">
-                          <a:solidFill>
-                            <a:schemeClr val="tx1"/>
-                          </a:solidFill>
-                          <a:latin typeface="+mn-lt"/>
-                          <a:ea typeface="+mn-ea"/>
-                          <a:cs typeface="+mn-cs"/>
-                        </a:rPr>
-                        <a:t>P</a:t>
-                      </a:r>
-                    </a:p>
-                  </a:txBody>
-                  <a:tcPr marL="55572" marR="55572" marT="27786" marB="27786" anchor="ctr">
-                    <a:lnR w="12700" cap="flat" cmpd="sng" algn="ctr">
-                      <a:solidFill>
-                        <a:schemeClr val="tx1"/>
-                      </a:solidFill>
-                      <a:prstDash val="solid"/>
-                      <a:round/>
-                      <a:headEnd type="none" w="med" len="med"/>
-                      <a:tailEnd type="none" w="med" len="med"/>
-                    </a:lnR>
-                    <a:solidFill>
-                      <a:srgbClr val="7CC2ED"/>
-                    </a:solidFill>
-                  </a:tcPr>
-                </a:tc>
-                <a:tc>
-                  <a:txBody>
-                    <a:bodyPr/>
-                    <a:lstStyle/>
-                    <a:p>
-                      <a:pPr marL="0" marR="0" indent="0" algn="l" defTabSz="914400" rtl="0" eaLnBrk="1" fontAlgn="auto" latinLnBrk="0" hangingPunct="1">
-                        <a:lnSpc>
-                          <a:spcPct val="100000"/>
-                        </a:lnSpc>
-                        <a:spcBef>
-                          <a:spcPts val="0"/>
-                        </a:spcBef>
-                        <a:spcAft>
-                          <a:spcPts val="0"/>
-                        </a:spcAft>
-                        <a:buClrTx/>
-                        <a:buSzTx/>
-                        <a:buFontTx/>
-                        <a:buNone/>
-                        <a:tabLst/>
-                        <a:defRPr/>
-                      </a:pPr>
-                      <a:endParaRPr lang="fr-FR" sz="1200" b="0" dirty="0"/>
-                    </a:p>
-                  </a:txBody>
-                  <a:tcPr marL="55572" marR="55572" marT="27786" marB="27786" anchor="ctr">
-                    <a:lnL w="12700" cap="flat" cmpd="sng" algn="ctr">
-                      <a:solidFill>
-                        <a:schemeClr val="tx1"/>
-                      </a:solidFill>
-                      <a:prstDash val="solid"/>
-                      <a:round/>
-                      <a:headEnd type="none" w="med" len="med"/>
-                      <a:tailEnd type="none" w="med" len="med"/>
-                    </a:lnL>
-                    <a:lnR w="12700" cap="flat" cmpd="sng" algn="ctr">
-                      <a:solidFill>
-                        <a:schemeClr val="tx1"/>
-                      </a:solidFill>
-                      <a:prstDash val="solid"/>
-                      <a:round/>
-                      <a:headEnd type="none" w="med" len="med"/>
-                      <a:tailEnd type="none" w="med" len="med"/>
-                    </a:lnR>
-                    <a:solidFill>
-                      <a:schemeClr val="bg1"/>
-                    </a:solidFill>
-                  </a:tcPr>
-                </a:tc>
-                <a:tc>
-                  <a:txBody>
-                    <a:bodyPr/>
-                    <a:lstStyle/>
-                    <a:p>
-                      <a:pPr algn="l"/>
-                      <a:endParaRPr lang="fr-FR" sz="1200" b="0" dirty="0"/>
-                    </a:p>
-                  </a:txBody>
-                  <a:tcPr marL="55572" marR="55572" marT="27786" marB="27786" anchor="ctr">
-                    <a:lnL w="12700" cap="flat" cmpd="sng" algn="ctr">
-                      <a:solidFill>
-                        <a:schemeClr val="tx1"/>
-                      </a:solidFill>
-                      <a:prstDash val="solid"/>
-                      <a:round/>
-                      <a:headEnd type="none" w="med" len="med"/>
-                      <a:tailEnd type="none" w="med" len="med"/>
-                    </a:lnL>
-                    <a:lnR w="12700" cap="flat" cmpd="sng" algn="ctr">
-                      <a:solidFill>
-                        <a:schemeClr val="tx1"/>
-                      </a:solidFill>
-                      <a:prstDash val="solid"/>
-                      <a:round/>
-                      <a:headEnd type="none" w="med" len="med"/>
-                      <a:tailEnd type="none" w="med" len="med"/>
-                    </a:lnR>
-                    <a:solidFill>
-                      <a:schemeClr val="bg1"/>
-                    </a:solidFill>
-                  </a:tcPr>
-                </a:tc>
-                <a:tc>
-                  <a:txBody>
-                    <a:bodyPr/>
-                    <a:lstStyle/>
-                    <a:p>
-                      <a:pPr algn="l"/>
-                      <a:endParaRPr lang="fr-FR" sz="1200" b="0" dirty="0"/>
-                    </a:p>
-                  </a:txBody>
-                  <a:tcPr marL="55572" marR="55572" marT="27786" marB="27786" anchor="ctr">
-                    <a:lnL w="12700" cap="flat" cmpd="sng" algn="ctr">
-                      <a:solidFill>
-                        <a:schemeClr val="tx1"/>
-                      </a:solidFill>
-                      <a:prstDash val="solid"/>
-                      <a:round/>
-                      <a:headEnd type="none" w="med" len="med"/>
-                      <a:tailEnd type="none" w="med" len="med"/>
-                    </a:lnL>
-                    <a:solidFill>
-                      <a:schemeClr val="bg1"/>
-                    </a:solidFill>
-                  </a:tcPr>
-                </a:tc>
-                <a:extLst>
-                  <a:ext uri="{0D108BD9-81ED-4DB2-BD59-A6C34878D82A}">
-                    <a16:rowId xmlns:a16="http://schemas.microsoft.com/office/drawing/2014/main" val="10006"/>
-                  </a:ext>
-                </a:extLst>
-              </a:tr>
-              <a:tr h="470222">
-                <a:tc>
-                  <a:txBody>
-                    <a:bodyPr/>
-                    <a:lstStyle/>
-                    <a:p>
-                      <a:pPr marL="0" marR="0" indent="0" algn="ctr" defTabSz="914400" rtl="0" eaLnBrk="1" fontAlgn="auto" latinLnBrk="0" hangingPunct="1">
-                        <a:lnSpc>
-                          <a:spcPct val="100000"/>
-                        </a:lnSpc>
-                        <a:spcBef>
-                          <a:spcPts val="0"/>
-                        </a:spcBef>
-                        <a:spcAft>
-                          <a:spcPts val="0"/>
-                        </a:spcAft>
-                        <a:buClrTx/>
-                        <a:buSzTx/>
-                        <a:buFontTx/>
-                        <a:buNone/>
-                        <a:tabLst/>
-                        <a:defRPr/>
-                      </a:pPr>
-                      <a:r>
-                        <a:rPr lang="fr-FR" sz="1200" b="1" kern="1200" dirty="0">
-                          <a:solidFill>
-                            <a:schemeClr val="bg1"/>
-                          </a:solidFill>
-                          <a:latin typeface="+mn-lt"/>
-                          <a:ea typeface="+mn-ea"/>
-                          <a:cs typeface="+mn-cs"/>
-                        </a:rPr>
-                        <a:t>F</a:t>
-                      </a:r>
-                    </a:p>
-                  </a:txBody>
-                  <a:tcPr marL="55572" marR="55572" marT="27786" marB="27786" anchor="ctr">
-                    <a:lnR w="12700" cap="flat" cmpd="sng" algn="ctr">
-                      <a:solidFill>
-                        <a:schemeClr val="tx1"/>
-                      </a:solidFill>
-                      <a:prstDash val="solid"/>
-                      <a:round/>
-                      <a:headEnd type="none" w="med" len="med"/>
-                      <a:tailEnd type="none" w="med" len="med"/>
-                    </a:lnR>
-                    <a:solidFill>
-                      <a:schemeClr val="tx1"/>
-                    </a:solidFill>
-                  </a:tcPr>
-                </a:tc>
-                <a:tc>
-                  <a:txBody>
-                    <a:bodyPr/>
-                    <a:lstStyle/>
-                    <a:p>
-                      <a:pPr marL="0" marR="0" indent="0" algn="l" defTabSz="914400" rtl="0" eaLnBrk="1" fontAlgn="auto" latinLnBrk="0" hangingPunct="1">
-                        <a:lnSpc>
-                          <a:spcPct val="100000"/>
-                        </a:lnSpc>
-                        <a:spcBef>
-                          <a:spcPts val="0"/>
-                        </a:spcBef>
-                        <a:spcAft>
-                          <a:spcPts val="0"/>
-                        </a:spcAft>
-                        <a:buClrTx/>
-                        <a:buSzTx/>
-                        <a:buFontTx/>
-                        <a:buNone/>
-                        <a:tabLst/>
-                        <a:defRPr/>
-                      </a:pPr>
-                      <a:endParaRPr lang="fr-FR" sz="1200" b="0" dirty="0"/>
-                    </a:p>
-                  </a:txBody>
-                  <a:tcPr marL="55572" marR="55572" marT="27786" marB="27786" anchor="ctr">
-                    <a:lnL w="12700" cap="flat" cmpd="sng" algn="ctr">
-                      <a:solidFill>
-                        <a:schemeClr val="tx1"/>
-                      </a:solidFill>
-                      <a:prstDash val="solid"/>
-                      <a:round/>
-                      <a:headEnd type="none" w="med" len="med"/>
-                      <a:tailEnd type="none" w="med" len="med"/>
-                    </a:lnL>
-                    <a:lnR w="12700" cap="flat" cmpd="sng" algn="ctr">
-                      <a:solidFill>
-                        <a:schemeClr val="tx1"/>
-                      </a:solidFill>
-                      <a:prstDash val="solid"/>
-                      <a:round/>
-                      <a:headEnd type="none" w="med" len="med"/>
-                      <a:tailEnd type="none" w="med" len="med"/>
-                    </a:lnR>
-                    <a:solidFill>
-                      <a:schemeClr val="bg1"/>
-                    </a:solidFill>
-                  </a:tcPr>
-                </a:tc>
-                <a:tc>
-                  <a:txBody>
-                    <a:bodyPr/>
-                    <a:lstStyle/>
-                    <a:p>
-                      <a:pPr algn="l"/>
-                      <a:endParaRPr lang="fr-FR" sz="1200" b="0" dirty="0"/>
-                    </a:p>
-                  </a:txBody>
-                  <a:tcPr marL="55572" marR="55572" marT="27786" marB="27786" anchor="ctr">
-                    <a:lnL w="12700" cap="flat" cmpd="sng" algn="ctr">
-                      <a:solidFill>
-                        <a:schemeClr val="tx1"/>
-                      </a:solidFill>
-                      <a:prstDash val="solid"/>
-                      <a:round/>
-                      <a:headEnd type="none" w="med" len="med"/>
-                      <a:tailEnd type="none" w="med" len="med"/>
-                    </a:lnL>
-                    <a:lnR w="12700" cap="flat" cmpd="sng" algn="ctr">
-                      <a:solidFill>
-                        <a:schemeClr val="tx1"/>
-                      </a:solidFill>
-                      <a:prstDash val="solid"/>
-                      <a:round/>
-                      <a:headEnd type="none" w="med" len="med"/>
-                      <a:tailEnd type="none" w="med" len="med"/>
-                    </a:lnR>
-                    <a:solidFill>
-                      <a:schemeClr val="bg1"/>
-                    </a:solidFill>
-                  </a:tcPr>
-                </a:tc>
-                <a:tc>
-                  <a:txBody>
-                    <a:bodyPr/>
-                    <a:lstStyle/>
-                    <a:p>
-                      <a:pPr algn="l"/>
-                      <a:endParaRPr lang="fr-FR" sz="1200" b="0" dirty="0"/>
-                    </a:p>
-                  </a:txBody>
-                  <a:tcPr marL="55572" marR="55572" marT="27786" marB="27786" anchor="ctr">
-                    <a:lnL w="12700" cap="flat" cmpd="sng" algn="ctr">
-                      <a:solidFill>
-                        <a:schemeClr val="tx1"/>
-                      </a:solidFill>
-                      <a:prstDash val="solid"/>
-                      <a:round/>
-                      <a:headEnd type="none" w="med" len="med"/>
-                      <a:tailEnd type="none" w="med" len="med"/>
-                    </a:lnL>
-                    <a:solidFill>
-                      <a:schemeClr val="bg1"/>
-                    </a:solidFill>
-                  </a:tcPr>
-                </a:tc>
-                <a:extLst>
-                  <a:ext uri="{0D108BD9-81ED-4DB2-BD59-A6C34878D82A}">
-                    <a16:rowId xmlns:a16="http://schemas.microsoft.com/office/drawing/2014/main" val="10007"/>
-                  </a:ext>
-                </a:extLst>
-              </a:tr>
-            </a:tbl>
-          </a:graphicData>
-        </a:graphic>
-      </p:graphicFrame>
-      <p:graphicFrame>
-        <p:nvGraphicFramePr>
           <p:cNvPr id="8" name="Tableau 7"/>
           <p:cNvGraphicFramePr>
             <a:graphicFrameLocks noGrp="1"/>
@@ -5678,7 +4456,7 @@
           <p:nvPr>
             <p:extLst>
               <p:ext uri="{D42A27DB-BD31-4B8C-83A1-F6EECF244321}">
-                <p14:modId xmlns:p14="http://schemas.microsoft.com/office/powerpoint/2010/main" val="119100592"/>
+                <p14:modId xmlns:p14="http://schemas.microsoft.com/office/powerpoint/2010/main" val="3536533658"/>
               </p:ext>
             </p:extLst>
           </p:nvPr>
@@ -5989,7 +4767,7 @@
                       <a:pPr algn="ctr"/>
                       <a:r>
                         <a:rPr lang="fr-FR" sz="1400" b="1" dirty="0"/>
-                        <a:t>9:10</a:t>
+                        <a:t>9:15</a:t>
                       </a:r>
                     </a:p>
                   </a:txBody>
@@ -6054,7 +4832,7 @@
                       <a:pPr algn="ctr"/>
                       <a:r>
                         <a:rPr lang="fr-FR" sz="1400" b="1" dirty="0"/>
-                        <a:t>9:30</a:t>
+                        <a:t>9:25</a:t>
                       </a:r>
                     </a:p>
                   </a:txBody>
@@ -6119,7 +4897,7 @@
                       <a:pPr algn="ctr"/>
                       <a:r>
                         <a:rPr lang="fr-FR" sz="1400" b="1" dirty="0"/>
-                        <a:t>9:45</a:t>
+                        <a:t>9:40</a:t>
                       </a:r>
                     </a:p>
                   </a:txBody>
@@ -6192,7 +4970,7 @@
                       <a:pPr algn="ctr"/>
                       <a:r>
                         <a:rPr lang="fr-FR" sz="1400" b="1" dirty="0"/>
-                        <a:t>10:30</a:t>
+                        <a:t>9:05</a:t>
                       </a:r>
                     </a:p>
                   </a:txBody>
@@ -6257,7 +5035,7 @@
                       <a:pPr algn="ctr"/>
                       <a:r>
                         <a:rPr lang="fr-FR" sz="1400" b="1" dirty="0"/>
-                        <a:t>10:45</a:t>
+                        <a:t>10:30</a:t>
                       </a:r>
                     </a:p>
                   </a:txBody>
@@ -8038,6 +6816,1680 @@
                 <a:extLst>
                   <a:ext uri="{0D108BD9-81ED-4DB2-BD59-A6C34878D82A}">
                     <a16:rowId xmlns:a16="http://schemas.microsoft.com/office/drawing/2014/main" val="10010"/>
+                  </a:ext>
+                </a:extLst>
+              </a:tr>
+            </a:tbl>
+          </a:graphicData>
+        </a:graphic>
+      </p:graphicFrame>
+      <p:graphicFrame>
+        <p:nvGraphicFramePr>
+          <p:cNvPr id="12" name="Tableau 11">
+            <a:extLst>
+              <a:ext uri="{FF2B5EF4-FFF2-40B4-BE49-F238E27FC236}">
+                <a16:creationId xmlns:a16="http://schemas.microsoft.com/office/drawing/2014/main" id="{4F961F96-51E5-4BB3-A3FB-34F00E3E07CB}"/>
+              </a:ext>
+            </a:extLst>
+          </p:cNvPr>
+          <p:cNvGraphicFramePr>
+            <a:graphicFrameLocks noGrp="1"/>
+          </p:cNvGraphicFramePr>
+          <p:nvPr>
+            <p:extLst>
+              <p:ext uri="{D42A27DB-BD31-4B8C-83A1-F6EECF244321}">
+                <p14:modId xmlns:p14="http://schemas.microsoft.com/office/powerpoint/2010/main" val="2556054338"/>
+              </p:ext>
+            </p:extLst>
+          </p:nvPr>
+        </p:nvGraphicFramePr>
+        <p:xfrm>
+          <a:off x="166812" y="1369747"/>
+          <a:ext cx="4100387" cy="3744771"/>
+        </p:xfrm>
+        <a:graphic>
+          <a:graphicData uri="http://schemas.openxmlformats.org/drawingml/2006/table">
+            <a:tbl>
+              <a:tblPr firstRow="1" bandRow="1">
+                <a:tableStyleId>{7E9639D4-E3E2-4D34-9284-5A2195B3D0D7}</a:tableStyleId>
+              </a:tblPr>
+              <a:tblGrid>
+                <a:gridCol w="294171">
+                  <a:extLst>
+                    <a:ext uri="{9D8B030D-6E8A-4147-A177-3AD203B41FA5}">
+                      <a16:colId xmlns:a16="http://schemas.microsoft.com/office/drawing/2014/main" val="20000"/>
+                    </a:ext>
+                  </a:extLst>
+                </a:gridCol>
+                <a:gridCol w="951554">
+                  <a:extLst>
+                    <a:ext uri="{9D8B030D-6E8A-4147-A177-3AD203B41FA5}">
+                      <a16:colId xmlns:a16="http://schemas.microsoft.com/office/drawing/2014/main" val="20001"/>
+                    </a:ext>
+                  </a:extLst>
+                </a:gridCol>
+                <a:gridCol w="951554">
+                  <a:extLst>
+                    <a:ext uri="{9D8B030D-6E8A-4147-A177-3AD203B41FA5}">
+                      <a16:colId xmlns:a16="http://schemas.microsoft.com/office/drawing/2014/main" val="20002"/>
+                    </a:ext>
+                  </a:extLst>
+                </a:gridCol>
+                <a:gridCol w="951554">
+                  <a:extLst>
+                    <a:ext uri="{9D8B030D-6E8A-4147-A177-3AD203B41FA5}">
+                      <a16:colId xmlns:a16="http://schemas.microsoft.com/office/drawing/2014/main" val="930113300"/>
+                    </a:ext>
+                  </a:extLst>
+                </a:gridCol>
+                <a:gridCol w="951554">
+                  <a:extLst>
+                    <a:ext uri="{9D8B030D-6E8A-4147-A177-3AD203B41FA5}">
+                      <a16:colId xmlns:a16="http://schemas.microsoft.com/office/drawing/2014/main" val="20003"/>
+                    </a:ext>
+                  </a:extLst>
+                </a:gridCol>
+              </a:tblGrid>
+              <a:tr h="574715">
+                <a:tc>
+                  <a:txBody>
+                    <a:bodyPr/>
+                    <a:lstStyle/>
+                    <a:p>
+                      <a:pPr marL="0" lvl="0" algn="ctr" defTabSz="914400" rtl="0" eaLnBrk="1" latinLnBrk="0" hangingPunct="1"/>
+                      <a:endParaRPr lang="fr-FR" sz="1200" b="0" kern="1200" dirty="0">
+                        <a:solidFill>
+                          <a:schemeClr val="bg1"/>
+                        </a:solidFill>
+                        <a:latin typeface="+mn-lt"/>
+                        <a:ea typeface="+mn-ea"/>
+                        <a:cs typeface="+mn-cs"/>
+                      </a:endParaRPr>
+                    </a:p>
+                  </a:txBody>
+                  <a:tcPr marL="55572" marR="55572" marT="27786" marB="27786" anchor="ctr">
+                    <a:solidFill>
+                      <a:schemeClr val="tx1"/>
+                    </a:solidFill>
+                  </a:tcPr>
+                </a:tc>
+                <a:tc gridSpan="4">
+                  <a:txBody>
+                    <a:bodyPr/>
+                    <a:lstStyle/>
+                    <a:p>
+                      <a:pPr marL="0" lvl="0" algn="ctr" defTabSz="914400" rtl="0" eaLnBrk="1" latinLnBrk="0" hangingPunct="1"/>
+                      <a:r>
+                        <a:rPr lang="fr-FR" sz="1400" b="1" kern="1200" dirty="0">
+                          <a:solidFill>
+                            <a:schemeClr val="bg1"/>
+                          </a:solidFill>
+                          <a:latin typeface="+mn-lt"/>
+                          <a:ea typeface="+mn-ea"/>
+                          <a:cs typeface="+mn-cs"/>
+                        </a:rPr>
+                        <a:t>SEQUENCE WRITTEN </a:t>
+                      </a:r>
+                      <a:r>
+                        <a:rPr lang="fr-FR" sz="1400" b="1" kern="1200" dirty="0">
+                          <a:solidFill>
+                            <a:srgbClr val="FFFF00"/>
+                          </a:solidFill>
+                          <a:latin typeface="+mn-lt"/>
+                          <a:ea typeface="+mn-ea"/>
+                          <a:cs typeface="+mn-cs"/>
+                        </a:rPr>
+                        <a:t>YELLOW</a:t>
+                      </a:r>
+                      <a:r>
+                        <a:rPr lang="fr-FR" sz="1400" b="1" kern="1200" dirty="0">
+                          <a:solidFill>
+                            <a:schemeClr val="bg1"/>
+                          </a:solidFill>
+                          <a:latin typeface="+mn-lt"/>
+                          <a:ea typeface="+mn-ea"/>
+                          <a:cs typeface="+mn-cs"/>
+                        </a:rPr>
+                        <a:t> LINE</a:t>
+                      </a:r>
+                    </a:p>
+                  </a:txBody>
+                  <a:tcPr marL="55572" marR="55572" marT="27786" marB="27786" anchor="ctr">
+                    <a:solidFill>
+                      <a:schemeClr val="tx1"/>
+                    </a:solidFill>
+                  </a:tcPr>
+                </a:tc>
+                <a:tc hMerge="1">
+                  <a:txBody>
+                    <a:bodyPr/>
+                    <a:lstStyle/>
+                    <a:p>
+                      <a:pPr algn="ctr"/>
+                      <a:endParaRPr lang="fr-FR" sz="1600" b="1" dirty="0"/>
+                    </a:p>
+                  </a:txBody>
+                  <a:tcPr anchor="ctr">
+                    <a:solidFill>
+                      <a:srgbClr val="FFFFFF">
+                        <a:alpha val="80000"/>
+                      </a:srgbClr>
+                    </a:solidFill>
+                  </a:tcPr>
+                </a:tc>
+                <a:tc hMerge="1">
+                  <a:txBody>
+                    <a:bodyPr/>
+                    <a:lstStyle/>
+                    <a:p>
+                      <a:endParaRPr lang="fr-FR"/>
+                    </a:p>
+                  </a:txBody>
+                  <a:tcPr/>
+                </a:tc>
+                <a:tc hMerge="1">
+                  <a:txBody>
+                    <a:bodyPr/>
+                    <a:lstStyle/>
+                    <a:p>
+                      <a:pPr algn="ctr"/>
+                      <a:endParaRPr lang="fr-FR" sz="1600" dirty="0"/>
+                    </a:p>
+                  </a:txBody>
+                  <a:tcPr anchor="ctr">
+                    <a:solidFill>
+                      <a:srgbClr val="FFFFFF">
+                        <a:alpha val="80000"/>
+                      </a:srgbClr>
+                    </a:solidFill>
+                  </a:tcPr>
+                </a:tc>
+                <a:extLst>
+                  <a:ext uri="{0D108BD9-81ED-4DB2-BD59-A6C34878D82A}">
+                    <a16:rowId xmlns:a16="http://schemas.microsoft.com/office/drawing/2014/main" val="10000"/>
+                  </a:ext>
+                </a:extLst>
+              </a:tr>
+              <a:tr h="339604">
+                <a:tc>
+                  <a:txBody>
+                    <a:bodyPr/>
+                    <a:lstStyle/>
+                    <a:p>
+                      <a:pPr algn="ctr"/>
+                      <a:endParaRPr lang="fr-FR" sz="1200" b="1" cap="small" baseline="0" dirty="0"/>
+                    </a:p>
+                  </a:txBody>
+                  <a:tcPr marL="55572" marR="55572" marT="27786" marB="27786" anchor="ctr">
+                    <a:lnR w="12700" cap="flat" cmpd="sng" algn="ctr">
+                      <a:solidFill>
+                        <a:schemeClr val="tx1"/>
+                      </a:solidFill>
+                      <a:prstDash val="solid"/>
+                      <a:round/>
+                      <a:headEnd type="none" w="med" len="med"/>
+                      <a:tailEnd type="none" w="med" len="med"/>
+                    </a:lnR>
+                    <a:solidFill>
+                      <a:srgbClr val="7CC2ED"/>
+                    </a:solidFill>
+                  </a:tcPr>
+                </a:tc>
+                <a:tc>
+                  <a:txBody>
+                    <a:bodyPr/>
+                    <a:lstStyle/>
+                    <a:p>
+                      <a:pPr algn="ctr"/>
+                      <a:r>
+                        <a:rPr lang="fr-FR" sz="1200" b="1" cap="small" baseline="0" dirty="0"/>
+                        <a:t>GROUPE #1</a:t>
+                      </a:r>
+                    </a:p>
+                  </a:txBody>
+                  <a:tcPr marL="55572" marR="55572" marT="27786" marB="27786" anchor="ctr">
+                    <a:lnL w="12700" cap="flat" cmpd="sng" algn="ctr">
+                      <a:solidFill>
+                        <a:schemeClr val="tx1"/>
+                      </a:solidFill>
+                      <a:prstDash val="solid"/>
+                      <a:round/>
+                      <a:headEnd type="none" w="med" len="med"/>
+                      <a:tailEnd type="none" w="med" len="med"/>
+                    </a:lnL>
+                    <a:lnR w="12700" cap="flat" cmpd="sng" algn="ctr">
+                      <a:solidFill>
+                        <a:schemeClr val="tx1"/>
+                      </a:solidFill>
+                      <a:prstDash val="solid"/>
+                      <a:round/>
+                      <a:headEnd type="none" w="med" len="med"/>
+                      <a:tailEnd type="none" w="med" len="med"/>
+                    </a:lnR>
+                    <a:solidFill>
+                      <a:srgbClr val="7CC2ED"/>
+                    </a:solidFill>
+                  </a:tcPr>
+                </a:tc>
+                <a:tc>
+                  <a:txBody>
+                    <a:bodyPr/>
+                    <a:lstStyle/>
+                    <a:p>
+                      <a:pPr algn="ctr"/>
+                      <a:r>
+                        <a:rPr lang="fr-FR" sz="1200" b="1" cap="small" baseline="0" dirty="0"/>
+                        <a:t>GROUPE #2</a:t>
+                      </a:r>
+                    </a:p>
+                  </a:txBody>
+                  <a:tcPr marL="55572" marR="55572" marT="27786" marB="27786" anchor="ctr">
+                    <a:lnL w="12700" cap="flat" cmpd="sng" algn="ctr">
+                      <a:solidFill>
+                        <a:schemeClr val="tx1"/>
+                      </a:solidFill>
+                      <a:prstDash val="solid"/>
+                      <a:round/>
+                      <a:headEnd type="none" w="med" len="med"/>
+                      <a:tailEnd type="none" w="med" len="med"/>
+                    </a:lnL>
+                    <a:lnR w="12700" cap="flat" cmpd="sng" algn="ctr">
+                      <a:solidFill>
+                        <a:schemeClr val="tx1"/>
+                      </a:solidFill>
+                      <a:prstDash val="solid"/>
+                      <a:round/>
+                      <a:headEnd type="none" w="med" len="med"/>
+                      <a:tailEnd type="none" w="med" len="med"/>
+                    </a:lnR>
+                    <a:solidFill>
+                      <a:srgbClr val="7CC2ED"/>
+                    </a:solidFill>
+                  </a:tcPr>
+                </a:tc>
+                <a:tc>
+                  <a:txBody>
+                    <a:bodyPr/>
+                    <a:lstStyle/>
+                    <a:p>
+                      <a:pPr marL="0" marR="0" lvl="0" indent="0" algn="ctr" defTabSz="914400" rtl="0" eaLnBrk="1" fontAlgn="auto" latinLnBrk="0" hangingPunct="1">
+                        <a:lnSpc>
+                          <a:spcPct val="100000"/>
+                        </a:lnSpc>
+                        <a:spcBef>
+                          <a:spcPts val="0"/>
+                        </a:spcBef>
+                        <a:spcAft>
+                          <a:spcPts val="0"/>
+                        </a:spcAft>
+                        <a:buClrTx/>
+                        <a:buSzTx/>
+                        <a:buFontTx/>
+                        <a:buNone/>
+                        <a:tabLst/>
+                        <a:defRPr/>
+                      </a:pPr>
+                      <a:r>
+                        <a:rPr lang="fr-FR" sz="1200" b="1" cap="small" baseline="0" dirty="0"/>
+                        <a:t>GROUPE #3</a:t>
+                      </a:r>
+                    </a:p>
+                  </a:txBody>
+                  <a:tcPr marL="55572" marR="55572" marT="27786" marB="27786" anchor="ctr">
+                    <a:lnL w="12700" cap="flat" cmpd="sng" algn="ctr">
+                      <a:solidFill>
+                        <a:schemeClr val="tx1"/>
+                      </a:solidFill>
+                      <a:prstDash val="solid"/>
+                      <a:round/>
+                      <a:headEnd type="none" w="med" len="med"/>
+                      <a:tailEnd type="none" w="med" len="med"/>
+                    </a:lnL>
+                    <a:lnR w="12700" cap="flat" cmpd="sng" algn="ctr">
+                      <a:solidFill>
+                        <a:schemeClr val="tx1"/>
+                      </a:solidFill>
+                      <a:prstDash val="solid"/>
+                      <a:round/>
+                      <a:headEnd type="none" w="med" len="med"/>
+                      <a:tailEnd type="none" w="med" len="med"/>
+                    </a:lnR>
+                    <a:solidFill>
+                      <a:srgbClr val="7CC2ED"/>
+                    </a:solidFill>
+                  </a:tcPr>
+                </a:tc>
+                <a:tc>
+                  <a:txBody>
+                    <a:bodyPr/>
+                    <a:lstStyle/>
+                    <a:p>
+                      <a:pPr algn="ctr"/>
+                      <a:r>
+                        <a:rPr lang="fr-FR" sz="1200" b="1" cap="small" baseline="0" dirty="0"/>
+                        <a:t>GROUPE #4</a:t>
+                      </a:r>
+                    </a:p>
+                  </a:txBody>
+                  <a:tcPr marL="55572" marR="55572" marT="27786" marB="27786" anchor="ctr">
+                    <a:lnL w="12700" cap="flat" cmpd="sng" algn="ctr">
+                      <a:solidFill>
+                        <a:schemeClr val="tx1"/>
+                      </a:solidFill>
+                      <a:prstDash val="solid"/>
+                      <a:round/>
+                      <a:headEnd type="none" w="med" len="med"/>
+                      <a:tailEnd type="none" w="med" len="med"/>
+                    </a:lnL>
+                    <a:solidFill>
+                      <a:srgbClr val="7CC2ED"/>
+                    </a:solidFill>
+                  </a:tcPr>
+                </a:tc>
+                <a:extLst>
+                  <a:ext uri="{0D108BD9-81ED-4DB2-BD59-A6C34878D82A}">
+                    <a16:rowId xmlns:a16="http://schemas.microsoft.com/office/drawing/2014/main" val="10001"/>
+                  </a:ext>
+                </a:extLst>
+              </a:tr>
+              <a:tr h="216000">
+                <a:tc>
+                  <a:txBody>
+                    <a:bodyPr/>
+                    <a:lstStyle/>
+                    <a:p>
+                      <a:pPr algn="ctr"/>
+                      <a:r>
+                        <a:rPr lang="fr-FR" sz="1200" b="1" dirty="0"/>
+                        <a:t>S</a:t>
+                      </a:r>
+                    </a:p>
+                  </a:txBody>
+                  <a:tcPr marL="55572" marR="55572" marT="27786" marB="27786" anchor="ctr">
+                    <a:lnR w="12700" cap="flat" cmpd="sng" algn="ctr">
+                      <a:solidFill>
+                        <a:schemeClr val="tx1"/>
+                      </a:solidFill>
+                      <a:prstDash val="solid"/>
+                      <a:round/>
+                      <a:headEnd type="none" w="med" len="med"/>
+                      <a:tailEnd type="none" w="med" len="med"/>
+                    </a:lnR>
+                    <a:solidFill>
+                      <a:srgbClr val="FFFF00"/>
+                    </a:solidFill>
+                  </a:tcPr>
+                </a:tc>
+                <a:tc>
+                  <a:txBody>
+                    <a:bodyPr/>
+                    <a:lstStyle/>
+                    <a:p>
+                      <a:pPr algn="l"/>
+                      <a:endParaRPr lang="fr-FR" sz="1200" b="0" dirty="0"/>
+                    </a:p>
+                  </a:txBody>
+                  <a:tcPr marL="55572" marR="55572" marT="27786" marB="27786" anchor="ctr">
+                    <a:lnL w="12700" cap="flat" cmpd="sng" algn="ctr">
+                      <a:solidFill>
+                        <a:schemeClr val="tx1"/>
+                      </a:solidFill>
+                      <a:prstDash val="solid"/>
+                      <a:round/>
+                      <a:headEnd type="none" w="med" len="med"/>
+                      <a:tailEnd type="none" w="med" len="med"/>
+                    </a:lnL>
+                    <a:lnR w="12700" cap="flat" cmpd="sng" algn="ctr">
+                      <a:solidFill>
+                        <a:schemeClr val="tx1"/>
+                      </a:solidFill>
+                      <a:prstDash val="solid"/>
+                      <a:round/>
+                      <a:headEnd type="none" w="med" len="med"/>
+                      <a:tailEnd type="none" w="med" len="med"/>
+                    </a:lnR>
+                    <a:solidFill>
+                      <a:srgbClr val="FFFFFF">
+                        <a:alpha val="80000"/>
+                      </a:srgbClr>
+                    </a:solidFill>
+                  </a:tcPr>
+                </a:tc>
+                <a:tc>
+                  <a:txBody>
+                    <a:bodyPr/>
+                    <a:lstStyle/>
+                    <a:p>
+                      <a:pPr algn="l"/>
+                      <a:endParaRPr lang="fr-FR" sz="1200" b="0" dirty="0"/>
+                    </a:p>
+                  </a:txBody>
+                  <a:tcPr marL="55572" marR="55572" marT="27786" marB="27786" anchor="ctr">
+                    <a:lnL w="12700" cap="flat" cmpd="sng" algn="ctr">
+                      <a:solidFill>
+                        <a:schemeClr val="tx1"/>
+                      </a:solidFill>
+                      <a:prstDash val="solid"/>
+                      <a:round/>
+                      <a:headEnd type="none" w="med" len="med"/>
+                      <a:tailEnd type="none" w="med" len="med"/>
+                    </a:lnL>
+                    <a:lnR w="12700" cap="flat" cmpd="sng" algn="ctr">
+                      <a:solidFill>
+                        <a:schemeClr val="tx1"/>
+                      </a:solidFill>
+                      <a:prstDash val="solid"/>
+                      <a:round/>
+                      <a:headEnd type="none" w="med" len="med"/>
+                      <a:tailEnd type="none" w="med" len="med"/>
+                    </a:lnR>
+                    <a:solidFill>
+                      <a:srgbClr val="FFFFFF">
+                        <a:alpha val="80000"/>
+                      </a:srgbClr>
+                    </a:solidFill>
+                  </a:tcPr>
+                </a:tc>
+                <a:tc>
+                  <a:txBody>
+                    <a:bodyPr/>
+                    <a:lstStyle/>
+                    <a:p>
+                      <a:pPr algn="l"/>
+                      <a:endParaRPr lang="fr-FR" sz="1200" b="0" dirty="0"/>
+                    </a:p>
+                  </a:txBody>
+                  <a:tcPr marL="55572" marR="55572" marT="27786" marB="27786" anchor="ctr">
+                    <a:lnL w="12700" cap="flat" cmpd="sng" algn="ctr">
+                      <a:solidFill>
+                        <a:schemeClr val="tx1"/>
+                      </a:solidFill>
+                      <a:prstDash val="solid"/>
+                      <a:round/>
+                      <a:headEnd type="none" w="med" len="med"/>
+                      <a:tailEnd type="none" w="med" len="med"/>
+                    </a:lnL>
+                    <a:lnR w="12700" cap="flat" cmpd="sng" algn="ctr">
+                      <a:solidFill>
+                        <a:schemeClr val="tx1"/>
+                      </a:solidFill>
+                      <a:prstDash val="solid"/>
+                      <a:round/>
+                      <a:headEnd type="none" w="med" len="med"/>
+                      <a:tailEnd type="none" w="med" len="med"/>
+                    </a:lnR>
+                    <a:solidFill>
+                      <a:srgbClr val="FFFFFF">
+                        <a:alpha val="80000"/>
+                      </a:srgbClr>
+                    </a:solidFill>
+                  </a:tcPr>
+                </a:tc>
+                <a:tc>
+                  <a:txBody>
+                    <a:bodyPr/>
+                    <a:lstStyle/>
+                    <a:p>
+                      <a:pPr algn="l"/>
+                      <a:endParaRPr lang="fr-FR" sz="1200" b="0" dirty="0"/>
+                    </a:p>
+                  </a:txBody>
+                  <a:tcPr marL="55572" marR="55572" marT="27786" marB="27786" anchor="ctr">
+                    <a:lnL w="12700" cap="flat" cmpd="sng" algn="ctr">
+                      <a:solidFill>
+                        <a:schemeClr val="tx1"/>
+                      </a:solidFill>
+                      <a:prstDash val="solid"/>
+                      <a:round/>
+                      <a:headEnd type="none" w="med" len="med"/>
+                      <a:tailEnd type="none" w="med" len="med"/>
+                    </a:lnL>
+                    <a:solidFill>
+                      <a:srgbClr val="FFFFFF">
+                        <a:alpha val="80000"/>
+                      </a:srgbClr>
+                    </a:solidFill>
+                  </a:tcPr>
+                </a:tc>
+                <a:extLst>
+                  <a:ext uri="{0D108BD9-81ED-4DB2-BD59-A6C34878D82A}">
+                    <a16:rowId xmlns:a16="http://schemas.microsoft.com/office/drawing/2014/main" val="3254712171"/>
+                  </a:ext>
+                </a:extLst>
+              </a:tr>
+              <a:tr h="432000">
+                <a:tc>
+                  <a:txBody>
+                    <a:bodyPr/>
+                    <a:lstStyle/>
+                    <a:p>
+                      <a:pPr algn="l"/>
+                      <a:endParaRPr lang="fr-FR" sz="1200" b="0" dirty="0"/>
+                    </a:p>
+                  </a:txBody>
+                  <a:tcPr marL="55572" marR="55572" marT="27786" marB="27786" anchor="ctr">
+                    <a:lnR w="12700" cap="flat" cmpd="sng" algn="ctr">
+                      <a:solidFill>
+                        <a:schemeClr val="tx1"/>
+                      </a:solidFill>
+                      <a:prstDash val="solid"/>
+                      <a:round/>
+                      <a:headEnd type="none" w="med" len="med"/>
+                      <a:tailEnd type="none" w="med" len="med"/>
+                    </a:lnR>
+                    <a:solidFill>
+                      <a:schemeClr val="bg1"/>
+                    </a:solidFill>
+                  </a:tcPr>
+                </a:tc>
+                <a:tc>
+                  <a:txBody>
+                    <a:bodyPr/>
+                    <a:lstStyle/>
+                    <a:p>
+                      <a:pPr algn="l"/>
+                      <a:endParaRPr lang="fr-FR" sz="1200" b="0" dirty="0"/>
+                    </a:p>
+                  </a:txBody>
+                  <a:tcPr marL="55572" marR="55572" marT="27786" marB="27786" anchor="ctr">
+                    <a:lnL w="12700" cap="flat" cmpd="sng" algn="ctr">
+                      <a:solidFill>
+                        <a:schemeClr val="tx1"/>
+                      </a:solidFill>
+                      <a:prstDash val="solid"/>
+                      <a:round/>
+                      <a:headEnd type="none" w="med" len="med"/>
+                      <a:tailEnd type="none" w="med" len="med"/>
+                    </a:lnL>
+                    <a:lnR w="12700" cap="flat" cmpd="sng" algn="ctr">
+                      <a:solidFill>
+                        <a:schemeClr val="tx1"/>
+                      </a:solidFill>
+                      <a:prstDash val="solid"/>
+                      <a:round/>
+                      <a:headEnd type="none" w="med" len="med"/>
+                      <a:tailEnd type="none" w="med" len="med"/>
+                    </a:lnR>
+                    <a:solidFill>
+                      <a:srgbClr val="FFFFFF">
+                        <a:alpha val="80000"/>
+                      </a:srgbClr>
+                    </a:solidFill>
+                  </a:tcPr>
+                </a:tc>
+                <a:tc>
+                  <a:txBody>
+                    <a:bodyPr/>
+                    <a:lstStyle/>
+                    <a:p>
+                      <a:pPr algn="l"/>
+                      <a:endParaRPr lang="fr-FR" sz="1200" b="0" dirty="0"/>
+                    </a:p>
+                  </a:txBody>
+                  <a:tcPr marL="55572" marR="55572" marT="27786" marB="27786" anchor="ctr">
+                    <a:lnL w="12700" cap="flat" cmpd="sng" algn="ctr">
+                      <a:solidFill>
+                        <a:schemeClr val="tx1"/>
+                      </a:solidFill>
+                      <a:prstDash val="solid"/>
+                      <a:round/>
+                      <a:headEnd type="none" w="med" len="med"/>
+                      <a:tailEnd type="none" w="med" len="med"/>
+                    </a:lnL>
+                    <a:lnR w="12700" cap="flat" cmpd="sng" algn="ctr">
+                      <a:solidFill>
+                        <a:schemeClr val="tx1"/>
+                      </a:solidFill>
+                      <a:prstDash val="solid"/>
+                      <a:round/>
+                      <a:headEnd type="none" w="med" len="med"/>
+                      <a:tailEnd type="none" w="med" len="med"/>
+                    </a:lnR>
+                    <a:solidFill>
+                      <a:srgbClr val="FFFFFF">
+                        <a:alpha val="80000"/>
+                      </a:srgbClr>
+                    </a:solidFill>
+                  </a:tcPr>
+                </a:tc>
+                <a:tc>
+                  <a:txBody>
+                    <a:bodyPr/>
+                    <a:lstStyle/>
+                    <a:p>
+                      <a:pPr algn="l"/>
+                      <a:endParaRPr lang="fr-FR" sz="1200" b="0" dirty="0"/>
+                    </a:p>
+                  </a:txBody>
+                  <a:tcPr marL="55572" marR="55572" marT="27786" marB="27786" anchor="ctr">
+                    <a:lnL w="12700" cap="flat" cmpd="sng" algn="ctr">
+                      <a:solidFill>
+                        <a:schemeClr val="tx1"/>
+                      </a:solidFill>
+                      <a:prstDash val="solid"/>
+                      <a:round/>
+                      <a:headEnd type="none" w="med" len="med"/>
+                      <a:tailEnd type="none" w="med" len="med"/>
+                    </a:lnL>
+                    <a:lnR w="12700" cap="flat" cmpd="sng" algn="ctr">
+                      <a:solidFill>
+                        <a:schemeClr val="tx1"/>
+                      </a:solidFill>
+                      <a:prstDash val="solid"/>
+                      <a:round/>
+                      <a:headEnd type="none" w="med" len="med"/>
+                      <a:tailEnd type="none" w="med" len="med"/>
+                    </a:lnR>
+                    <a:solidFill>
+                      <a:srgbClr val="FFFFFF">
+                        <a:alpha val="80000"/>
+                      </a:srgbClr>
+                    </a:solidFill>
+                  </a:tcPr>
+                </a:tc>
+                <a:tc>
+                  <a:txBody>
+                    <a:bodyPr/>
+                    <a:lstStyle/>
+                    <a:p>
+                      <a:pPr algn="l"/>
+                      <a:endParaRPr lang="fr-FR" sz="1200" b="0" dirty="0"/>
+                    </a:p>
+                  </a:txBody>
+                  <a:tcPr marL="55572" marR="55572" marT="27786" marB="27786" anchor="ctr">
+                    <a:lnL w="12700" cap="flat" cmpd="sng" algn="ctr">
+                      <a:solidFill>
+                        <a:schemeClr val="tx1"/>
+                      </a:solidFill>
+                      <a:prstDash val="solid"/>
+                      <a:round/>
+                      <a:headEnd type="none" w="med" len="med"/>
+                      <a:tailEnd type="none" w="med" len="med"/>
+                    </a:lnL>
+                    <a:solidFill>
+                      <a:srgbClr val="FFFFFF">
+                        <a:alpha val="80000"/>
+                      </a:srgbClr>
+                    </a:solidFill>
+                  </a:tcPr>
+                </a:tc>
+                <a:extLst>
+                  <a:ext uri="{0D108BD9-81ED-4DB2-BD59-A6C34878D82A}">
+                    <a16:rowId xmlns:a16="http://schemas.microsoft.com/office/drawing/2014/main" val="10002"/>
+                  </a:ext>
+                </a:extLst>
+              </a:tr>
+              <a:tr h="432000">
+                <a:tc>
+                  <a:txBody>
+                    <a:bodyPr/>
+                    <a:lstStyle/>
+                    <a:p>
+                      <a:pPr marL="0" marR="0" indent="0" algn="l" defTabSz="914400" rtl="0" eaLnBrk="1" fontAlgn="auto" latinLnBrk="0" hangingPunct="1">
+                        <a:lnSpc>
+                          <a:spcPct val="100000"/>
+                        </a:lnSpc>
+                        <a:spcBef>
+                          <a:spcPts val="0"/>
+                        </a:spcBef>
+                        <a:spcAft>
+                          <a:spcPts val="0"/>
+                        </a:spcAft>
+                        <a:buClrTx/>
+                        <a:buSzTx/>
+                        <a:buFontTx/>
+                        <a:buNone/>
+                        <a:tabLst/>
+                        <a:defRPr/>
+                      </a:pPr>
+                      <a:endParaRPr lang="fr-FR" sz="1200" b="0" dirty="0"/>
+                    </a:p>
+                  </a:txBody>
+                  <a:tcPr marL="55572" marR="55572" marT="27786" marB="27786" anchor="ctr">
+                    <a:lnR w="12700" cap="flat" cmpd="sng" algn="ctr">
+                      <a:solidFill>
+                        <a:schemeClr val="tx1"/>
+                      </a:solidFill>
+                      <a:prstDash val="solid"/>
+                      <a:round/>
+                      <a:headEnd type="none" w="med" len="med"/>
+                      <a:tailEnd type="none" w="med" len="med"/>
+                    </a:lnR>
+                    <a:solidFill>
+                      <a:schemeClr val="bg1"/>
+                    </a:solidFill>
+                  </a:tcPr>
+                </a:tc>
+                <a:tc>
+                  <a:txBody>
+                    <a:bodyPr/>
+                    <a:lstStyle/>
+                    <a:p>
+                      <a:pPr marL="0" marR="0" indent="0" algn="l" defTabSz="914400" rtl="0" eaLnBrk="1" fontAlgn="auto" latinLnBrk="0" hangingPunct="1">
+                        <a:lnSpc>
+                          <a:spcPct val="100000"/>
+                        </a:lnSpc>
+                        <a:spcBef>
+                          <a:spcPts val="0"/>
+                        </a:spcBef>
+                        <a:spcAft>
+                          <a:spcPts val="0"/>
+                        </a:spcAft>
+                        <a:buClrTx/>
+                        <a:buSzTx/>
+                        <a:buFontTx/>
+                        <a:buNone/>
+                        <a:tabLst/>
+                        <a:defRPr/>
+                      </a:pPr>
+                      <a:endParaRPr lang="fr-FR" sz="1200" b="0" dirty="0"/>
+                    </a:p>
+                  </a:txBody>
+                  <a:tcPr marL="55572" marR="55572" marT="27786" marB="27786" anchor="ctr">
+                    <a:lnL w="12700" cap="flat" cmpd="sng" algn="ctr">
+                      <a:solidFill>
+                        <a:schemeClr val="tx1"/>
+                      </a:solidFill>
+                      <a:prstDash val="solid"/>
+                      <a:round/>
+                      <a:headEnd type="none" w="med" len="med"/>
+                      <a:tailEnd type="none" w="med" len="med"/>
+                    </a:lnL>
+                    <a:lnR w="12700" cap="flat" cmpd="sng" algn="ctr">
+                      <a:solidFill>
+                        <a:schemeClr val="tx1"/>
+                      </a:solidFill>
+                      <a:prstDash val="solid"/>
+                      <a:round/>
+                      <a:headEnd type="none" w="med" len="med"/>
+                      <a:tailEnd type="none" w="med" len="med"/>
+                    </a:lnR>
+                    <a:solidFill>
+                      <a:srgbClr val="FFFFFF">
+                        <a:alpha val="80000"/>
+                      </a:srgbClr>
+                    </a:solidFill>
+                  </a:tcPr>
+                </a:tc>
+                <a:tc>
+                  <a:txBody>
+                    <a:bodyPr/>
+                    <a:lstStyle/>
+                    <a:p>
+                      <a:pPr algn="l"/>
+                      <a:endParaRPr lang="fr-FR" sz="1200" b="0" dirty="0"/>
+                    </a:p>
+                  </a:txBody>
+                  <a:tcPr marL="55572" marR="55572" marT="27786" marB="27786" anchor="ctr">
+                    <a:lnL w="12700" cap="flat" cmpd="sng" algn="ctr">
+                      <a:solidFill>
+                        <a:schemeClr val="tx1"/>
+                      </a:solidFill>
+                      <a:prstDash val="solid"/>
+                      <a:round/>
+                      <a:headEnd type="none" w="med" len="med"/>
+                      <a:tailEnd type="none" w="med" len="med"/>
+                    </a:lnL>
+                    <a:lnR w="12700" cap="flat" cmpd="sng" algn="ctr">
+                      <a:solidFill>
+                        <a:schemeClr val="tx1"/>
+                      </a:solidFill>
+                      <a:prstDash val="solid"/>
+                      <a:round/>
+                      <a:headEnd type="none" w="med" len="med"/>
+                      <a:tailEnd type="none" w="med" len="med"/>
+                    </a:lnR>
+                    <a:solidFill>
+                      <a:srgbClr val="FFFFFF">
+                        <a:alpha val="80000"/>
+                      </a:srgbClr>
+                    </a:solidFill>
+                  </a:tcPr>
+                </a:tc>
+                <a:tc>
+                  <a:txBody>
+                    <a:bodyPr/>
+                    <a:lstStyle/>
+                    <a:p>
+                      <a:pPr algn="l"/>
+                      <a:endParaRPr lang="fr-FR" sz="1200" b="0" dirty="0"/>
+                    </a:p>
+                  </a:txBody>
+                  <a:tcPr marL="55572" marR="55572" marT="27786" marB="27786" anchor="ctr">
+                    <a:lnL w="12700" cap="flat" cmpd="sng" algn="ctr">
+                      <a:solidFill>
+                        <a:schemeClr val="tx1"/>
+                      </a:solidFill>
+                      <a:prstDash val="solid"/>
+                      <a:round/>
+                      <a:headEnd type="none" w="med" len="med"/>
+                      <a:tailEnd type="none" w="med" len="med"/>
+                    </a:lnL>
+                    <a:lnR w="12700" cap="flat" cmpd="sng" algn="ctr">
+                      <a:solidFill>
+                        <a:schemeClr val="tx1"/>
+                      </a:solidFill>
+                      <a:prstDash val="solid"/>
+                      <a:round/>
+                      <a:headEnd type="none" w="med" len="med"/>
+                      <a:tailEnd type="none" w="med" len="med"/>
+                    </a:lnR>
+                    <a:solidFill>
+                      <a:srgbClr val="FFFFFF">
+                        <a:alpha val="80000"/>
+                      </a:srgbClr>
+                    </a:solidFill>
+                  </a:tcPr>
+                </a:tc>
+                <a:tc>
+                  <a:txBody>
+                    <a:bodyPr/>
+                    <a:lstStyle/>
+                    <a:p>
+                      <a:pPr algn="l"/>
+                      <a:endParaRPr lang="fr-FR" sz="1200" b="0" dirty="0"/>
+                    </a:p>
+                  </a:txBody>
+                  <a:tcPr marL="55572" marR="55572" marT="27786" marB="27786" anchor="ctr">
+                    <a:lnL w="12700" cap="flat" cmpd="sng" algn="ctr">
+                      <a:solidFill>
+                        <a:schemeClr val="tx1"/>
+                      </a:solidFill>
+                      <a:prstDash val="solid"/>
+                      <a:round/>
+                      <a:headEnd type="none" w="med" len="med"/>
+                      <a:tailEnd type="none" w="med" len="med"/>
+                    </a:lnL>
+                    <a:solidFill>
+                      <a:srgbClr val="FFFFFF">
+                        <a:alpha val="80000"/>
+                      </a:srgbClr>
+                    </a:solidFill>
+                  </a:tcPr>
+                </a:tc>
+                <a:extLst>
+                  <a:ext uri="{0D108BD9-81ED-4DB2-BD59-A6C34878D82A}">
+                    <a16:rowId xmlns:a16="http://schemas.microsoft.com/office/drawing/2014/main" val="10003"/>
+                  </a:ext>
+                </a:extLst>
+              </a:tr>
+              <a:tr h="432000">
+                <a:tc>
+                  <a:txBody>
+                    <a:bodyPr/>
+                    <a:lstStyle/>
+                    <a:p>
+                      <a:pPr marL="0" marR="0" indent="0" algn="l" defTabSz="914400" rtl="0" eaLnBrk="1" fontAlgn="auto" latinLnBrk="0" hangingPunct="1">
+                        <a:lnSpc>
+                          <a:spcPct val="100000"/>
+                        </a:lnSpc>
+                        <a:spcBef>
+                          <a:spcPts val="0"/>
+                        </a:spcBef>
+                        <a:spcAft>
+                          <a:spcPts val="0"/>
+                        </a:spcAft>
+                        <a:buClrTx/>
+                        <a:buSzTx/>
+                        <a:buFontTx/>
+                        <a:buNone/>
+                        <a:tabLst/>
+                        <a:defRPr/>
+                      </a:pPr>
+                      <a:endParaRPr lang="fr-FR" sz="1200" b="0" dirty="0"/>
+                    </a:p>
+                  </a:txBody>
+                  <a:tcPr marL="55572" marR="55572" marT="27786" marB="27786" anchor="ctr">
+                    <a:lnR w="12700" cap="flat" cmpd="sng" algn="ctr">
+                      <a:solidFill>
+                        <a:schemeClr val="tx1"/>
+                      </a:solidFill>
+                      <a:prstDash val="solid"/>
+                      <a:round/>
+                      <a:headEnd type="none" w="med" len="med"/>
+                      <a:tailEnd type="none" w="med" len="med"/>
+                    </a:lnR>
+                    <a:solidFill>
+                      <a:schemeClr val="bg1"/>
+                    </a:solidFill>
+                  </a:tcPr>
+                </a:tc>
+                <a:tc>
+                  <a:txBody>
+                    <a:bodyPr/>
+                    <a:lstStyle/>
+                    <a:p>
+                      <a:pPr marL="0" marR="0" indent="0" algn="l" defTabSz="914400" rtl="0" eaLnBrk="1" fontAlgn="auto" latinLnBrk="0" hangingPunct="1">
+                        <a:lnSpc>
+                          <a:spcPct val="100000"/>
+                        </a:lnSpc>
+                        <a:spcBef>
+                          <a:spcPts val="0"/>
+                        </a:spcBef>
+                        <a:spcAft>
+                          <a:spcPts val="0"/>
+                        </a:spcAft>
+                        <a:buClrTx/>
+                        <a:buSzTx/>
+                        <a:buFontTx/>
+                        <a:buNone/>
+                        <a:tabLst/>
+                        <a:defRPr/>
+                      </a:pPr>
+                      <a:endParaRPr lang="fr-FR" sz="1200" b="0" dirty="0"/>
+                    </a:p>
+                  </a:txBody>
+                  <a:tcPr marL="55572" marR="55572" marT="27786" marB="27786" anchor="ctr">
+                    <a:lnL w="12700" cap="flat" cmpd="sng" algn="ctr">
+                      <a:solidFill>
+                        <a:schemeClr val="tx1"/>
+                      </a:solidFill>
+                      <a:prstDash val="solid"/>
+                      <a:round/>
+                      <a:headEnd type="none" w="med" len="med"/>
+                      <a:tailEnd type="none" w="med" len="med"/>
+                    </a:lnL>
+                    <a:lnR w="12700" cap="flat" cmpd="sng" algn="ctr">
+                      <a:solidFill>
+                        <a:schemeClr val="tx1"/>
+                      </a:solidFill>
+                      <a:prstDash val="solid"/>
+                      <a:round/>
+                      <a:headEnd type="none" w="med" len="med"/>
+                      <a:tailEnd type="none" w="med" len="med"/>
+                    </a:lnR>
+                    <a:solidFill>
+                      <a:srgbClr val="FFFFFF">
+                        <a:alpha val="80000"/>
+                      </a:srgbClr>
+                    </a:solidFill>
+                  </a:tcPr>
+                </a:tc>
+                <a:tc>
+                  <a:txBody>
+                    <a:bodyPr/>
+                    <a:lstStyle/>
+                    <a:p>
+                      <a:pPr algn="l"/>
+                      <a:endParaRPr lang="fr-FR" sz="1200" b="0" dirty="0"/>
+                    </a:p>
+                  </a:txBody>
+                  <a:tcPr marL="55572" marR="55572" marT="27786" marB="27786" anchor="ctr">
+                    <a:lnL w="12700" cap="flat" cmpd="sng" algn="ctr">
+                      <a:solidFill>
+                        <a:schemeClr val="tx1"/>
+                      </a:solidFill>
+                      <a:prstDash val="solid"/>
+                      <a:round/>
+                      <a:headEnd type="none" w="med" len="med"/>
+                      <a:tailEnd type="none" w="med" len="med"/>
+                    </a:lnL>
+                    <a:lnR w="12700" cap="flat" cmpd="sng" algn="ctr">
+                      <a:solidFill>
+                        <a:schemeClr val="tx1"/>
+                      </a:solidFill>
+                      <a:prstDash val="solid"/>
+                      <a:round/>
+                      <a:headEnd type="none" w="med" len="med"/>
+                      <a:tailEnd type="none" w="med" len="med"/>
+                    </a:lnR>
+                    <a:solidFill>
+                      <a:srgbClr val="FFFFFF">
+                        <a:alpha val="80000"/>
+                      </a:srgbClr>
+                    </a:solidFill>
+                  </a:tcPr>
+                </a:tc>
+                <a:tc>
+                  <a:txBody>
+                    <a:bodyPr/>
+                    <a:lstStyle/>
+                    <a:p>
+                      <a:pPr algn="l"/>
+                      <a:endParaRPr lang="fr-FR" sz="1200" b="0" dirty="0"/>
+                    </a:p>
+                  </a:txBody>
+                  <a:tcPr marL="55572" marR="55572" marT="27786" marB="27786" anchor="ctr">
+                    <a:lnL w="12700" cap="flat" cmpd="sng" algn="ctr">
+                      <a:solidFill>
+                        <a:schemeClr val="tx1"/>
+                      </a:solidFill>
+                      <a:prstDash val="solid"/>
+                      <a:round/>
+                      <a:headEnd type="none" w="med" len="med"/>
+                      <a:tailEnd type="none" w="med" len="med"/>
+                    </a:lnL>
+                    <a:lnR w="12700" cap="flat" cmpd="sng" algn="ctr">
+                      <a:solidFill>
+                        <a:schemeClr val="tx1"/>
+                      </a:solidFill>
+                      <a:prstDash val="solid"/>
+                      <a:round/>
+                      <a:headEnd type="none" w="med" len="med"/>
+                      <a:tailEnd type="none" w="med" len="med"/>
+                    </a:lnR>
+                    <a:solidFill>
+                      <a:srgbClr val="FFFFFF">
+                        <a:alpha val="80000"/>
+                      </a:srgbClr>
+                    </a:solidFill>
+                  </a:tcPr>
+                </a:tc>
+                <a:tc>
+                  <a:txBody>
+                    <a:bodyPr/>
+                    <a:lstStyle/>
+                    <a:p>
+                      <a:pPr algn="l"/>
+                      <a:endParaRPr lang="fr-FR" sz="1200" b="0" dirty="0"/>
+                    </a:p>
+                  </a:txBody>
+                  <a:tcPr marL="55572" marR="55572" marT="27786" marB="27786" anchor="ctr">
+                    <a:lnL w="12700" cap="flat" cmpd="sng" algn="ctr">
+                      <a:solidFill>
+                        <a:schemeClr val="tx1"/>
+                      </a:solidFill>
+                      <a:prstDash val="solid"/>
+                      <a:round/>
+                      <a:headEnd type="none" w="med" len="med"/>
+                      <a:tailEnd type="none" w="med" len="med"/>
+                    </a:lnL>
+                    <a:solidFill>
+                      <a:srgbClr val="FFFFFF">
+                        <a:alpha val="80000"/>
+                      </a:srgbClr>
+                    </a:solidFill>
+                  </a:tcPr>
+                </a:tc>
+                <a:extLst>
+                  <a:ext uri="{0D108BD9-81ED-4DB2-BD59-A6C34878D82A}">
+                    <a16:rowId xmlns:a16="http://schemas.microsoft.com/office/drawing/2014/main" val="10004"/>
+                  </a:ext>
+                </a:extLst>
+              </a:tr>
+              <a:tr h="432000">
+                <a:tc>
+                  <a:txBody>
+                    <a:bodyPr/>
+                    <a:lstStyle/>
+                    <a:p>
+                      <a:pPr marL="0" marR="0" indent="0" algn="l" defTabSz="914400" rtl="0" eaLnBrk="1" fontAlgn="auto" latinLnBrk="0" hangingPunct="1">
+                        <a:lnSpc>
+                          <a:spcPct val="100000"/>
+                        </a:lnSpc>
+                        <a:spcBef>
+                          <a:spcPts val="0"/>
+                        </a:spcBef>
+                        <a:spcAft>
+                          <a:spcPts val="0"/>
+                        </a:spcAft>
+                        <a:buClrTx/>
+                        <a:buSzTx/>
+                        <a:buFontTx/>
+                        <a:buNone/>
+                        <a:tabLst/>
+                        <a:defRPr/>
+                      </a:pPr>
+                      <a:endParaRPr lang="fr-FR" sz="1200" b="0" dirty="0"/>
+                    </a:p>
+                  </a:txBody>
+                  <a:tcPr marL="55572" marR="55572" marT="27786" marB="27786" anchor="ctr">
+                    <a:lnR w="12700" cap="flat" cmpd="sng" algn="ctr">
+                      <a:solidFill>
+                        <a:schemeClr val="tx1"/>
+                      </a:solidFill>
+                      <a:prstDash val="solid"/>
+                      <a:round/>
+                      <a:headEnd type="none" w="med" len="med"/>
+                      <a:tailEnd type="none" w="med" len="med"/>
+                    </a:lnR>
+                    <a:solidFill>
+                      <a:schemeClr val="bg1"/>
+                    </a:solidFill>
+                  </a:tcPr>
+                </a:tc>
+                <a:tc>
+                  <a:txBody>
+                    <a:bodyPr/>
+                    <a:lstStyle/>
+                    <a:p>
+                      <a:pPr marL="0" marR="0" indent="0" algn="l" defTabSz="914400" rtl="0" eaLnBrk="1" fontAlgn="auto" latinLnBrk="0" hangingPunct="1">
+                        <a:lnSpc>
+                          <a:spcPct val="100000"/>
+                        </a:lnSpc>
+                        <a:spcBef>
+                          <a:spcPts val="0"/>
+                        </a:spcBef>
+                        <a:spcAft>
+                          <a:spcPts val="0"/>
+                        </a:spcAft>
+                        <a:buClrTx/>
+                        <a:buSzTx/>
+                        <a:buFontTx/>
+                        <a:buNone/>
+                        <a:tabLst/>
+                        <a:defRPr/>
+                      </a:pPr>
+                      <a:endParaRPr lang="fr-FR" sz="1200" b="0" dirty="0"/>
+                    </a:p>
+                  </a:txBody>
+                  <a:tcPr marL="55572" marR="55572" marT="27786" marB="27786" anchor="ctr">
+                    <a:lnL w="12700" cap="flat" cmpd="sng" algn="ctr">
+                      <a:solidFill>
+                        <a:schemeClr val="tx1"/>
+                      </a:solidFill>
+                      <a:prstDash val="solid"/>
+                      <a:round/>
+                      <a:headEnd type="none" w="med" len="med"/>
+                      <a:tailEnd type="none" w="med" len="med"/>
+                    </a:lnL>
+                    <a:lnR w="12700" cap="flat" cmpd="sng" algn="ctr">
+                      <a:solidFill>
+                        <a:schemeClr val="tx1"/>
+                      </a:solidFill>
+                      <a:prstDash val="solid"/>
+                      <a:round/>
+                      <a:headEnd type="none" w="med" len="med"/>
+                      <a:tailEnd type="none" w="med" len="med"/>
+                    </a:lnR>
+                    <a:solidFill>
+                      <a:srgbClr val="FFFFFF">
+                        <a:alpha val="80000"/>
+                      </a:srgbClr>
+                    </a:solidFill>
+                  </a:tcPr>
+                </a:tc>
+                <a:tc>
+                  <a:txBody>
+                    <a:bodyPr/>
+                    <a:lstStyle/>
+                    <a:p>
+                      <a:pPr algn="l"/>
+                      <a:endParaRPr lang="fr-FR" sz="1200" b="0" dirty="0"/>
+                    </a:p>
+                  </a:txBody>
+                  <a:tcPr marL="55572" marR="55572" marT="27786" marB="27786" anchor="ctr">
+                    <a:lnL w="12700" cap="flat" cmpd="sng" algn="ctr">
+                      <a:solidFill>
+                        <a:schemeClr val="tx1"/>
+                      </a:solidFill>
+                      <a:prstDash val="solid"/>
+                      <a:round/>
+                      <a:headEnd type="none" w="med" len="med"/>
+                      <a:tailEnd type="none" w="med" len="med"/>
+                    </a:lnL>
+                    <a:lnR w="12700" cap="flat" cmpd="sng" algn="ctr">
+                      <a:solidFill>
+                        <a:schemeClr val="tx1"/>
+                      </a:solidFill>
+                      <a:prstDash val="solid"/>
+                      <a:round/>
+                      <a:headEnd type="none" w="med" len="med"/>
+                      <a:tailEnd type="none" w="med" len="med"/>
+                    </a:lnR>
+                    <a:solidFill>
+                      <a:srgbClr val="FFFFFF">
+                        <a:alpha val="80000"/>
+                      </a:srgbClr>
+                    </a:solidFill>
+                  </a:tcPr>
+                </a:tc>
+                <a:tc>
+                  <a:txBody>
+                    <a:bodyPr/>
+                    <a:lstStyle/>
+                    <a:p>
+                      <a:pPr algn="l"/>
+                      <a:endParaRPr lang="fr-FR" sz="1200" b="0" dirty="0"/>
+                    </a:p>
+                  </a:txBody>
+                  <a:tcPr marL="55572" marR="55572" marT="27786" marB="27786" anchor="ctr">
+                    <a:lnL w="12700" cap="flat" cmpd="sng" algn="ctr">
+                      <a:solidFill>
+                        <a:schemeClr val="tx1"/>
+                      </a:solidFill>
+                      <a:prstDash val="solid"/>
+                      <a:round/>
+                      <a:headEnd type="none" w="med" len="med"/>
+                      <a:tailEnd type="none" w="med" len="med"/>
+                    </a:lnL>
+                    <a:lnR w="12700" cap="flat" cmpd="sng" algn="ctr">
+                      <a:solidFill>
+                        <a:schemeClr val="tx1"/>
+                      </a:solidFill>
+                      <a:prstDash val="solid"/>
+                      <a:round/>
+                      <a:headEnd type="none" w="med" len="med"/>
+                      <a:tailEnd type="none" w="med" len="med"/>
+                    </a:lnR>
+                    <a:solidFill>
+                      <a:srgbClr val="FFFFFF">
+                        <a:alpha val="80000"/>
+                      </a:srgbClr>
+                    </a:solidFill>
+                  </a:tcPr>
+                </a:tc>
+                <a:tc>
+                  <a:txBody>
+                    <a:bodyPr/>
+                    <a:lstStyle/>
+                    <a:p>
+                      <a:pPr algn="l"/>
+                      <a:endParaRPr lang="fr-FR" sz="1200" b="0" dirty="0"/>
+                    </a:p>
+                  </a:txBody>
+                  <a:tcPr marL="55572" marR="55572" marT="27786" marB="27786" anchor="ctr">
+                    <a:lnL w="12700" cap="flat" cmpd="sng" algn="ctr">
+                      <a:solidFill>
+                        <a:schemeClr val="tx1"/>
+                      </a:solidFill>
+                      <a:prstDash val="solid"/>
+                      <a:round/>
+                      <a:headEnd type="none" w="med" len="med"/>
+                      <a:tailEnd type="none" w="med" len="med"/>
+                    </a:lnL>
+                    <a:solidFill>
+                      <a:srgbClr val="FFFFFF">
+                        <a:alpha val="80000"/>
+                      </a:srgbClr>
+                    </a:solidFill>
+                  </a:tcPr>
+                </a:tc>
+                <a:extLst>
+                  <a:ext uri="{0D108BD9-81ED-4DB2-BD59-A6C34878D82A}">
+                    <a16:rowId xmlns:a16="http://schemas.microsoft.com/office/drawing/2014/main" val="10005"/>
+                  </a:ext>
+                </a:extLst>
+              </a:tr>
+              <a:tr h="432000">
+                <a:tc>
+                  <a:txBody>
+                    <a:bodyPr/>
+                    <a:lstStyle/>
+                    <a:p>
+                      <a:pPr marL="0" marR="0" indent="0" algn="ctr" defTabSz="914400" rtl="0" eaLnBrk="1" fontAlgn="auto" latinLnBrk="0" hangingPunct="1">
+                        <a:lnSpc>
+                          <a:spcPct val="100000"/>
+                        </a:lnSpc>
+                        <a:spcBef>
+                          <a:spcPts val="0"/>
+                        </a:spcBef>
+                        <a:spcAft>
+                          <a:spcPts val="0"/>
+                        </a:spcAft>
+                        <a:buClrTx/>
+                        <a:buSzTx/>
+                        <a:buFontTx/>
+                        <a:buNone/>
+                        <a:tabLst/>
+                        <a:defRPr/>
+                      </a:pPr>
+                      <a:r>
+                        <a:rPr lang="fr-FR" sz="1200" b="1" kern="1200" dirty="0">
+                          <a:solidFill>
+                            <a:schemeClr val="tx1"/>
+                          </a:solidFill>
+                          <a:latin typeface="+mn-lt"/>
+                          <a:ea typeface="+mn-ea"/>
+                          <a:cs typeface="+mn-cs"/>
+                        </a:rPr>
+                        <a:t>P</a:t>
+                      </a:r>
+                    </a:p>
+                  </a:txBody>
+                  <a:tcPr marL="55572" marR="55572" marT="27786" marB="27786" anchor="ctr">
+                    <a:lnR w="12700" cap="flat" cmpd="sng" algn="ctr">
+                      <a:solidFill>
+                        <a:schemeClr val="tx1"/>
+                      </a:solidFill>
+                      <a:prstDash val="solid"/>
+                      <a:round/>
+                      <a:headEnd type="none" w="med" len="med"/>
+                      <a:tailEnd type="none" w="med" len="med"/>
+                    </a:lnR>
+                    <a:solidFill>
+                      <a:srgbClr val="7CC2ED"/>
+                    </a:solidFill>
+                  </a:tcPr>
+                </a:tc>
+                <a:tc>
+                  <a:txBody>
+                    <a:bodyPr/>
+                    <a:lstStyle/>
+                    <a:p>
+                      <a:pPr marL="0" marR="0" indent="0" algn="l" defTabSz="914400" rtl="0" eaLnBrk="1" fontAlgn="auto" latinLnBrk="0" hangingPunct="1">
+                        <a:lnSpc>
+                          <a:spcPct val="100000"/>
+                        </a:lnSpc>
+                        <a:spcBef>
+                          <a:spcPts val="0"/>
+                        </a:spcBef>
+                        <a:spcAft>
+                          <a:spcPts val="0"/>
+                        </a:spcAft>
+                        <a:buClrTx/>
+                        <a:buSzTx/>
+                        <a:buFontTx/>
+                        <a:buNone/>
+                        <a:tabLst/>
+                        <a:defRPr/>
+                      </a:pPr>
+                      <a:endParaRPr lang="fr-FR" sz="1200" b="0" dirty="0"/>
+                    </a:p>
+                  </a:txBody>
+                  <a:tcPr marL="55572" marR="55572" marT="27786" marB="27786" anchor="ctr">
+                    <a:lnL w="12700" cap="flat" cmpd="sng" algn="ctr">
+                      <a:solidFill>
+                        <a:schemeClr val="tx1"/>
+                      </a:solidFill>
+                      <a:prstDash val="solid"/>
+                      <a:round/>
+                      <a:headEnd type="none" w="med" len="med"/>
+                      <a:tailEnd type="none" w="med" len="med"/>
+                    </a:lnL>
+                    <a:lnR w="12700" cap="flat" cmpd="sng" algn="ctr">
+                      <a:solidFill>
+                        <a:schemeClr val="tx1"/>
+                      </a:solidFill>
+                      <a:prstDash val="solid"/>
+                      <a:round/>
+                      <a:headEnd type="none" w="med" len="med"/>
+                      <a:tailEnd type="none" w="med" len="med"/>
+                    </a:lnR>
+                    <a:solidFill>
+                      <a:schemeClr val="bg1"/>
+                    </a:solidFill>
+                  </a:tcPr>
+                </a:tc>
+                <a:tc>
+                  <a:txBody>
+                    <a:bodyPr/>
+                    <a:lstStyle/>
+                    <a:p>
+                      <a:pPr algn="l"/>
+                      <a:endParaRPr lang="fr-FR" sz="1200" b="0" dirty="0"/>
+                    </a:p>
+                  </a:txBody>
+                  <a:tcPr marL="55572" marR="55572" marT="27786" marB="27786" anchor="ctr">
+                    <a:lnL w="12700" cap="flat" cmpd="sng" algn="ctr">
+                      <a:solidFill>
+                        <a:schemeClr val="tx1"/>
+                      </a:solidFill>
+                      <a:prstDash val="solid"/>
+                      <a:round/>
+                      <a:headEnd type="none" w="med" len="med"/>
+                      <a:tailEnd type="none" w="med" len="med"/>
+                    </a:lnL>
+                    <a:lnR w="12700" cap="flat" cmpd="sng" algn="ctr">
+                      <a:solidFill>
+                        <a:schemeClr val="tx1"/>
+                      </a:solidFill>
+                      <a:prstDash val="solid"/>
+                      <a:round/>
+                      <a:headEnd type="none" w="med" len="med"/>
+                      <a:tailEnd type="none" w="med" len="med"/>
+                    </a:lnR>
+                    <a:solidFill>
+                      <a:schemeClr val="bg1"/>
+                    </a:solidFill>
+                  </a:tcPr>
+                </a:tc>
+                <a:tc>
+                  <a:txBody>
+                    <a:bodyPr/>
+                    <a:lstStyle/>
+                    <a:p>
+                      <a:pPr algn="l"/>
+                      <a:endParaRPr lang="fr-FR" sz="1200" b="0" dirty="0"/>
+                    </a:p>
+                  </a:txBody>
+                  <a:tcPr marL="55572" marR="55572" marT="27786" marB="27786" anchor="ctr">
+                    <a:lnL w="12700" cap="flat" cmpd="sng" algn="ctr">
+                      <a:solidFill>
+                        <a:schemeClr val="tx1"/>
+                      </a:solidFill>
+                      <a:prstDash val="solid"/>
+                      <a:round/>
+                      <a:headEnd type="none" w="med" len="med"/>
+                      <a:tailEnd type="none" w="med" len="med"/>
+                    </a:lnL>
+                    <a:lnR w="12700" cap="flat" cmpd="sng" algn="ctr">
+                      <a:solidFill>
+                        <a:schemeClr val="tx1"/>
+                      </a:solidFill>
+                      <a:prstDash val="solid"/>
+                      <a:round/>
+                      <a:headEnd type="none" w="med" len="med"/>
+                      <a:tailEnd type="none" w="med" len="med"/>
+                    </a:lnR>
+                    <a:solidFill>
+                      <a:schemeClr val="bg1"/>
+                    </a:solidFill>
+                  </a:tcPr>
+                </a:tc>
+                <a:tc>
+                  <a:txBody>
+                    <a:bodyPr/>
+                    <a:lstStyle/>
+                    <a:p>
+                      <a:pPr algn="l"/>
+                      <a:endParaRPr lang="fr-FR" sz="1200" b="0" dirty="0"/>
+                    </a:p>
+                  </a:txBody>
+                  <a:tcPr marL="55572" marR="55572" marT="27786" marB="27786" anchor="ctr">
+                    <a:lnL w="12700" cap="flat" cmpd="sng" algn="ctr">
+                      <a:solidFill>
+                        <a:schemeClr val="tx1"/>
+                      </a:solidFill>
+                      <a:prstDash val="solid"/>
+                      <a:round/>
+                      <a:headEnd type="none" w="med" len="med"/>
+                      <a:tailEnd type="none" w="med" len="med"/>
+                    </a:lnL>
+                    <a:solidFill>
+                      <a:schemeClr val="bg1"/>
+                    </a:solidFill>
+                  </a:tcPr>
+                </a:tc>
+                <a:extLst>
+                  <a:ext uri="{0D108BD9-81ED-4DB2-BD59-A6C34878D82A}">
+                    <a16:rowId xmlns:a16="http://schemas.microsoft.com/office/drawing/2014/main" val="10006"/>
+                  </a:ext>
+                </a:extLst>
+              </a:tr>
+              <a:tr h="432000">
+                <a:tc>
+                  <a:txBody>
+                    <a:bodyPr/>
+                    <a:lstStyle/>
+                    <a:p>
+                      <a:pPr marL="0" marR="0" indent="0" algn="ctr" defTabSz="914400" rtl="0" eaLnBrk="1" fontAlgn="auto" latinLnBrk="0" hangingPunct="1">
+                        <a:lnSpc>
+                          <a:spcPct val="100000"/>
+                        </a:lnSpc>
+                        <a:spcBef>
+                          <a:spcPts val="0"/>
+                        </a:spcBef>
+                        <a:spcAft>
+                          <a:spcPts val="0"/>
+                        </a:spcAft>
+                        <a:buClrTx/>
+                        <a:buSzTx/>
+                        <a:buFontTx/>
+                        <a:buNone/>
+                        <a:tabLst/>
+                        <a:defRPr/>
+                      </a:pPr>
+                      <a:r>
+                        <a:rPr lang="fr-FR" sz="1200" b="1" kern="1200" dirty="0">
+                          <a:solidFill>
+                            <a:schemeClr val="bg1"/>
+                          </a:solidFill>
+                          <a:latin typeface="+mn-lt"/>
+                          <a:ea typeface="+mn-ea"/>
+                          <a:cs typeface="+mn-cs"/>
+                        </a:rPr>
+                        <a:t>F</a:t>
+                      </a:r>
+                    </a:p>
+                  </a:txBody>
+                  <a:tcPr marL="55572" marR="55572" marT="27786" marB="27786" anchor="ctr">
+                    <a:lnR w="12700" cap="flat" cmpd="sng" algn="ctr">
+                      <a:solidFill>
+                        <a:schemeClr val="tx1"/>
+                      </a:solidFill>
+                      <a:prstDash val="solid"/>
+                      <a:round/>
+                      <a:headEnd type="none" w="med" len="med"/>
+                      <a:tailEnd type="none" w="med" len="med"/>
+                    </a:lnR>
+                    <a:solidFill>
+                      <a:schemeClr val="tx1"/>
+                    </a:solidFill>
+                  </a:tcPr>
+                </a:tc>
+                <a:tc>
+                  <a:txBody>
+                    <a:bodyPr/>
+                    <a:lstStyle/>
+                    <a:p>
+                      <a:pPr marL="0" marR="0" indent="0" algn="l" defTabSz="914400" rtl="0" eaLnBrk="1" fontAlgn="auto" latinLnBrk="0" hangingPunct="1">
+                        <a:lnSpc>
+                          <a:spcPct val="100000"/>
+                        </a:lnSpc>
+                        <a:spcBef>
+                          <a:spcPts val="0"/>
+                        </a:spcBef>
+                        <a:spcAft>
+                          <a:spcPts val="0"/>
+                        </a:spcAft>
+                        <a:buClrTx/>
+                        <a:buSzTx/>
+                        <a:buFontTx/>
+                        <a:buNone/>
+                        <a:tabLst/>
+                        <a:defRPr/>
+                      </a:pPr>
+                      <a:endParaRPr lang="fr-FR" sz="1200" b="0" dirty="0"/>
+                    </a:p>
+                  </a:txBody>
+                  <a:tcPr marL="55572" marR="55572" marT="27786" marB="27786" anchor="ctr">
+                    <a:lnL w="12700" cap="flat" cmpd="sng" algn="ctr">
+                      <a:solidFill>
+                        <a:schemeClr val="tx1"/>
+                      </a:solidFill>
+                      <a:prstDash val="solid"/>
+                      <a:round/>
+                      <a:headEnd type="none" w="med" len="med"/>
+                      <a:tailEnd type="none" w="med" len="med"/>
+                    </a:lnL>
+                    <a:lnR w="12700" cap="flat" cmpd="sng" algn="ctr">
+                      <a:solidFill>
+                        <a:schemeClr val="tx1"/>
+                      </a:solidFill>
+                      <a:prstDash val="solid"/>
+                      <a:round/>
+                      <a:headEnd type="none" w="med" len="med"/>
+                      <a:tailEnd type="none" w="med" len="med"/>
+                    </a:lnR>
+                    <a:solidFill>
+                      <a:schemeClr val="bg1"/>
+                    </a:solidFill>
+                  </a:tcPr>
+                </a:tc>
+                <a:tc>
+                  <a:txBody>
+                    <a:bodyPr/>
+                    <a:lstStyle/>
+                    <a:p>
+                      <a:pPr algn="l"/>
+                      <a:endParaRPr lang="fr-FR" sz="1200" b="0" dirty="0"/>
+                    </a:p>
+                  </a:txBody>
+                  <a:tcPr marL="55572" marR="55572" marT="27786" marB="27786" anchor="ctr">
+                    <a:lnL w="12700" cap="flat" cmpd="sng" algn="ctr">
+                      <a:solidFill>
+                        <a:schemeClr val="tx1"/>
+                      </a:solidFill>
+                      <a:prstDash val="solid"/>
+                      <a:round/>
+                      <a:headEnd type="none" w="med" len="med"/>
+                      <a:tailEnd type="none" w="med" len="med"/>
+                    </a:lnL>
+                    <a:lnR w="12700" cap="flat" cmpd="sng" algn="ctr">
+                      <a:solidFill>
+                        <a:schemeClr val="tx1"/>
+                      </a:solidFill>
+                      <a:prstDash val="solid"/>
+                      <a:round/>
+                      <a:headEnd type="none" w="med" len="med"/>
+                      <a:tailEnd type="none" w="med" len="med"/>
+                    </a:lnR>
+                    <a:solidFill>
+                      <a:schemeClr val="bg1"/>
+                    </a:solidFill>
+                  </a:tcPr>
+                </a:tc>
+                <a:tc>
+                  <a:txBody>
+                    <a:bodyPr/>
+                    <a:lstStyle/>
+                    <a:p>
+                      <a:pPr algn="l"/>
+                      <a:endParaRPr lang="fr-FR" sz="1200" b="0" dirty="0"/>
+                    </a:p>
+                  </a:txBody>
+                  <a:tcPr marL="55572" marR="55572" marT="27786" marB="27786" anchor="ctr">
+                    <a:lnL w="12700" cap="flat" cmpd="sng" algn="ctr">
+                      <a:solidFill>
+                        <a:schemeClr val="tx1"/>
+                      </a:solidFill>
+                      <a:prstDash val="solid"/>
+                      <a:round/>
+                      <a:headEnd type="none" w="med" len="med"/>
+                      <a:tailEnd type="none" w="med" len="med"/>
+                    </a:lnL>
+                    <a:lnR w="12700" cap="flat" cmpd="sng" algn="ctr">
+                      <a:solidFill>
+                        <a:schemeClr val="tx1"/>
+                      </a:solidFill>
+                      <a:prstDash val="solid"/>
+                      <a:round/>
+                      <a:headEnd type="none" w="med" len="med"/>
+                      <a:tailEnd type="none" w="med" len="med"/>
+                    </a:lnR>
+                    <a:solidFill>
+                      <a:schemeClr val="bg1"/>
+                    </a:solidFill>
+                  </a:tcPr>
+                </a:tc>
+                <a:tc>
+                  <a:txBody>
+                    <a:bodyPr/>
+                    <a:lstStyle/>
+                    <a:p>
+                      <a:pPr algn="l"/>
+                      <a:endParaRPr lang="fr-FR" sz="1200" b="0" dirty="0"/>
+                    </a:p>
+                  </a:txBody>
+                  <a:tcPr marL="55572" marR="55572" marT="27786" marB="27786" anchor="ctr">
+                    <a:lnL w="12700" cap="flat" cmpd="sng" algn="ctr">
+                      <a:solidFill>
+                        <a:schemeClr val="tx1"/>
+                      </a:solidFill>
+                      <a:prstDash val="solid"/>
+                      <a:round/>
+                      <a:headEnd type="none" w="med" len="med"/>
+                      <a:tailEnd type="none" w="med" len="med"/>
+                    </a:lnL>
+                    <a:solidFill>
+                      <a:schemeClr val="bg1"/>
+                    </a:solidFill>
+                  </a:tcPr>
+                </a:tc>
+                <a:extLst>
+                  <a:ext uri="{0D108BD9-81ED-4DB2-BD59-A6C34878D82A}">
+                    <a16:rowId xmlns:a16="http://schemas.microsoft.com/office/drawing/2014/main" val="10007"/>
                   </a:ext>
                 </a:extLst>
               </a:tr>

--- a/D2 - Lineup - away 11h.pptx
+++ b/D2 - Lineup - away 11h.pptx
@@ -303,7 +303,7 @@
             <a:fld id="{1D8BD707-D9CF-40AE-B4C6-C98DA3205C09}" type="datetimeFigureOut">
               <a:rPr lang="en-US" smtClean="0"/>
               <a:pPr/>
-              <a:t>3/4/2020</a:t>
+              <a:t>3/10/2020</a:t>
             </a:fld>
             <a:endParaRPr lang="en-US"/>
           </a:p>
@@ -468,7 +468,7 @@
             <a:fld id="{1D8BD707-D9CF-40AE-B4C6-C98DA3205C09}" type="datetimeFigureOut">
               <a:rPr lang="en-US" smtClean="0"/>
               <a:pPr/>
-              <a:t>3/4/2020</a:t>
+              <a:t>3/10/2020</a:t>
             </a:fld>
             <a:endParaRPr lang="en-US"/>
           </a:p>
@@ -643,7 +643,7 @@
             <a:fld id="{1D8BD707-D9CF-40AE-B4C6-C98DA3205C09}" type="datetimeFigureOut">
               <a:rPr lang="en-US" smtClean="0"/>
               <a:pPr/>
-              <a:t>3/4/2020</a:t>
+              <a:t>3/10/2020</a:t>
             </a:fld>
             <a:endParaRPr lang="en-US"/>
           </a:p>
@@ -808,7 +808,7 @@
             <a:fld id="{1D8BD707-D9CF-40AE-B4C6-C98DA3205C09}" type="datetimeFigureOut">
               <a:rPr lang="en-US" smtClean="0"/>
               <a:pPr/>
-              <a:t>3/4/2020</a:t>
+              <a:t>3/10/2020</a:t>
             </a:fld>
             <a:endParaRPr lang="en-US"/>
           </a:p>
@@ -1050,7 +1050,7 @@
             <a:fld id="{1D8BD707-D9CF-40AE-B4C6-C98DA3205C09}" type="datetimeFigureOut">
               <a:rPr lang="en-US" smtClean="0"/>
               <a:pPr/>
-              <a:t>3/4/2020</a:t>
+              <a:t>3/10/2020</a:t>
             </a:fld>
             <a:endParaRPr lang="en-US"/>
           </a:p>
@@ -1332,7 +1332,7 @@
             <a:fld id="{1D8BD707-D9CF-40AE-B4C6-C98DA3205C09}" type="datetimeFigureOut">
               <a:rPr lang="en-US" smtClean="0"/>
               <a:pPr/>
-              <a:t>3/4/2020</a:t>
+              <a:t>3/10/2020</a:t>
             </a:fld>
             <a:endParaRPr lang="en-US"/>
           </a:p>
@@ -1748,7 +1748,7 @@
             <a:fld id="{1D8BD707-D9CF-40AE-B4C6-C98DA3205C09}" type="datetimeFigureOut">
               <a:rPr lang="en-US" smtClean="0"/>
               <a:pPr/>
-              <a:t>3/4/2020</a:t>
+              <a:t>3/10/2020</a:t>
             </a:fld>
             <a:endParaRPr lang="en-US"/>
           </a:p>
@@ -1862,7 +1862,7 @@
             <a:fld id="{1D8BD707-D9CF-40AE-B4C6-C98DA3205C09}" type="datetimeFigureOut">
               <a:rPr lang="en-US" smtClean="0"/>
               <a:pPr/>
-              <a:t>3/4/2020</a:t>
+              <a:t>3/10/2020</a:t>
             </a:fld>
             <a:endParaRPr lang="en-US"/>
           </a:p>
@@ -1954,7 +1954,7 @@
             <a:fld id="{1D8BD707-D9CF-40AE-B4C6-C98DA3205C09}" type="datetimeFigureOut">
               <a:rPr lang="en-US" smtClean="0"/>
               <a:pPr/>
-              <a:t>3/4/2020</a:t>
+              <a:t>3/10/2020</a:t>
             </a:fld>
             <a:endParaRPr lang="en-US"/>
           </a:p>
@@ -2226,7 +2226,7 @@
             <a:fld id="{1D8BD707-D9CF-40AE-B4C6-C98DA3205C09}" type="datetimeFigureOut">
               <a:rPr lang="en-US" smtClean="0"/>
               <a:pPr/>
-              <a:t>3/4/2020</a:t>
+              <a:t>3/10/2020</a:t>
             </a:fld>
             <a:endParaRPr lang="en-US"/>
           </a:p>
@@ -2475,7 +2475,7 @@
             <a:fld id="{1D8BD707-D9CF-40AE-B4C6-C98DA3205C09}" type="datetimeFigureOut">
               <a:rPr lang="en-US" smtClean="0"/>
               <a:pPr/>
-              <a:t>3/4/2020</a:t>
+              <a:t>3/10/2020</a:t>
             </a:fld>
             <a:endParaRPr lang="en-US"/>
           </a:p>
@@ -2683,7 +2683,7 @@
             <a:fld id="{1D8BD707-D9CF-40AE-B4C6-C98DA3205C09}" type="datetimeFigureOut">
               <a:rPr lang="en-US" smtClean="0"/>
               <a:pPr/>
-              <a:t>3/4/2020</a:t>
+              <a:t>3/10/2020</a:t>
             </a:fld>
             <a:endParaRPr lang="en-US"/>
           </a:p>
@@ -3063,7 +3063,7 @@
           <p:nvPr>
             <p:extLst>
               <p:ext uri="{D42A27DB-BD31-4B8C-83A1-F6EECF244321}">
-                <p14:modId xmlns:p14="http://schemas.microsoft.com/office/powerpoint/2010/main" val="4163069094"/>
+                <p14:modId xmlns:p14="http://schemas.microsoft.com/office/powerpoint/2010/main" val="1165256507"/>
               </p:ext>
             </p:extLst>
           </p:nvPr>
@@ -3379,14 +3379,11 @@
                     <a:lstStyle/>
                     <a:p>
                       <a:pPr algn="ctr"/>
-                      <a:r>
-                        <a:rPr lang="fr-FR" sz="1200" b="1" dirty="0">
-                          <a:solidFill>
-                            <a:schemeClr val="bg1"/>
-                          </a:solidFill>
-                        </a:rPr>
-                        <a:t>SENART</a:t>
-                      </a:r>
+                      <a:endParaRPr lang="fr-FR" sz="1200" b="1" dirty="0">
+                        <a:solidFill>
+                          <a:schemeClr val="bg1"/>
+                        </a:solidFill>
+                      </a:endParaRPr>
                     </a:p>
                   </a:txBody>
                   <a:tcPr anchor="ctr">
@@ -5753,1069 +5750,6 @@
                 <a:extLst>
                   <a:ext uri="{0D108BD9-81ED-4DB2-BD59-A6C34878D82A}">
                     <a16:rowId xmlns:a16="http://schemas.microsoft.com/office/drawing/2014/main" val="10003"/>
-                  </a:ext>
-                </a:extLst>
-              </a:tr>
-            </a:tbl>
-          </a:graphicData>
-        </a:graphic>
-      </p:graphicFrame>
-      <p:pic>
-        <p:nvPicPr>
-          <p:cNvPr id="10" name="Picture 4" descr="D:\A352189\Documentation projet\Baseball\img baseball\CLUB-SenartTempliers.jpg">
-            <a:extLst>
-              <a:ext uri="{FF2B5EF4-FFF2-40B4-BE49-F238E27FC236}">
-                <a16:creationId xmlns:a16="http://schemas.microsoft.com/office/drawing/2014/main" id="{FC54885C-DA94-4AC0-AFA9-62DE52CBE11A}"/>
-              </a:ext>
-            </a:extLst>
-          </p:cNvPr>
-          <p:cNvPicPr>
-            <a:picLocks noChangeAspect="1" noChangeArrowheads="1"/>
-          </p:cNvPicPr>
-          <p:nvPr/>
-        </p:nvPicPr>
-        <p:blipFill>
-          <a:blip r:embed="rId2" cstate="print"/>
-          <a:srcRect/>
-          <a:stretch>
-            <a:fillRect/>
-          </a:stretch>
-        </p:blipFill>
-        <p:spPr bwMode="auto">
-          <a:xfrm>
-            <a:off x="1304272" y="6705600"/>
-            <a:ext cx="1896128" cy="1765236"/>
-          </a:xfrm>
-          <a:prstGeom prst="rect">
-            <a:avLst/>
-          </a:prstGeom>
-          <a:noFill/>
-        </p:spPr>
-      </p:pic>
-      <p:graphicFrame>
-        <p:nvGraphicFramePr>
-          <p:cNvPr id="11" name="Tableau 10">
-            <a:extLst>
-              <a:ext uri="{FF2B5EF4-FFF2-40B4-BE49-F238E27FC236}">
-                <a16:creationId xmlns:a16="http://schemas.microsoft.com/office/drawing/2014/main" id="{6964AA01-6AEA-419C-9E56-53B83D0C6C84}"/>
-              </a:ext>
-            </a:extLst>
-          </p:cNvPr>
-          <p:cNvGraphicFramePr>
-            <a:graphicFrameLocks noGrp="1"/>
-          </p:cNvGraphicFramePr>
-          <p:nvPr>
-            <p:extLst>
-              <p:ext uri="{D42A27DB-BD31-4B8C-83A1-F6EECF244321}">
-                <p14:modId xmlns:p14="http://schemas.microsoft.com/office/powerpoint/2010/main" val="4240631327"/>
-              </p:ext>
-            </p:extLst>
-          </p:nvPr>
-        </p:nvGraphicFramePr>
-        <p:xfrm>
-          <a:off x="152400" y="5410200"/>
-          <a:ext cx="4114800" cy="3960000"/>
-        </p:xfrm>
-        <a:graphic>
-          <a:graphicData uri="http://schemas.openxmlformats.org/drawingml/2006/table">
-            <a:tbl>
-              <a:tblPr firstRow="1" bandRow="1">
-                <a:solidFill>
-                  <a:srgbClr val="FFFFFF">
-                    <a:alpha val="40000"/>
-                  </a:srgbClr>
-                </a:solidFill>
-                <a:tableStyleId>{7E9639D4-E3E2-4D34-9284-5A2195B3D0D7}</a:tableStyleId>
-              </a:tblPr>
-              <a:tblGrid>
-                <a:gridCol w="483670">
-                  <a:extLst>
-                    <a:ext uri="{9D8B030D-6E8A-4147-A177-3AD203B41FA5}">
-                      <a16:colId xmlns:a16="http://schemas.microsoft.com/office/drawing/2014/main" val="20000"/>
-                    </a:ext>
-                  </a:extLst>
-                </a:gridCol>
-                <a:gridCol w="2716730">
-                  <a:extLst>
-                    <a:ext uri="{9D8B030D-6E8A-4147-A177-3AD203B41FA5}">
-                      <a16:colId xmlns:a16="http://schemas.microsoft.com/office/drawing/2014/main" val="20001"/>
-                    </a:ext>
-                  </a:extLst>
-                </a:gridCol>
-                <a:gridCol w="457200">
-                  <a:extLst>
-                    <a:ext uri="{9D8B030D-6E8A-4147-A177-3AD203B41FA5}">
-                      <a16:colId xmlns:a16="http://schemas.microsoft.com/office/drawing/2014/main" val="20002"/>
-                    </a:ext>
-                  </a:extLst>
-                </a:gridCol>
-                <a:gridCol w="457200">
-                  <a:extLst>
-                    <a:ext uri="{9D8B030D-6E8A-4147-A177-3AD203B41FA5}">
-                      <a16:colId xmlns:a16="http://schemas.microsoft.com/office/drawing/2014/main" val="20003"/>
-                    </a:ext>
-                  </a:extLst>
-                </a:gridCol>
-              </a:tblGrid>
-              <a:tr h="360000">
-                <a:tc>
-                  <a:txBody>
-                    <a:bodyPr/>
-                    <a:lstStyle/>
-                    <a:p>
-                      <a:endParaRPr lang="fr-FR" sz="1400" b="1" dirty="0">
-                        <a:solidFill>
-                          <a:schemeClr val="tx1"/>
-                        </a:solidFill>
-                      </a:endParaRPr>
-                    </a:p>
-                  </a:txBody>
-                  <a:tcPr anchor="ctr">
-                    <a:solidFill>
-                      <a:srgbClr val="7CC2ED"/>
-                    </a:solidFill>
-                  </a:tcPr>
-                </a:tc>
-                <a:tc>
-                  <a:txBody>
-                    <a:bodyPr/>
-                    <a:lstStyle/>
-                    <a:p>
-                      <a:pPr algn="ctr"/>
-                      <a:endParaRPr lang="fr-FR" sz="1400" b="1" dirty="0">
-                        <a:solidFill>
-                          <a:schemeClr val="tx1"/>
-                        </a:solidFill>
-                      </a:endParaRPr>
-                    </a:p>
-                  </a:txBody>
-                  <a:tcPr anchor="ctr">
-                    <a:solidFill>
-                      <a:srgbClr val="7CC2ED"/>
-                    </a:solidFill>
-                  </a:tcPr>
-                </a:tc>
-                <a:tc>
-                  <a:txBody>
-                    <a:bodyPr/>
-                    <a:lstStyle/>
-                    <a:p>
-                      <a:pPr algn="ctr"/>
-                      <a:r>
-                        <a:rPr lang="fr-FR" sz="1400" b="1" dirty="0">
-                          <a:solidFill>
-                            <a:schemeClr val="tx1"/>
-                          </a:solidFill>
-                        </a:rPr>
-                        <a:t>P</a:t>
-                      </a:r>
-                    </a:p>
-                  </a:txBody>
-                  <a:tcPr anchor="ctr">
-                    <a:solidFill>
-                      <a:srgbClr val="7CC2ED"/>
-                    </a:solidFill>
-                  </a:tcPr>
-                </a:tc>
-                <a:tc>
-                  <a:txBody>
-                    <a:bodyPr/>
-                    <a:lstStyle/>
-                    <a:p>
-                      <a:pPr algn="ctr"/>
-                      <a:r>
-                        <a:rPr lang="fr-FR" sz="1400" b="1" dirty="0">
-                          <a:solidFill>
-                            <a:schemeClr val="tx1"/>
-                          </a:solidFill>
-                        </a:rPr>
-                        <a:t>#</a:t>
-                      </a:r>
-                    </a:p>
-                  </a:txBody>
-                  <a:tcPr anchor="ctr">
-                    <a:solidFill>
-                      <a:srgbClr val="7CC2ED"/>
-                    </a:solidFill>
-                  </a:tcPr>
-                </a:tc>
-                <a:extLst>
-                  <a:ext uri="{0D108BD9-81ED-4DB2-BD59-A6C34878D82A}">
-                    <a16:rowId xmlns:a16="http://schemas.microsoft.com/office/drawing/2014/main" val="10000"/>
-                  </a:ext>
-                </a:extLst>
-              </a:tr>
-              <a:tr h="360000">
-                <a:tc>
-                  <a:txBody>
-                    <a:bodyPr/>
-                    <a:lstStyle/>
-                    <a:p>
-                      <a:pPr algn="ctr"/>
-                      <a:r>
-                        <a:rPr lang="fr-FR" sz="1400" b="1" dirty="0"/>
-                        <a:t>1</a:t>
-                      </a:r>
-                    </a:p>
-                  </a:txBody>
-                  <a:tcPr anchor="ctr">
-                    <a:solidFill>
-                      <a:srgbClr val="FFFFFF">
-                        <a:alpha val="69804"/>
-                      </a:srgbClr>
-                    </a:solidFill>
-                  </a:tcPr>
-                </a:tc>
-                <a:tc>
-                  <a:txBody>
-                    <a:bodyPr/>
-                    <a:lstStyle/>
-                    <a:p>
-                      <a:endParaRPr lang="fr-FR" sz="1400" dirty="0"/>
-                    </a:p>
-                  </a:txBody>
-                  <a:tcPr anchor="ctr">
-                    <a:solidFill>
-                      <a:srgbClr val="FFFFFF">
-                        <a:alpha val="69804"/>
-                      </a:srgbClr>
-                    </a:solidFill>
-                  </a:tcPr>
-                </a:tc>
-                <a:tc>
-                  <a:txBody>
-                    <a:bodyPr/>
-                    <a:lstStyle/>
-                    <a:p>
-                      <a:pPr algn="ctr"/>
-                      <a:endParaRPr lang="fr-FR" sz="1400" dirty="0"/>
-                    </a:p>
-                  </a:txBody>
-                  <a:tcPr anchor="ctr">
-                    <a:solidFill>
-                      <a:srgbClr val="FFFFFF">
-                        <a:alpha val="69804"/>
-                      </a:srgbClr>
-                    </a:solidFill>
-                  </a:tcPr>
-                </a:tc>
-                <a:tc>
-                  <a:txBody>
-                    <a:bodyPr/>
-                    <a:lstStyle/>
-                    <a:p>
-                      <a:pPr algn="ctr"/>
-                      <a:endParaRPr lang="fr-FR" sz="1400" b="1" dirty="0"/>
-                    </a:p>
-                  </a:txBody>
-                  <a:tcPr anchor="ctr">
-                    <a:lnR w="12700" cap="flat" cmpd="sng" algn="ctr">
-                      <a:solidFill>
-                        <a:schemeClr val="tx1"/>
-                      </a:solidFill>
-                      <a:prstDash val="solid"/>
-                      <a:round/>
-                      <a:headEnd type="none" w="med" len="med"/>
-                      <a:tailEnd type="none" w="med" len="med"/>
-                    </a:lnR>
-                    <a:solidFill>
-                      <a:srgbClr val="FFFFFF">
-                        <a:alpha val="69804"/>
-                      </a:srgbClr>
-                    </a:solidFill>
-                  </a:tcPr>
-                </a:tc>
-                <a:extLst>
-                  <a:ext uri="{0D108BD9-81ED-4DB2-BD59-A6C34878D82A}">
-                    <a16:rowId xmlns:a16="http://schemas.microsoft.com/office/drawing/2014/main" val="10001"/>
-                  </a:ext>
-                </a:extLst>
-              </a:tr>
-              <a:tr h="360000">
-                <a:tc>
-                  <a:txBody>
-                    <a:bodyPr/>
-                    <a:lstStyle/>
-                    <a:p>
-                      <a:pPr algn="ctr"/>
-                      <a:r>
-                        <a:rPr lang="fr-FR" sz="1400" b="1" dirty="0"/>
-                        <a:t>2</a:t>
-                      </a:r>
-                    </a:p>
-                  </a:txBody>
-                  <a:tcPr anchor="ctr">
-                    <a:solidFill>
-                      <a:srgbClr val="FFFFFF">
-                        <a:alpha val="69804"/>
-                      </a:srgbClr>
-                    </a:solidFill>
-                  </a:tcPr>
-                </a:tc>
-                <a:tc>
-                  <a:txBody>
-                    <a:bodyPr/>
-                    <a:lstStyle/>
-                    <a:p>
-                      <a:endParaRPr lang="fr-FR" sz="1400" dirty="0"/>
-                    </a:p>
-                  </a:txBody>
-                  <a:tcPr anchor="ctr">
-                    <a:solidFill>
-                      <a:srgbClr val="FFFFFF">
-                        <a:alpha val="69804"/>
-                      </a:srgbClr>
-                    </a:solidFill>
-                  </a:tcPr>
-                </a:tc>
-                <a:tc>
-                  <a:txBody>
-                    <a:bodyPr/>
-                    <a:lstStyle/>
-                    <a:p>
-                      <a:pPr algn="ctr"/>
-                      <a:endParaRPr lang="fr-FR" sz="1400" dirty="0"/>
-                    </a:p>
-                  </a:txBody>
-                  <a:tcPr anchor="ctr">
-                    <a:solidFill>
-                      <a:srgbClr val="FFFFFF">
-                        <a:alpha val="69804"/>
-                      </a:srgbClr>
-                    </a:solidFill>
-                  </a:tcPr>
-                </a:tc>
-                <a:tc>
-                  <a:txBody>
-                    <a:bodyPr/>
-                    <a:lstStyle/>
-                    <a:p>
-                      <a:pPr algn="ctr"/>
-                      <a:endParaRPr lang="fr-FR" sz="1400" b="1" dirty="0"/>
-                    </a:p>
-                  </a:txBody>
-                  <a:tcPr anchor="ctr">
-                    <a:lnR w="12700" cap="flat" cmpd="sng" algn="ctr">
-                      <a:solidFill>
-                        <a:schemeClr val="tx1"/>
-                      </a:solidFill>
-                      <a:prstDash val="solid"/>
-                      <a:round/>
-                      <a:headEnd type="none" w="med" len="med"/>
-                      <a:tailEnd type="none" w="med" len="med"/>
-                    </a:lnR>
-                    <a:solidFill>
-                      <a:srgbClr val="FFFFFF">
-                        <a:alpha val="69804"/>
-                      </a:srgbClr>
-                    </a:solidFill>
-                  </a:tcPr>
-                </a:tc>
-                <a:extLst>
-                  <a:ext uri="{0D108BD9-81ED-4DB2-BD59-A6C34878D82A}">
-                    <a16:rowId xmlns:a16="http://schemas.microsoft.com/office/drawing/2014/main" val="10002"/>
-                  </a:ext>
-                </a:extLst>
-              </a:tr>
-              <a:tr h="360000">
-                <a:tc>
-                  <a:txBody>
-                    <a:bodyPr/>
-                    <a:lstStyle/>
-                    <a:p>
-                      <a:pPr algn="ctr"/>
-                      <a:r>
-                        <a:rPr lang="fr-FR" sz="1400" b="1" dirty="0"/>
-                        <a:t>3</a:t>
-                      </a:r>
-                    </a:p>
-                  </a:txBody>
-                  <a:tcPr anchor="ctr">
-                    <a:solidFill>
-                      <a:srgbClr val="FFFFFF">
-                        <a:alpha val="69804"/>
-                      </a:srgbClr>
-                    </a:solidFill>
-                  </a:tcPr>
-                </a:tc>
-                <a:tc>
-                  <a:txBody>
-                    <a:bodyPr/>
-                    <a:lstStyle/>
-                    <a:p>
-                      <a:endParaRPr lang="fr-FR" sz="1400" dirty="0"/>
-                    </a:p>
-                  </a:txBody>
-                  <a:tcPr anchor="ctr">
-                    <a:solidFill>
-                      <a:srgbClr val="FFFFFF">
-                        <a:alpha val="69804"/>
-                      </a:srgbClr>
-                    </a:solidFill>
-                  </a:tcPr>
-                </a:tc>
-                <a:tc>
-                  <a:txBody>
-                    <a:bodyPr/>
-                    <a:lstStyle/>
-                    <a:p>
-                      <a:pPr algn="ctr"/>
-                      <a:endParaRPr lang="fr-FR" sz="1400" dirty="0"/>
-                    </a:p>
-                  </a:txBody>
-                  <a:tcPr anchor="ctr">
-                    <a:solidFill>
-                      <a:srgbClr val="FFFFFF">
-                        <a:alpha val="69804"/>
-                      </a:srgbClr>
-                    </a:solidFill>
-                  </a:tcPr>
-                </a:tc>
-                <a:tc>
-                  <a:txBody>
-                    <a:bodyPr/>
-                    <a:lstStyle/>
-                    <a:p>
-                      <a:pPr algn="ctr"/>
-                      <a:endParaRPr lang="fr-FR" sz="1400" b="1" dirty="0"/>
-                    </a:p>
-                  </a:txBody>
-                  <a:tcPr anchor="ctr">
-                    <a:lnR w="12700" cap="flat" cmpd="sng" algn="ctr">
-                      <a:solidFill>
-                        <a:schemeClr val="tx1"/>
-                      </a:solidFill>
-                      <a:prstDash val="solid"/>
-                      <a:round/>
-                      <a:headEnd type="none" w="med" len="med"/>
-                      <a:tailEnd type="none" w="med" len="med"/>
-                    </a:lnR>
-                    <a:solidFill>
-                      <a:srgbClr val="FFFFFF">
-                        <a:alpha val="69804"/>
-                      </a:srgbClr>
-                    </a:solidFill>
-                  </a:tcPr>
-                </a:tc>
-                <a:extLst>
-                  <a:ext uri="{0D108BD9-81ED-4DB2-BD59-A6C34878D82A}">
-                    <a16:rowId xmlns:a16="http://schemas.microsoft.com/office/drawing/2014/main" val="10003"/>
-                  </a:ext>
-                </a:extLst>
-              </a:tr>
-              <a:tr h="360000">
-                <a:tc>
-                  <a:txBody>
-                    <a:bodyPr/>
-                    <a:lstStyle/>
-                    <a:p>
-                      <a:pPr algn="ctr"/>
-                      <a:r>
-                        <a:rPr lang="fr-FR" sz="1400" b="1" dirty="0"/>
-                        <a:t>4</a:t>
-                      </a:r>
-                    </a:p>
-                  </a:txBody>
-                  <a:tcPr anchor="ctr">
-                    <a:solidFill>
-                      <a:srgbClr val="FFFFFF">
-                        <a:alpha val="69804"/>
-                      </a:srgbClr>
-                    </a:solidFill>
-                  </a:tcPr>
-                </a:tc>
-                <a:tc>
-                  <a:txBody>
-                    <a:bodyPr/>
-                    <a:lstStyle/>
-                    <a:p>
-                      <a:endParaRPr lang="fr-FR" sz="1400" dirty="0"/>
-                    </a:p>
-                  </a:txBody>
-                  <a:tcPr anchor="ctr">
-                    <a:solidFill>
-                      <a:srgbClr val="FFFFFF">
-                        <a:alpha val="69804"/>
-                      </a:srgbClr>
-                    </a:solidFill>
-                  </a:tcPr>
-                </a:tc>
-                <a:tc>
-                  <a:txBody>
-                    <a:bodyPr/>
-                    <a:lstStyle/>
-                    <a:p>
-                      <a:pPr algn="ctr"/>
-                      <a:endParaRPr lang="fr-FR" sz="1400" dirty="0"/>
-                    </a:p>
-                  </a:txBody>
-                  <a:tcPr anchor="ctr">
-                    <a:solidFill>
-                      <a:srgbClr val="FFFFFF">
-                        <a:alpha val="69804"/>
-                      </a:srgbClr>
-                    </a:solidFill>
-                  </a:tcPr>
-                </a:tc>
-                <a:tc>
-                  <a:txBody>
-                    <a:bodyPr/>
-                    <a:lstStyle/>
-                    <a:p>
-                      <a:pPr algn="ctr"/>
-                      <a:endParaRPr lang="fr-FR" sz="1400" b="1" dirty="0"/>
-                    </a:p>
-                  </a:txBody>
-                  <a:tcPr anchor="ctr">
-                    <a:lnR w="12700" cap="flat" cmpd="sng" algn="ctr">
-                      <a:solidFill>
-                        <a:schemeClr val="tx1"/>
-                      </a:solidFill>
-                      <a:prstDash val="solid"/>
-                      <a:round/>
-                      <a:headEnd type="none" w="med" len="med"/>
-                      <a:tailEnd type="none" w="med" len="med"/>
-                    </a:lnR>
-                    <a:solidFill>
-                      <a:srgbClr val="FFFFFF">
-                        <a:alpha val="69804"/>
-                      </a:srgbClr>
-                    </a:solidFill>
-                  </a:tcPr>
-                </a:tc>
-                <a:extLst>
-                  <a:ext uri="{0D108BD9-81ED-4DB2-BD59-A6C34878D82A}">
-                    <a16:rowId xmlns:a16="http://schemas.microsoft.com/office/drawing/2014/main" val="10004"/>
-                  </a:ext>
-                </a:extLst>
-              </a:tr>
-              <a:tr h="360000">
-                <a:tc>
-                  <a:txBody>
-                    <a:bodyPr/>
-                    <a:lstStyle/>
-                    <a:p>
-                      <a:pPr algn="ctr"/>
-                      <a:r>
-                        <a:rPr lang="fr-FR" sz="1400" b="1" dirty="0"/>
-                        <a:t>5</a:t>
-                      </a:r>
-                    </a:p>
-                  </a:txBody>
-                  <a:tcPr anchor="ctr">
-                    <a:solidFill>
-                      <a:srgbClr val="FFFFFF">
-                        <a:alpha val="69804"/>
-                      </a:srgbClr>
-                    </a:solidFill>
-                  </a:tcPr>
-                </a:tc>
-                <a:tc>
-                  <a:txBody>
-                    <a:bodyPr/>
-                    <a:lstStyle/>
-                    <a:p>
-                      <a:endParaRPr lang="fr-FR" sz="1400" dirty="0"/>
-                    </a:p>
-                  </a:txBody>
-                  <a:tcPr anchor="ctr">
-                    <a:solidFill>
-                      <a:srgbClr val="FFFFFF">
-                        <a:alpha val="69804"/>
-                      </a:srgbClr>
-                    </a:solidFill>
-                  </a:tcPr>
-                </a:tc>
-                <a:tc>
-                  <a:txBody>
-                    <a:bodyPr/>
-                    <a:lstStyle/>
-                    <a:p>
-                      <a:pPr algn="ctr"/>
-                      <a:endParaRPr lang="fr-FR" sz="1400" dirty="0"/>
-                    </a:p>
-                  </a:txBody>
-                  <a:tcPr anchor="ctr">
-                    <a:solidFill>
-                      <a:srgbClr val="FFFFFF">
-                        <a:alpha val="69804"/>
-                      </a:srgbClr>
-                    </a:solidFill>
-                  </a:tcPr>
-                </a:tc>
-                <a:tc>
-                  <a:txBody>
-                    <a:bodyPr/>
-                    <a:lstStyle/>
-                    <a:p>
-                      <a:pPr algn="ctr"/>
-                      <a:endParaRPr lang="fr-FR" sz="1400" b="1" dirty="0"/>
-                    </a:p>
-                  </a:txBody>
-                  <a:tcPr anchor="ctr">
-                    <a:lnR w="12700" cap="flat" cmpd="sng" algn="ctr">
-                      <a:solidFill>
-                        <a:schemeClr val="tx1"/>
-                      </a:solidFill>
-                      <a:prstDash val="solid"/>
-                      <a:round/>
-                      <a:headEnd type="none" w="med" len="med"/>
-                      <a:tailEnd type="none" w="med" len="med"/>
-                    </a:lnR>
-                    <a:solidFill>
-                      <a:srgbClr val="FFFFFF">
-                        <a:alpha val="69804"/>
-                      </a:srgbClr>
-                    </a:solidFill>
-                  </a:tcPr>
-                </a:tc>
-                <a:extLst>
-                  <a:ext uri="{0D108BD9-81ED-4DB2-BD59-A6C34878D82A}">
-                    <a16:rowId xmlns:a16="http://schemas.microsoft.com/office/drawing/2014/main" val="10005"/>
-                  </a:ext>
-                </a:extLst>
-              </a:tr>
-              <a:tr h="360000">
-                <a:tc>
-                  <a:txBody>
-                    <a:bodyPr/>
-                    <a:lstStyle/>
-                    <a:p>
-                      <a:pPr algn="ctr"/>
-                      <a:r>
-                        <a:rPr lang="fr-FR" sz="1400" b="1" dirty="0"/>
-                        <a:t>6</a:t>
-                      </a:r>
-                    </a:p>
-                  </a:txBody>
-                  <a:tcPr anchor="ctr">
-                    <a:solidFill>
-                      <a:srgbClr val="FFFFFF">
-                        <a:alpha val="69804"/>
-                      </a:srgbClr>
-                    </a:solidFill>
-                  </a:tcPr>
-                </a:tc>
-                <a:tc>
-                  <a:txBody>
-                    <a:bodyPr/>
-                    <a:lstStyle/>
-                    <a:p>
-                      <a:endParaRPr lang="fr-FR" sz="1400" dirty="0"/>
-                    </a:p>
-                  </a:txBody>
-                  <a:tcPr anchor="ctr">
-                    <a:solidFill>
-                      <a:srgbClr val="FFFFFF">
-                        <a:alpha val="69804"/>
-                      </a:srgbClr>
-                    </a:solidFill>
-                  </a:tcPr>
-                </a:tc>
-                <a:tc>
-                  <a:txBody>
-                    <a:bodyPr/>
-                    <a:lstStyle/>
-                    <a:p>
-                      <a:pPr algn="ctr"/>
-                      <a:endParaRPr lang="fr-FR" sz="1400" dirty="0"/>
-                    </a:p>
-                  </a:txBody>
-                  <a:tcPr anchor="ctr">
-                    <a:solidFill>
-                      <a:srgbClr val="FFFFFF">
-                        <a:alpha val="69804"/>
-                      </a:srgbClr>
-                    </a:solidFill>
-                  </a:tcPr>
-                </a:tc>
-                <a:tc>
-                  <a:txBody>
-                    <a:bodyPr/>
-                    <a:lstStyle/>
-                    <a:p>
-                      <a:pPr algn="ctr"/>
-                      <a:endParaRPr lang="fr-FR" sz="1400" b="1" dirty="0"/>
-                    </a:p>
-                  </a:txBody>
-                  <a:tcPr anchor="ctr">
-                    <a:lnR w="12700" cap="flat" cmpd="sng" algn="ctr">
-                      <a:solidFill>
-                        <a:schemeClr val="tx1"/>
-                      </a:solidFill>
-                      <a:prstDash val="solid"/>
-                      <a:round/>
-                      <a:headEnd type="none" w="med" len="med"/>
-                      <a:tailEnd type="none" w="med" len="med"/>
-                    </a:lnR>
-                    <a:solidFill>
-                      <a:srgbClr val="FFFFFF">
-                        <a:alpha val="69804"/>
-                      </a:srgbClr>
-                    </a:solidFill>
-                  </a:tcPr>
-                </a:tc>
-                <a:extLst>
-                  <a:ext uri="{0D108BD9-81ED-4DB2-BD59-A6C34878D82A}">
-                    <a16:rowId xmlns:a16="http://schemas.microsoft.com/office/drawing/2014/main" val="10006"/>
-                  </a:ext>
-                </a:extLst>
-              </a:tr>
-              <a:tr h="360000">
-                <a:tc>
-                  <a:txBody>
-                    <a:bodyPr/>
-                    <a:lstStyle/>
-                    <a:p>
-                      <a:pPr algn="ctr"/>
-                      <a:r>
-                        <a:rPr lang="fr-FR" sz="1400" b="1" dirty="0"/>
-                        <a:t>7</a:t>
-                      </a:r>
-                    </a:p>
-                  </a:txBody>
-                  <a:tcPr anchor="ctr">
-                    <a:solidFill>
-                      <a:srgbClr val="FFFFFF">
-                        <a:alpha val="69804"/>
-                      </a:srgbClr>
-                    </a:solidFill>
-                  </a:tcPr>
-                </a:tc>
-                <a:tc>
-                  <a:txBody>
-                    <a:bodyPr/>
-                    <a:lstStyle/>
-                    <a:p>
-                      <a:endParaRPr lang="fr-FR" sz="1400" dirty="0"/>
-                    </a:p>
-                  </a:txBody>
-                  <a:tcPr anchor="ctr">
-                    <a:solidFill>
-                      <a:srgbClr val="FFFFFF">
-                        <a:alpha val="69804"/>
-                      </a:srgbClr>
-                    </a:solidFill>
-                  </a:tcPr>
-                </a:tc>
-                <a:tc>
-                  <a:txBody>
-                    <a:bodyPr/>
-                    <a:lstStyle/>
-                    <a:p>
-                      <a:pPr algn="ctr"/>
-                      <a:endParaRPr lang="fr-FR" sz="1400" dirty="0"/>
-                    </a:p>
-                  </a:txBody>
-                  <a:tcPr anchor="ctr">
-                    <a:solidFill>
-                      <a:srgbClr val="FFFFFF">
-                        <a:alpha val="69804"/>
-                      </a:srgbClr>
-                    </a:solidFill>
-                  </a:tcPr>
-                </a:tc>
-                <a:tc>
-                  <a:txBody>
-                    <a:bodyPr/>
-                    <a:lstStyle/>
-                    <a:p>
-                      <a:pPr algn="ctr"/>
-                      <a:endParaRPr lang="fr-FR" sz="1400" b="1" dirty="0"/>
-                    </a:p>
-                  </a:txBody>
-                  <a:tcPr anchor="ctr">
-                    <a:lnR w="12700" cap="flat" cmpd="sng" algn="ctr">
-                      <a:solidFill>
-                        <a:schemeClr val="tx1"/>
-                      </a:solidFill>
-                      <a:prstDash val="solid"/>
-                      <a:round/>
-                      <a:headEnd type="none" w="med" len="med"/>
-                      <a:tailEnd type="none" w="med" len="med"/>
-                    </a:lnR>
-                    <a:solidFill>
-                      <a:srgbClr val="FFFFFF">
-                        <a:alpha val="69804"/>
-                      </a:srgbClr>
-                    </a:solidFill>
-                  </a:tcPr>
-                </a:tc>
-                <a:extLst>
-                  <a:ext uri="{0D108BD9-81ED-4DB2-BD59-A6C34878D82A}">
-                    <a16:rowId xmlns:a16="http://schemas.microsoft.com/office/drawing/2014/main" val="10007"/>
-                  </a:ext>
-                </a:extLst>
-              </a:tr>
-              <a:tr h="360000">
-                <a:tc>
-                  <a:txBody>
-                    <a:bodyPr/>
-                    <a:lstStyle/>
-                    <a:p>
-                      <a:pPr algn="ctr"/>
-                      <a:r>
-                        <a:rPr lang="fr-FR" sz="1400" b="1" dirty="0"/>
-                        <a:t>8</a:t>
-                      </a:r>
-                    </a:p>
-                  </a:txBody>
-                  <a:tcPr anchor="ctr">
-                    <a:solidFill>
-                      <a:srgbClr val="FFFFFF">
-                        <a:alpha val="69804"/>
-                      </a:srgbClr>
-                    </a:solidFill>
-                  </a:tcPr>
-                </a:tc>
-                <a:tc>
-                  <a:txBody>
-                    <a:bodyPr/>
-                    <a:lstStyle/>
-                    <a:p>
-                      <a:endParaRPr lang="fr-FR" sz="1400" dirty="0"/>
-                    </a:p>
-                  </a:txBody>
-                  <a:tcPr anchor="ctr">
-                    <a:solidFill>
-                      <a:srgbClr val="FFFFFF">
-                        <a:alpha val="69804"/>
-                      </a:srgbClr>
-                    </a:solidFill>
-                  </a:tcPr>
-                </a:tc>
-                <a:tc>
-                  <a:txBody>
-                    <a:bodyPr/>
-                    <a:lstStyle/>
-                    <a:p>
-                      <a:pPr algn="ctr"/>
-                      <a:endParaRPr lang="fr-FR" sz="1400" dirty="0"/>
-                    </a:p>
-                  </a:txBody>
-                  <a:tcPr anchor="ctr">
-                    <a:solidFill>
-                      <a:srgbClr val="FFFFFF">
-                        <a:alpha val="69804"/>
-                      </a:srgbClr>
-                    </a:solidFill>
-                  </a:tcPr>
-                </a:tc>
-                <a:tc>
-                  <a:txBody>
-                    <a:bodyPr/>
-                    <a:lstStyle/>
-                    <a:p>
-                      <a:pPr algn="ctr"/>
-                      <a:endParaRPr lang="fr-FR" sz="1400" b="1" dirty="0"/>
-                    </a:p>
-                  </a:txBody>
-                  <a:tcPr anchor="ctr">
-                    <a:lnR w="12700" cap="flat" cmpd="sng" algn="ctr">
-                      <a:solidFill>
-                        <a:schemeClr val="tx1"/>
-                      </a:solidFill>
-                      <a:prstDash val="solid"/>
-                      <a:round/>
-                      <a:headEnd type="none" w="med" len="med"/>
-                      <a:tailEnd type="none" w="med" len="med"/>
-                    </a:lnR>
-                    <a:solidFill>
-                      <a:srgbClr val="FFFFFF">
-                        <a:alpha val="69804"/>
-                      </a:srgbClr>
-                    </a:solidFill>
-                  </a:tcPr>
-                </a:tc>
-                <a:extLst>
-                  <a:ext uri="{0D108BD9-81ED-4DB2-BD59-A6C34878D82A}">
-                    <a16:rowId xmlns:a16="http://schemas.microsoft.com/office/drawing/2014/main" val="10008"/>
-                  </a:ext>
-                </a:extLst>
-              </a:tr>
-              <a:tr h="360000">
-                <a:tc>
-                  <a:txBody>
-                    <a:bodyPr/>
-                    <a:lstStyle/>
-                    <a:p>
-                      <a:pPr algn="ctr"/>
-                      <a:r>
-                        <a:rPr lang="fr-FR" sz="1400" b="1" dirty="0"/>
-                        <a:t>9</a:t>
-                      </a:r>
-                    </a:p>
-                  </a:txBody>
-                  <a:tcPr anchor="ctr">
-                    <a:solidFill>
-                      <a:srgbClr val="FFFFFF">
-                        <a:alpha val="69804"/>
-                      </a:srgbClr>
-                    </a:solidFill>
-                  </a:tcPr>
-                </a:tc>
-                <a:tc>
-                  <a:txBody>
-                    <a:bodyPr/>
-                    <a:lstStyle/>
-                    <a:p>
-                      <a:endParaRPr lang="fr-FR" sz="1400" dirty="0"/>
-                    </a:p>
-                  </a:txBody>
-                  <a:tcPr anchor="ctr">
-                    <a:solidFill>
-                      <a:srgbClr val="FFFFFF">
-                        <a:alpha val="69804"/>
-                      </a:srgbClr>
-                    </a:solidFill>
-                  </a:tcPr>
-                </a:tc>
-                <a:tc>
-                  <a:txBody>
-                    <a:bodyPr/>
-                    <a:lstStyle/>
-                    <a:p>
-                      <a:pPr algn="ctr"/>
-                      <a:endParaRPr lang="fr-FR" sz="1400" dirty="0"/>
-                    </a:p>
-                  </a:txBody>
-                  <a:tcPr anchor="ctr">
-                    <a:solidFill>
-                      <a:srgbClr val="FFFFFF">
-                        <a:alpha val="69804"/>
-                      </a:srgbClr>
-                    </a:solidFill>
-                  </a:tcPr>
-                </a:tc>
-                <a:tc>
-                  <a:txBody>
-                    <a:bodyPr/>
-                    <a:lstStyle/>
-                    <a:p>
-                      <a:pPr algn="ctr"/>
-                      <a:endParaRPr lang="fr-FR" sz="1400" b="1" dirty="0"/>
-                    </a:p>
-                  </a:txBody>
-                  <a:tcPr anchor="ctr">
-                    <a:lnR w="12700" cap="flat" cmpd="sng" algn="ctr">
-                      <a:solidFill>
-                        <a:schemeClr val="tx1"/>
-                      </a:solidFill>
-                      <a:prstDash val="solid"/>
-                      <a:round/>
-                      <a:headEnd type="none" w="med" len="med"/>
-                      <a:tailEnd type="none" w="med" len="med"/>
-                    </a:lnR>
-                    <a:solidFill>
-                      <a:srgbClr val="FFFFFF">
-                        <a:alpha val="69804"/>
-                      </a:srgbClr>
-                    </a:solidFill>
-                  </a:tcPr>
-                </a:tc>
-                <a:extLst>
-                  <a:ext uri="{0D108BD9-81ED-4DB2-BD59-A6C34878D82A}">
-                    <a16:rowId xmlns:a16="http://schemas.microsoft.com/office/drawing/2014/main" val="10009"/>
-                  </a:ext>
-                </a:extLst>
-              </a:tr>
-              <a:tr h="360000">
-                <a:tc>
-                  <a:txBody>
-                    <a:bodyPr/>
-                    <a:lstStyle/>
-                    <a:p>
-                      <a:pPr algn="ctr"/>
-                      <a:r>
-                        <a:rPr lang="fr-FR" sz="1400" b="1" dirty="0"/>
-                        <a:t>SP</a:t>
-                      </a:r>
-                    </a:p>
-                  </a:txBody>
-                  <a:tcPr anchor="ctr">
-                    <a:solidFill>
-                      <a:srgbClr val="FFFFFF">
-                        <a:alpha val="69804"/>
-                      </a:srgbClr>
-                    </a:solidFill>
-                  </a:tcPr>
-                </a:tc>
-                <a:tc>
-                  <a:txBody>
-                    <a:bodyPr/>
-                    <a:lstStyle/>
-                    <a:p>
-                      <a:endParaRPr lang="fr-FR" sz="1400" dirty="0"/>
-                    </a:p>
-                  </a:txBody>
-                  <a:tcPr anchor="ctr">
-                    <a:lnR w="12700" cap="flat" cmpd="sng" algn="ctr">
-                      <a:noFill/>
-                      <a:prstDash val="solid"/>
-                      <a:round/>
-                      <a:headEnd type="none" w="med" len="med"/>
-                      <a:tailEnd type="none" w="med" len="med"/>
-                    </a:lnR>
-                    <a:solidFill>
-                      <a:srgbClr val="FFFFFF">
-                        <a:alpha val="69804"/>
-                      </a:srgbClr>
-                    </a:solidFill>
-                  </a:tcPr>
-                </a:tc>
-                <a:tc>
-                  <a:txBody>
-                    <a:bodyPr/>
-                    <a:lstStyle/>
-                    <a:p>
-                      <a:pPr algn="ctr"/>
-                      <a:endParaRPr lang="fr-FR" sz="1400" dirty="0"/>
-                    </a:p>
-                  </a:txBody>
-                  <a:tcPr anchor="ctr">
-                    <a:lnL w="12700" cap="flat" cmpd="sng" algn="ctr">
-                      <a:noFill/>
-                      <a:prstDash val="solid"/>
-                      <a:round/>
-                      <a:headEnd type="none" w="med" len="med"/>
-                      <a:tailEnd type="none" w="med" len="med"/>
-                    </a:lnL>
-                    <a:solidFill>
-                      <a:srgbClr val="FFFFFF">
-                        <a:alpha val="69804"/>
-                      </a:srgbClr>
-                    </a:solidFill>
-                  </a:tcPr>
-                </a:tc>
-                <a:tc>
-                  <a:txBody>
-                    <a:bodyPr/>
-                    <a:lstStyle/>
-                    <a:p>
-                      <a:pPr algn="ctr"/>
-                      <a:endParaRPr lang="fr-FR" sz="1400" b="1" dirty="0"/>
-                    </a:p>
-                  </a:txBody>
-                  <a:tcPr anchor="ctr">
-                    <a:lnR w="12700" cap="flat" cmpd="sng" algn="ctr">
-                      <a:solidFill>
-                        <a:schemeClr val="tx1"/>
-                      </a:solidFill>
-                      <a:prstDash val="solid"/>
-                      <a:round/>
-                      <a:headEnd type="none" w="med" len="med"/>
-                      <a:tailEnd type="none" w="med" len="med"/>
-                    </a:lnR>
-                    <a:solidFill>
-                      <a:srgbClr val="FFFFFF">
-                        <a:alpha val="69804"/>
-                      </a:srgbClr>
-                    </a:solidFill>
-                  </a:tcPr>
-                </a:tc>
-                <a:extLst>
-                  <a:ext uri="{0D108BD9-81ED-4DB2-BD59-A6C34878D82A}">
-                    <a16:rowId xmlns:a16="http://schemas.microsoft.com/office/drawing/2014/main" val="10010"/>
                   </a:ext>
                 </a:extLst>
               </a:tr>
@@ -8497,6 +7431,2331 @@
           </a:graphicData>
         </a:graphic>
       </p:graphicFrame>
+      <p:pic>
+        <p:nvPicPr>
+          <p:cNvPr id="14" name="Picture 2" descr="https://www.templiers-senart.com/wp-content/uploads/2017/03/Templiers_Diaporama.png">
+            <a:extLst>
+              <a:ext uri="{FF2B5EF4-FFF2-40B4-BE49-F238E27FC236}">
+                <a16:creationId xmlns:a16="http://schemas.microsoft.com/office/drawing/2014/main" id="{6A4571FE-CA86-4C44-9D87-BDB651232306}"/>
+              </a:ext>
+            </a:extLst>
+          </p:cNvPr>
+          <p:cNvPicPr>
+            <a:picLocks noChangeAspect="1" noChangeArrowheads="1"/>
+          </p:cNvPicPr>
+          <p:nvPr/>
+        </p:nvPicPr>
+        <p:blipFill>
+          <a:blip r:embed="rId2" cstate="print">
+            <a:extLst>
+              <a:ext uri="{28A0092B-C50C-407E-A947-70E740481C1C}">
+                <a14:useLocalDpi xmlns:a14="http://schemas.microsoft.com/office/drawing/2010/main" val="0"/>
+              </a:ext>
+            </a:extLst>
+          </a:blip>
+          <a:srcRect/>
+          <a:stretch>
+            <a:fillRect/>
+          </a:stretch>
+        </p:blipFill>
+        <p:spPr bwMode="auto">
+          <a:xfrm>
+            <a:off x="536176" y="417576"/>
+            <a:ext cx="387368" cy="387368"/>
+          </a:xfrm>
+          <a:prstGeom prst="rect">
+            <a:avLst/>
+          </a:prstGeom>
+          <a:noFill/>
+          <a:extLst>
+            <a:ext uri="{909E8E84-426E-40DD-AFC4-6F175D3DCCD1}">
+              <a14:hiddenFill xmlns:a14="http://schemas.microsoft.com/office/drawing/2010/main">
+                <a:solidFill>
+                  <a:srgbClr val="FFFFFF"/>
+                </a:solidFill>
+              </a14:hiddenFill>
+            </a:ext>
+          </a:extLst>
+        </p:spPr>
+      </p:pic>
+      <p:graphicFrame>
+        <p:nvGraphicFramePr>
+          <p:cNvPr id="15" name="Tableau 14">
+            <a:extLst>
+              <a:ext uri="{FF2B5EF4-FFF2-40B4-BE49-F238E27FC236}">
+                <a16:creationId xmlns:a16="http://schemas.microsoft.com/office/drawing/2014/main" id="{8B131D98-E0A8-4F84-8724-BF5EE9D2C8A8}"/>
+              </a:ext>
+            </a:extLst>
+          </p:cNvPr>
+          <p:cNvGraphicFramePr>
+            <a:graphicFrameLocks noGrp="1"/>
+          </p:cNvGraphicFramePr>
+          <p:nvPr>
+            <p:extLst>
+              <p:ext uri="{D42A27DB-BD31-4B8C-83A1-F6EECF244321}">
+                <p14:modId xmlns:p14="http://schemas.microsoft.com/office/powerpoint/2010/main" val="2313032258"/>
+              </p:ext>
+            </p:extLst>
+          </p:nvPr>
+        </p:nvGraphicFramePr>
+        <p:xfrm>
+          <a:off x="369195" y="5410200"/>
+          <a:ext cx="3898004" cy="3962400"/>
+        </p:xfrm>
+        <a:graphic>
+          <a:graphicData uri="http://schemas.openxmlformats.org/drawingml/2006/table">
+            <a:tbl>
+              <a:tblPr firstRow="1" bandRow="1">
+                <a:solidFill>
+                  <a:srgbClr val="FFFFFF">
+                    <a:alpha val="40000"/>
+                  </a:srgbClr>
+                </a:solidFill>
+                <a:tableStyleId>{7E9639D4-E3E2-4D34-9284-5A2195B3D0D7}</a:tableStyleId>
+              </a:tblPr>
+              <a:tblGrid>
+                <a:gridCol w="621405">
+                  <a:extLst>
+                    <a:ext uri="{9D8B030D-6E8A-4147-A177-3AD203B41FA5}">
+                      <a16:colId xmlns:a16="http://schemas.microsoft.com/office/drawing/2014/main" val="20000"/>
+                    </a:ext>
+                  </a:extLst>
+                </a:gridCol>
+                <a:gridCol w="2789348">
+                  <a:extLst>
+                    <a:ext uri="{9D8B030D-6E8A-4147-A177-3AD203B41FA5}">
+                      <a16:colId xmlns:a16="http://schemas.microsoft.com/office/drawing/2014/main" val="20001"/>
+                    </a:ext>
+                  </a:extLst>
+                </a:gridCol>
+                <a:gridCol w="487251">
+                  <a:extLst>
+                    <a:ext uri="{9D8B030D-6E8A-4147-A177-3AD203B41FA5}">
+                      <a16:colId xmlns:a16="http://schemas.microsoft.com/office/drawing/2014/main" val="20002"/>
+                    </a:ext>
+                  </a:extLst>
+                </a:gridCol>
+              </a:tblGrid>
+              <a:tr h="396240">
+                <a:tc>
+                  <a:txBody>
+                    <a:bodyPr/>
+                    <a:lstStyle/>
+                    <a:p>
+                      <a:pPr algn="ctr"/>
+                      <a:r>
+                        <a:rPr lang="fr-FR" sz="1400" b="1" dirty="0">
+                          <a:solidFill>
+                            <a:srgbClr val="000000"/>
+                          </a:solidFill>
+                          <a:latin typeface="Arial Black" panose="020B0A04020102020204" pitchFamily="34" charset="0"/>
+                        </a:rPr>
+                        <a:t>1</a:t>
+                      </a:r>
+                    </a:p>
+                  </a:txBody>
+                  <a:tcPr anchor="ctr">
+                    <a:lnL w="76200" cap="flat" cmpd="sng" algn="ctr">
+                      <a:noFill/>
+                      <a:prstDash val="solid"/>
+                      <a:round/>
+                      <a:headEnd type="none" w="med" len="med"/>
+                      <a:tailEnd type="none" w="med" len="med"/>
+                    </a:lnL>
+                    <a:lnR>
+                      <a:noFill/>
+                    </a:lnR>
+                    <a:lnT w="76200" cap="flat" cmpd="sng" algn="ctr">
+                      <a:noFill/>
+                      <a:prstDash val="solid"/>
+                      <a:round/>
+                      <a:headEnd type="none" w="med" len="med"/>
+                      <a:tailEnd type="none" w="med" len="med"/>
+                    </a:lnT>
+                    <a:lnB w="76200" cap="flat" cmpd="sng" algn="ctr">
+                      <a:solidFill>
+                        <a:schemeClr val="bg1"/>
+                      </a:solidFill>
+                      <a:prstDash val="solid"/>
+                      <a:round/>
+                      <a:headEnd type="none" w="med" len="med"/>
+                      <a:tailEnd type="none" w="med" len="med"/>
+                    </a:lnB>
+                    <a:lnTlToBr w="12700" cmpd="sng">
+                      <a:noFill/>
+                      <a:prstDash val="solid"/>
+                    </a:lnTlToBr>
+                    <a:lnBlToTr w="12700" cmpd="sng">
+                      <a:noFill/>
+                      <a:prstDash val="solid"/>
+                    </a:lnBlToTr>
+                    <a:solidFill>
+                      <a:schemeClr val="bg1">
+                        <a:lumMod val="95000"/>
+                      </a:schemeClr>
+                    </a:solidFill>
+                  </a:tcPr>
+                </a:tc>
+                <a:tc>
+                  <a:txBody>
+                    <a:bodyPr/>
+                    <a:lstStyle/>
+                    <a:p>
+                      <a:pPr algn="r"/>
+                      <a:endParaRPr lang="fr-FR" sz="1400" dirty="0">
+                        <a:solidFill>
+                          <a:srgbClr val="000000"/>
+                        </a:solidFill>
+                        <a:latin typeface="Arial Black" panose="020B0A04020102020204" pitchFamily="34" charset="0"/>
+                      </a:endParaRPr>
+                    </a:p>
+                  </a:txBody>
+                  <a:tcPr anchor="ctr">
+                    <a:lnL>
+                      <a:noFill/>
+                    </a:lnL>
+                    <a:lnR>
+                      <a:noFill/>
+                    </a:lnR>
+                    <a:lnT w="76200" cap="flat" cmpd="sng" algn="ctr">
+                      <a:noFill/>
+                      <a:prstDash val="solid"/>
+                      <a:round/>
+                      <a:headEnd type="none" w="med" len="med"/>
+                      <a:tailEnd type="none" w="med" len="med"/>
+                    </a:lnT>
+                    <a:lnB w="76200" cap="flat" cmpd="sng" algn="ctr">
+                      <a:solidFill>
+                        <a:schemeClr val="bg1"/>
+                      </a:solidFill>
+                      <a:prstDash val="solid"/>
+                      <a:round/>
+                      <a:headEnd type="none" w="med" len="med"/>
+                      <a:tailEnd type="none" w="med" len="med"/>
+                    </a:lnB>
+                    <a:lnTlToBr w="12700" cmpd="sng">
+                      <a:noFill/>
+                      <a:prstDash val="solid"/>
+                    </a:lnTlToBr>
+                    <a:lnBlToTr w="12700" cmpd="sng">
+                      <a:noFill/>
+                      <a:prstDash val="solid"/>
+                    </a:lnBlToTr>
+                    <a:solidFill>
+                      <a:schemeClr val="bg1">
+                        <a:lumMod val="95000"/>
+                      </a:schemeClr>
+                    </a:solidFill>
+                  </a:tcPr>
+                </a:tc>
+                <a:tc>
+                  <a:txBody>
+                    <a:bodyPr/>
+                    <a:lstStyle/>
+                    <a:p>
+                      <a:pPr algn="ctr"/>
+                      <a:endParaRPr lang="fr-FR" sz="1400" dirty="0">
+                        <a:solidFill>
+                          <a:srgbClr val="000000"/>
+                        </a:solidFill>
+                      </a:endParaRPr>
+                    </a:p>
+                  </a:txBody>
+                  <a:tcPr anchor="ctr">
+                    <a:lnL>
+                      <a:noFill/>
+                    </a:lnL>
+                    <a:lnR>
+                      <a:noFill/>
+                    </a:lnR>
+                    <a:lnT w="76200" cap="flat" cmpd="sng" algn="ctr">
+                      <a:noFill/>
+                      <a:prstDash val="solid"/>
+                      <a:round/>
+                      <a:headEnd type="none" w="med" len="med"/>
+                      <a:tailEnd type="none" w="med" len="med"/>
+                    </a:lnT>
+                    <a:lnB w="76200" cap="flat" cmpd="sng" algn="ctr">
+                      <a:solidFill>
+                        <a:schemeClr val="bg1"/>
+                      </a:solidFill>
+                      <a:prstDash val="solid"/>
+                      <a:round/>
+                      <a:headEnd type="none" w="med" len="med"/>
+                      <a:tailEnd type="none" w="med" len="med"/>
+                    </a:lnB>
+                    <a:lnTlToBr w="12700" cmpd="sng">
+                      <a:noFill/>
+                      <a:prstDash val="solid"/>
+                    </a:lnTlToBr>
+                    <a:lnBlToTr w="12700" cmpd="sng">
+                      <a:noFill/>
+                      <a:prstDash val="solid"/>
+                    </a:lnBlToTr>
+                    <a:solidFill>
+                      <a:schemeClr val="bg1">
+                        <a:lumMod val="95000"/>
+                      </a:schemeClr>
+                    </a:solidFill>
+                  </a:tcPr>
+                </a:tc>
+                <a:extLst>
+                  <a:ext uri="{0D108BD9-81ED-4DB2-BD59-A6C34878D82A}">
+                    <a16:rowId xmlns:a16="http://schemas.microsoft.com/office/drawing/2014/main" val="10001"/>
+                  </a:ext>
+                </a:extLst>
+              </a:tr>
+              <a:tr h="396240">
+                <a:tc>
+                  <a:txBody>
+                    <a:bodyPr/>
+                    <a:lstStyle/>
+                    <a:p>
+                      <a:pPr algn="ctr"/>
+                      <a:r>
+                        <a:rPr lang="fr-FR" sz="1400" b="1" dirty="0">
+                          <a:solidFill>
+                            <a:srgbClr val="000000"/>
+                          </a:solidFill>
+                          <a:latin typeface="Arial Black" panose="020B0A04020102020204" pitchFamily="34" charset="0"/>
+                        </a:rPr>
+                        <a:t>2</a:t>
+                      </a:r>
+                    </a:p>
+                  </a:txBody>
+                  <a:tcPr anchor="ctr">
+                    <a:lnL w="76200" cap="flat" cmpd="sng" algn="ctr">
+                      <a:noFill/>
+                      <a:prstDash val="solid"/>
+                      <a:round/>
+                      <a:headEnd type="none" w="med" len="med"/>
+                      <a:tailEnd type="none" w="med" len="med"/>
+                    </a:lnL>
+                    <a:lnR>
+                      <a:noFill/>
+                    </a:lnR>
+                    <a:lnT w="76200" cap="flat" cmpd="sng" algn="ctr">
+                      <a:solidFill>
+                        <a:schemeClr val="bg1"/>
+                      </a:solidFill>
+                      <a:prstDash val="solid"/>
+                      <a:round/>
+                      <a:headEnd type="none" w="med" len="med"/>
+                      <a:tailEnd type="none" w="med" len="med"/>
+                    </a:lnT>
+                    <a:lnB w="76200" cap="flat" cmpd="sng" algn="ctr">
+                      <a:solidFill>
+                        <a:schemeClr val="bg1"/>
+                      </a:solidFill>
+                      <a:prstDash val="solid"/>
+                      <a:round/>
+                      <a:headEnd type="none" w="med" len="med"/>
+                      <a:tailEnd type="none" w="med" len="med"/>
+                    </a:lnB>
+                    <a:lnTlToBr w="12700" cmpd="sng">
+                      <a:noFill/>
+                      <a:prstDash val="solid"/>
+                    </a:lnTlToBr>
+                    <a:lnBlToTr w="12700" cmpd="sng">
+                      <a:noFill/>
+                      <a:prstDash val="solid"/>
+                    </a:lnBlToTr>
+                    <a:solidFill>
+                      <a:schemeClr val="bg1">
+                        <a:lumMod val="95000"/>
+                      </a:schemeClr>
+                    </a:solidFill>
+                  </a:tcPr>
+                </a:tc>
+                <a:tc>
+                  <a:txBody>
+                    <a:bodyPr/>
+                    <a:lstStyle/>
+                    <a:p>
+                      <a:pPr algn="r"/>
+                      <a:endParaRPr lang="fr-FR" sz="1400" dirty="0">
+                        <a:solidFill>
+                          <a:srgbClr val="000000"/>
+                        </a:solidFill>
+                        <a:latin typeface="Arial Black" panose="020B0A04020102020204" pitchFamily="34" charset="0"/>
+                      </a:endParaRPr>
+                    </a:p>
+                  </a:txBody>
+                  <a:tcPr anchor="ctr">
+                    <a:lnL>
+                      <a:noFill/>
+                    </a:lnL>
+                    <a:lnR>
+                      <a:noFill/>
+                    </a:lnR>
+                    <a:lnT w="76200" cap="flat" cmpd="sng" algn="ctr">
+                      <a:solidFill>
+                        <a:schemeClr val="bg1"/>
+                      </a:solidFill>
+                      <a:prstDash val="solid"/>
+                      <a:round/>
+                      <a:headEnd type="none" w="med" len="med"/>
+                      <a:tailEnd type="none" w="med" len="med"/>
+                    </a:lnT>
+                    <a:lnB w="76200" cap="flat" cmpd="sng" algn="ctr">
+                      <a:solidFill>
+                        <a:schemeClr val="bg1"/>
+                      </a:solidFill>
+                      <a:prstDash val="solid"/>
+                      <a:round/>
+                      <a:headEnd type="none" w="med" len="med"/>
+                      <a:tailEnd type="none" w="med" len="med"/>
+                    </a:lnB>
+                    <a:lnTlToBr w="12700" cmpd="sng">
+                      <a:noFill/>
+                      <a:prstDash val="solid"/>
+                    </a:lnTlToBr>
+                    <a:lnBlToTr w="12700" cmpd="sng">
+                      <a:noFill/>
+                      <a:prstDash val="solid"/>
+                    </a:lnBlToTr>
+                    <a:solidFill>
+                      <a:schemeClr val="bg1">
+                        <a:lumMod val="95000"/>
+                      </a:schemeClr>
+                    </a:solidFill>
+                  </a:tcPr>
+                </a:tc>
+                <a:tc>
+                  <a:txBody>
+                    <a:bodyPr/>
+                    <a:lstStyle/>
+                    <a:p>
+                      <a:pPr algn="ctr"/>
+                      <a:endParaRPr lang="fr-FR" sz="1400" dirty="0">
+                        <a:solidFill>
+                          <a:srgbClr val="000000"/>
+                        </a:solidFill>
+                      </a:endParaRPr>
+                    </a:p>
+                  </a:txBody>
+                  <a:tcPr anchor="ctr">
+                    <a:lnL>
+                      <a:noFill/>
+                    </a:lnL>
+                    <a:lnR>
+                      <a:noFill/>
+                    </a:lnR>
+                    <a:lnT w="76200" cap="flat" cmpd="sng" algn="ctr">
+                      <a:solidFill>
+                        <a:schemeClr val="bg1"/>
+                      </a:solidFill>
+                      <a:prstDash val="solid"/>
+                      <a:round/>
+                      <a:headEnd type="none" w="med" len="med"/>
+                      <a:tailEnd type="none" w="med" len="med"/>
+                    </a:lnT>
+                    <a:lnB w="76200" cap="flat" cmpd="sng" algn="ctr">
+                      <a:solidFill>
+                        <a:schemeClr val="bg1"/>
+                      </a:solidFill>
+                      <a:prstDash val="solid"/>
+                      <a:round/>
+                      <a:headEnd type="none" w="med" len="med"/>
+                      <a:tailEnd type="none" w="med" len="med"/>
+                    </a:lnB>
+                    <a:lnTlToBr w="12700" cmpd="sng">
+                      <a:noFill/>
+                      <a:prstDash val="solid"/>
+                    </a:lnTlToBr>
+                    <a:lnBlToTr w="12700" cmpd="sng">
+                      <a:noFill/>
+                      <a:prstDash val="solid"/>
+                    </a:lnBlToTr>
+                    <a:solidFill>
+                      <a:schemeClr val="bg1">
+                        <a:lumMod val="95000"/>
+                      </a:schemeClr>
+                    </a:solidFill>
+                  </a:tcPr>
+                </a:tc>
+                <a:extLst>
+                  <a:ext uri="{0D108BD9-81ED-4DB2-BD59-A6C34878D82A}">
+                    <a16:rowId xmlns:a16="http://schemas.microsoft.com/office/drawing/2014/main" val="10002"/>
+                  </a:ext>
+                </a:extLst>
+              </a:tr>
+              <a:tr h="396240">
+                <a:tc>
+                  <a:txBody>
+                    <a:bodyPr/>
+                    <a:lstStyle/>
+                    <a:p>
+                      <a:pPr algn="ctr"/>
+                      <a:r>
+                        <a:rPr lang="fr-FR" sz="1400" b="1" dirty="0">
+                          <a:solidFill>
+                            <a:srgbClr val="000000"/>
+                          </a:solidFill>
+                          <a:latin typeface="Arial Black" panose="020B0A04020102020204" pitchFamily="34" charset="0"/>
+                        </a:rPr>
+                        <a:t>3</a:t>
+                      </a:r>
+                    </a:p>
+                  </a:txBody>
+                  <a:tcPr anchor="ctr">
+                    <a:lnL w="76200" cap="flat" cmpd="sng" algn="ctr">
+                      <a:noFill/>
+                      <a:prstDash val="solid"/>
+                      <a:round/>
+                      <a:headEnd type="none" w="med" len="med"/>
+                      <a:tailEnd type="none" w="med" len="med"/>
+                    </a:lnL>
+                    <a:lnR>
+                      <a:noFill/>
+                    </a:lnR>
+                    <a:lnT w="76200" cap="flat" cmpd="sng" algn="ctr">
+                      <a:solidFill>
+                        <a:schemeClr val="bg1"/>
+                      </a:solidFill>
+                      <a:prstDash val="solid"/>
+                      <a:round/>
+                      <a:headEnd type="none" w="med" len="med"/>
+                      <a:tailEnd type="none" w="med" len="med"/>
+                    </a:lnT>
+                    <a:lnB w="76200" cap="flat" cmpd="sng" algn="ctr">
+                      <a:solidFill>
+                        <a:schemeClr val="bg1"/>
+                      </a:solidFill>
+                      <a:prstDash val="solid"/>
+                      <a:round/>
+                      <a:headEnd type="none" w="med" len="med"/>
+                      <a:tailEnd type="none" w="med" len="med"/>
+                    </a:lnB>
+                    <a:lnTlToBr w="12700" cmpd="sng">
+                      <a:noFill/>
+                      <a:prstDash val="solid"/>
+                    </a:lnTlToBr>
+                    <a:lnBlToTr w="12700" cmpd="sng">
+                      <a:noFill/>
+                      <a:prstDash val="solid"/>
+                    </a:lnBlToTr>
+                    <a:solidFill>
+                      <a:schemeClr val="bg1">
+                        <a:lumMod val="95000"/>
+                      </a:schemeClr>
+                    </a:solidFill>
+                  </a:tcPr>
+                </a:tc>
+                <a:tc>
+                  <a:txBody>
+                    <a:bodyPr/>
+                    <a:lstStyle/>
+                    <a:p>
+                      <a:pPr algn="r"/>
+                      <a:endParaRPr lang="fr-FR" sz="1400" dirty="0">
+                        <a:solidFill>
+                          <a:srgbClr val="000000"/>
+                        </a:solidFill>
+                        <a:latin typeface="Arial Black" panose="020B0A04020102020204" pitchFamily="34" charset="0"/>
+                      </a:endParaRPr>
+                    </a:p>
+                  </a:txBody>
+                  <a:tcPr anchor="ctr">
+                    <a:lnL>
+                      <a:noFill/>
+                    </a:lnL>
+                    <a:lnR>
+                      <a:noFill/>
+                    </a:lnR>
+                    <a:lnT w="76200" cap="flat" cmpd="sng" algn="ctr">
+                      <a:solidFill>
+                        <a:schemeClr val="bg1"/>
+                      </a:solidFill>
+                      <a:prstDash val="solid"/>
+                      <a:round/>
+                      <a:headEnd type="none" w="med" len="med"/>
+                      <a:tailEnd type="none" w="med" len="med"/>
+                    </a:lnT>
+                    <a:lnB w="76200" cap="flat" cmpd="sng" algn="ctr">
+                      <a:solidFill>
+                        <a:schemeClr val="bg1"/>
+                      </a:solidFill>
+                      <a:prstDash val="solid"/>
+                      <a:round/>
+                      <a:headEnd type="none" w="med" len="med"/>
+                      <a:tailEnd type="none" w="med" len="med"/>
+                    </a:lnB>
+                    <a:lnTlToBr w="12700" cmpd="sng">
+                      <a:noFill/>
+                      <a:prstDash val="solid"/>
+                    </a:lnTlToBr>
+                    <a:lnBlToTr w="12700" cmpd="sng">
+                      <a:noFill/>
+                      <a:prstDash val="solid"/>
+                    </a:lnBlToTr>
+                    <a:solidFill>
+                      <a:schemeClr val="bg1">
+                        <a:lumMod val="95000"/>
+                      </a:schemeClr>
+                    </a:solidFill>
+                  </a:tcPr>
+                </a:tc>
+                <a:tc>
+                  <a:txBody>
+                    <a:bodyPr/>
+                    <a:lstStyle/>
+                    <a:p>
+                      <a:pPr algn="ctr"/>
+                      <a:endParaRPr lang="fr-FR" sz="1400" dirty="0">
+                        <a:solidFill>
+                          <a:srgbClr val="000000"/>
+                        </a:solidFill>
+                      </a:endParaRPr>
+                    </a:p>
+                  </a:txBody>
+                  <a:tcPr anchor="ctr">
+                    <a:lnL>
+                      <a:noFill/>
+                    </a:lnL>
+                    <a:lnR>
+                      <a:noFill/>
+                    </a:lnR>
+                    <a:lnT w="76200" cap="flat" cmpd="sng" algn="ctr">
+                      <a:solidFill>
+                        <a:schemeClr val="bg1"/>
+                      </a:solidFill>
+                      <a:prstDash val="solid"/>
+                      <a:round/>
+                      <a:headEnd type="none" w="med" len="med"/>
+                      <a:tailEnd type="none" w="med" len="med"/>
+                    </a:lnT>
+                    <a:lnB w="76200" cap="flat" cmpd="sng" algn="ctr">
+                      <a:solidFill>
+                        <a:schemeClr val="bg1"/>
+                      </a:solidFill>
+                      <a:prstDash val="solid"/>
+                      <a:round/>
+                      <a:headEnd type="none" w="med" len="med"/>
+                      <a:tailEnd type="none" w="med" len="med"/>
+                    </a:lnB>
+                    <a:lnTlToBr w="12700" cmpd="sng">
+                      <a:noFill/>
+                      <a:prstDash val="solid"/>
+                    </a:lnTlToBr>
+                    <a:lnBlToTr w="12700" cmpd="sng">
+                      <a:noFill/>
+                      <a:prstDash val="solid"/>
+                    </a:lnBlToTr>
+                    <a:solidFill>
+                      <a:schemeClr val="bg1">
+                        <a:lumMod val="95000"/>
+                      </a:schemeClr>
+                    </a:solidFill>
+                  </a:tcPr>
+                </a:tc>
+                <a:extLst>
+                  <a:ext uri="{0D108BD9-81ED-4DB2-BD59-A6C34878D82A}">
+                    <a16:rowId xmlns:a16="http://schemas.microsoft.com/office/drawing/2014/main" val="10003"/>
+                  </a:ext>
+                </a:extLst>
+              </a:tr>
+              <a:tr h="396240">
+                <a:tc>
+                  <a:txBody>
+                    <a:bodyPr/>
+                    <a:lstStyle/>
+                    <a:p>
+                      <a:pPr algn="ctr"/>
+                      <a:r>
+                        <a:rPr lang="fr-FR" sz="1400" b="1" dirty="0">
+                          <a:solidFill>
+                            <a:srgbClr val="000000"/>
+                          </a:solidFill>
+                          <a:latin typeface="Arial Black" panose="020B0A04020102020204" pitchFamily="34" charset="0"/>
+                        </a:rPr>
+                        <a:t>4</a:t>
+                      </a:r>
+                    </a:p>
+                  </a:txBody>
+                  <a:tcPr anchor="ctr">
+                    <a:lnL w="76200" cap="flat" cmpd="sng" algn="ctr">
+                      <a:noFill/>
+                      <a:prstDash val="solid"/>
+                      <a:round/>
+                      <a:headEnd type="none" w="med" len="med"/>
+                      <a:tailEnd type="none" w="med" len="med"/>
+                    </a:lnL>
+                    <a:lnR>
+                      <a:noFill/>
+                    </a:lnR>
+                    <a:lnT w="76200" cap="flat" cmpd="sng" algn="ctr">
+                      <a:solidFill>
+                        <a:schemeClr val="bg1"/>
+                      </a:solidFill>
+                      <a:prstDash val="solid"/>
+                      <a:round/>
+                      <a:headEnd type="none" w="med" len="med"/>
+                      <a:tailEnd type="none" w="med" len="med"/>
+                    </a:lnT>
+                    <a:lnB w="76200" cap="flat" cmpd="sng" algn="ctr">
+                      <a:solidFill>
+                        <a:schemeClr val="bg1"/>
+                      </a:solidFill>
+                      <a:prstDash val="solid"/>
+                      <a:round/>
+                      <a:headEnd type="none" w="med" len="med"/>
+                      <a:tailEnd type="none" w="med" len="med"/>
+                    </a:lnB>
+                    <a:lnTlToBr w="12700" cmpd="sng">
+                      <a:noFill/>
+                      <a:prstDash val="solid"/>
+                    </a:lnTlToBr>
+                    <a:lnBlToTr w="12700" cmpd="sng">
+                      <a:noFill/>
+                      <a:prstDash val="solid"/>
+                    </a:lnBlToTr>
+                    <a:solidFill>
+                      <a:schemeClr val="bg1">
+                        <a:lumMod val="95000"/>
+                      </a:schemeClr>
+                    </a:solidFill>
+                  </a:tcPr>
+                </a:tc>
+                <a:tc>
+                  <a:txBody>
+                    <a:bodyPr/>
+                    <a:lstStyle/>
+                    <a:p>
+                      <a:pPr algn="r"/>
+                      <a:endParaRPr lang="fr-FR" sz="1400" dirty="0">
+                        <a:solidFill>
+                          <a:srgbClr val="000000"/>
+                        </a:solidFill>
+                        <a:latin typeface="Arial Black" panose="020B0A04020102020204" pitchFamily="34" charset="0"/>
+                      </a:endParaRPr>
+                    </a:p>
+                  </a:txBody>
+                  <a:tcPr anchor="ctr">
+                    <a:lnL>
+                      <a:noFill/>
+                    </a:lnL>
+                    <a:lnR>
+                      <a:noFill/>
+                    </a:lnR>
+                    <a:lnT w="76200" cap="flat" cmpd="sng" algn="ctr">
+                      <a:solidFill>
+                        <a:schemeClr val="bg1"/>
+                      </a:solidFill>
+                      <a:prstDash val="solid"/>
+                      <a:round/>
+                      <a:headEnd type="none" w="med" len="med"/>
+                      <a:tailEnd type="none" w="med" len="med"/>
+                    </a:lnT>
+                    <a:lnB w="76200" cap="flat" cmpd="sng" algn="ctr">
+                      <a:solidFill>
+                        <a:schemeClr val="bg1"/>
+                      </a:solidFill>
+                      <a:prstDash val="solid"/>
+                      <a:round/>
+                      <a:headEnd type="none" w="med" len="med"/>
+                      <a:tailEnd type="none" w="med" len="med"/>
+                    </a:lnB>
+                    <a:lnTlToBr w="12700" cmpd="sng">
+                      <a:noFill/>
+                      <a:prstDash val="solid"/>
+                    </a:lnTlToBr>
+                    <a:lnBlToTr w="12700" cmpd="sng">
+                      <a:noFill/>
+                      <a:prstDash val="solid"/>
+                    </a:lnBlToTr>
+                    <a:solidFill>
+                      <a:schemeClr val="bg1">
+                        <a:lumMod val="95000"/>
+                      </a:schemeClr>
+                    </a:solidFill>
+                  </a:tcPr>
+                </a:tc>
+                <a:tc>
+                  <a:txBody>
+                    <a:bodyPr/>
+                    <a:lstStyle/>
+                    <a:p>
+                      <a:pPr algn="ctr"/>
+                      <a:endParaRPr lang="fr-FR" sz="1400" dirty="0">
+                        <a:solidFill>
+                          <a:srgbClr val="000000"/>
+                        </a:solidFill>
+                      </a:endParaRPr>
+                    </a:p>
+                  </a:txBody>
+                  <a:tcPr anchor="ctr">
+                    <a:lnL>
+                      <a:noFill/>
+                    </a:lnL>
+                    <a:lnR>
+                      <a:noFill/>
+                    </a:lnR>
+                    <a:lnT w="76200" cap="flat" cmpd="sng" algn="ctr">
+                      <a:solidFill>
+                        <a:schemeClr val="bg1"/>
+                      </a:solidFill>
+                      <a:prstDash val="solid"/>
+                      <a:round/>
+                      <a:headEnd type="none" w="med" len="med"/>
+                      <a:tailEnd type="none" w="med" len="med"/>
+                    </a:lnT>
+                    <a:lnB w="76200" cap="flat" cmpd="sng" algn="ctr">
+                      <a:solidFill>
+                        <a:schemeClr val="bg1"/>
+                      </a:solidFill>
+                      <a:prstDash val="solid"/>
+                      <a:round/>
+                      <a:headEnd type="none" w="med" len="med"/>
+                      <a:tailEnd type="none" w="med" len="med"/>
+                    </a:lnB>
+                    <a:lnTlToBr w="12700" cmpd="sng">
+                      <a:noFill/>
+                      <a:prstDash val="solid"/>
+                    </a:lnTlToBr>
+                    <a:lnBlToTr w="12700" cmpd="sng">
+                      <a:noFill/>
+                      <a:prstDash val="solid"/>
+                    </a:lnBlToTr>
+                    <a:solidFill>
+                      <a:schemeClr val="bg1">
+                        <a:lumMod val="95000"/>
+                      </a:schemeClr>
+                    </a:solidFill>
+                  </a:tcPr>
+                </a:tc>
+                <a:extLst>
+                  <a:ext uri="{0D108BD9-81ED-4DB2-BD59-A6C34878D82A}">
+                    <a16:rowId xmlns:a16="http://schemas.microsoft.com/office/drawing/2014/main" val="10004"/>
+                  </a:ext>
+                </a:extLst>
+              </a:tr>
+              <a:tr h="396240">
+                <a:tc>
+                  <a:txBody>
+                    <a:bodyPr/>
+                    <a:lstStyle/>
+                    <a:p>
+                      <a:pPr algn="ctr"/>
+                      <a:r>
+                        <a:rPr lang="fr-FR" sz="1400" b="1" dirty="0">
+                          <a:solidFill>
+                            <a:srgbClr val="000000"/>
+                          </a:solidFill>
+                          <a:latin typeface="Arial Black" panose="020B0A04020102020204" pitchFamily="34" charset="0"/>
+                        </a:rPr>
+                        <a:t>5</a:t>
+                      </a:r>
+                    </a:p>
+                  </a:txBody>
+                  <a:tcPr anchor="ctr">
+                    <a:lnL w="76200" cap="flat" cmpd="sng" algn="ctr">
+                      <a:noFill/>
+                      <a:prstDash val="solid"/>
+                      <a:round/>
+                      <a:headEnd type="none" w="med" len="med"/>
+                      <a:tailEnd type="none" w="med" len="med"/>
+                    </a:lnL>
+                    <a:lnR>
+                      <a:noFill/>
+                    </a:lnR>
+                    <a:lnT w="76200" cap="flat" cmpd="sng" algn="ctr">
+                      <a:solidFill>
+                        <a:schemeClr val="bg1"/>
+                      </a:solidFill>
+                      <a:prstDash val="solid"/>
+                      <a:round/>
+                      <a:headEnd type="none" w="med" len="med"/>
+                      <a:tailEnd type="none" w="med" len="med"/>
+                    </a:lnT>
+                    <a:lnB w="76200" cap="flat" cmpd="sng" algn="ctr">
+                      <a:solidFill>
+                        <a:schemeClr val="bg1"/>
+                      </a:solidFill>
+                      <a:prstDash val="solid"/>
+                      <a:round/>
+                      <a:headEnd type="none" w="med" len="med"/>
+                      <a:tailEnd type="none" w="med" len="med"/>
+                    </a:lnB>
+                    <a:lnTlToBr w="12700" cmpd="sng">
+                      <a:noFill/>
+                      <a:prstDash val="solid"/>
+                    </a:lnTlToBr>
+                    <a:lnBlToTr w="12700" cmpd="sng">
+                      <a:noFill/>
+                      <a:prstDash val="solid"/>
+                    </a:lnBlToTr>
+                    <a:solidFill>
+                      <a:schemeClr val="bg1">
+                        <a:lumMod val="95000"/>
+                      </a:schemeClr>
+                    </a:solidFill>
+                  </a:tcPr>
+                </a:tc>
+                <a:tc>
+                  <a:txBody>
+                    <a:bodyPr/>
+                    <a:lstStyle/>
+                    <a:p>
+                      <a:pPr algn="r"/>
+                      <a:endParaRPr lang="fr-FR" sz="1400" dirty="0">
+                        <a:solidFill>
+                          <a:srgbClr val="000000"/>
+                        </a:solidFill>
+                        <a:latin typeface="Arial Black" panose="020B0A04020102020204" pitchFamily="34" charset="0"/>
+                      </a:endParaRPr>
+                    </a:p>
+                  </a:txBody>
+                  <a:tcPr anchor="ctr">
+                    <a:lnL>
+                      <a:noFill/>
+                    </a:lnL>
+                    <a:lnR>
+                      <a:noFill/>
+                    </a:lnR>
+                    <a:lnT w="76200" cap="flat" cmpd="sng" algn="ctr">
+                      <a:solidFill>
+                        <a:schemeClr val="bg1"/>
+                      </a:solidFill>
+                      <a:prstDash val="solid"/>
+                      <a:round/>
+                      <a:headEnd type="none" w="med" len="med"/>
+                      <a:tailEnd type="none" w="med" len="med"/>
+                    </a:lnT>
+                    <a:lnB w="76200" cap="flat" cmpd="sng" algn="ctr">
+                      <a:solidFill>
+                        <a:schemeClr val="bg1"/>
+                      </a:solidFill>
+                      <a:prstDash val="solid"/>
+                      <a:round/>
+                      <a:headEnd type="none" w="med" len="med"/>
+                      <a:tailEnd type="none" w="med" len="med"/>
+                    </a:lnB>
+                    <a:lnTlToBr w="12700" cmpd="sng">
+                      <a:noFill/>
+                      <a:prstDash val="solid"/>
+                    </a:lnTlToBr>
+                    <a:lnBlToTr w="12700" cmpd="sng">
+                      <a:noFill/>
+                      <a:prstDash val="solid"/>
+                    </a:lnBlToTr>
+                    <a:solidFill>
+                      <a:schemeClr val="bg1">
+                        <a:lumMod val="95000"/>
+                      </a:schemeClr>
+                    </a:solidFill>
+                  </a:tcPr>
+                </a:tc>
+                <a:tc>
+                  <a:txBody>
+                    <a:bodyPr/>
+                    <a:lstStyle/>
+                    <a:p>
+                      <a:pPr algn="ctr"/>
+                      <a:endParaRPr lang="fr-FR" sz="1400" dirty="0">
+                        <a:solidFill>
+                          <a:srgbClr val="000000"/>
+                        </a:solidFill>
+                      </a:endParaRPr>
+                    </a:p>
+                  </a:txBody>
+                  <a:tcPr anchor="ctr">
+                    <a:lnL>
+                      <a:noFill/>
+                    </a:lnL>
+                    <a:lnR>
+                      <a:noFill/>
+                    </a:lnR>
+                    <a:lnT w="76200" cap="flat" cmpd="sng" algn="ctr">
+                      <a:solidFill>
+                        <a:schemeClr val="bg1"/>
+                      </a:solidFill>
+                      <a:prstDash val="solid"/>
+                      <a:round/>
+                      <a:headEnd type="none" w="med" len="med"/>
+                      <a:tailEnd type="none" w="med" len="med"/>
+                    </a:lnT>
+                    <a:lnB w="76200" cap="flat" cmpd="sng" algn="ctr">
+                      <a:solidFill>
+                        <a:schemeClr val="bg1"/>
+                      </a:solidFill>
+                      <a:prstDash val="solid"/>
+                      <a:round/>
+                      <a:headEnd type="none" w="med" len="med"/>
+                      <a:tailEnd type="none" w="med" len="med"/>
+                    </a:lnB>
+                    <a:lnTlToBr w="12700" cmpd="sng">
+                      <a:noFill/>
+                      <a:prstDash val="solid"/>
+                    </a:lnTlToBr>
+                    <a:lnBlToTr w="12700" cmpd="sng">
+                      <a:noFill/>
+                      <a:prstDash val="solid"/>
+                    </a:lnBlToTr>
+                    <a:solidFill>
+                      <a:schemeClr val="bg1">
+                        <a:lumMod val="95000"/>
+                      </a:schemeClr>
+                    </a:solidFill>
+                  </a:tcPr>
+                </a:tc>
+                <a:extLst>
+                  <a:ext uri="{0D108BD9-81ED-4DB2-BD59-A6C34878D82A}">
+                    <a16:rowId xmlns:a16="http://schemas.microsoft.com/office/drawing/2014/main" val="10005"/>
+                  </a:ext>
+                </a:extLst>
+              </a:tr>
+              <a:tr h="396240">
+                <a:tc>
+                  <a:txBody>
+                    <a:bodyPr/>
+                    <a:lstStyle/>
+                    <a:p>
+                      <a:pPr algn="ctr"/>
+                      <a:r>
+                        <a:rPr lang="fr-FR" sz="1400" b="1" dirty="0">
+                          <a:solidFill>
+                            <a:srgbClr val="000000"/>
+                          </a:solidFill>
+                          <a:latin typeface="Arial Black" panose="020B0A04020102020204" pitchFamily="34" charset="0"/>
+                        </a:rPr>
+                        <a:t>6</a:t>
+                      </a:r>
+                    </a:p>
+                  </a:txBody>
+                  <a:tcPr anchor="ctr">
+                    <a:lnL w="76200" cap="flat" cmpd="sng" algn="ctr">
+                      <a:noFill/>
+                      <a:prstDash val="solid"/>
+                      <a:round/>
+                      <a:headEnd type="none" w="med" len="med"/>
+                      <a:tailEnd type="none" w="med" len="med"/>
+                    </a:lnL>
+                    <a:lnR>
+                      <a:noFill/>
+                    </a:lnR>
+                    <a:lnT w="76200" cap="flat" cmpd="sng" algn="ctr">
+                      <a:solidFill>
+                        <a:schemeClr val="bg1"/>
+                      </a:solidFill>
+                      <a:prstDash val="solid"/>
+                      <a:round/>
+                      <a:headEnd type="none" w="med" len="med"/>
+                      <a:tailEnd type="none" w="med" len="med"/>
+                    </a:lnT>
+                    <a:lnB w="76200" cap="flat" cmpd="sng" algn="ctr">
+                      <a:solidFill>
+                        <a:schemeClr val="bg1"/>
+                      </a:solidFill>
+                      <a:prstDash val="solid"/>
+                      <a:round/>
+                      <a:headEnd type="none" w="med" len="med"/>
+                      <a:tailEnd type="none" w="med" len="med"/>
+                    </a:lnB>
+                    <a:lnTlToBr w="12700" cmpd="sng">
+                      <a:noFill/>
+                      <a:prstDash val="solid"/>
+                    </a:lnTlToBr>
+                    <a:lnBlToTr w="12700" cmpd="sng">
+                      <a:noFill/>
+                      <a:prstDash val="solid"/>
+                    </a:lnBlToTr>
+                    <a:solidFill>
+                      <a:schemeClr val="bg1">
+                        <a:lumMod val="95000"/>
+                      </a:schemeClr>
+                    </a:solidFill>
+                  </a:tcPr>
+                </a:tc>
+                <a:tc>
+                  <a:txBody>
+                    <a:bodyPr/>
+                    <a:lstStyle/>
+                    <a:p>
+                      <a:pPr algn="r"/>
+                      <a:endParaRPr lang="fr-FR" sz="1400" dirty="0">
+                        <a:solidFill>
+                          <a:srgbClr val="000000"/>
+                        </a:solidFill>
+                        <a:latin typeface="Arial Black" panose="020B0A04020102020204" pitchFamily="34" charset="0"/>
+                      </a:endParaRPr>
+                    </a:p>
+                  </a:txBody>
+                  <a:tcPr anchor="ctr">
+                    <a:lnL>
+                      <a:noFill/>
+                    </a:lnL>
+                    <a:lnR>
+                      <a:noFill/>
+                    </a:lnR>
+                    <a:lnT w="76200" cap="flat" cmpd="sng" algn="ctr">
+                      <a:solidFill>
+                        <a:schemeClr val="bg1"/>
+                      </a:solidFill>
+                      <a:prstDash val="solid"/>
+                      <a:round/>
+                      <a:headEnd type="none" w="med" len="med"/>
+                      <a:tailEnd type="none" w="med" len="med"/>
+                    </a:lnT>
+                    <a:lnB w="76200" cap="flat" cmpd="sng" algn="ctr">
+                      <a:solidFill>
+                        <a:schemeClr val="bg1"/>
+                      </a:solidFill>
+                      <a:prstDash val="solid"/>
+                      <a:round/>
+                      <a:headEnd type="none" w="med" len="med"/>
+                      <a:tailEnd type="none" w="med" len="med"/>
+                    </a:lnB>
+                    <a:lnTlToBr w="12700" cmpd="sng">
+                      <a:noFill/>
+                      <a:prstDash val="solid"/>
+                    </a:lnTlToBr>
+                    <a:lnBlToTr w="12700" cmpd="sng">
+                      <a:noFill/>
+                      <a:prstDash val="solid"/>
+                    </a:lnBlToTr>
+                    <a:solidFill>
+                      <a:schemeClr val="bg1">
+                        <a:lumMod val="95000"/>
+                      </a:schemeClr>
+                    </a:solidFill>
+                  </a:tcPr>
+                </a:tc>
+                <a:tc>
+                  <a:txBody>
+                    <a:bodyPr/>
+                    <a:lstStyle/>
+                    <a:p>
+                      <a:pPr algn="ctr"/>
+                      <a:endParaRPr lang="fr-FR" sz="1400" dirty="0">
+                        <a:solidFill>
+                          <a:srgbClr val="000000"/>
+                        </a:solidFill>
+                      </a:endParaRPr>
+                    </a:p>
+                  </a:txBody>
+                  <a:tcPr anchor="ctr">
+                    <a:lnL>
+                      <a:noFill/>
+                    </a:lnL>
+                    <a:lnR>
+                      <a:noFill/>
+                    </a:lnR>
+                    <a:lnT w="76200" cap="flat" cmpd="sng" algn="ctr">
+                      <a:solidFill>
+                        <a:schemeClr val="bg1"/>
+                      </a:solidFill>
+                      <a:prstDash val="solid"/>
+                      <a:round/>
+                      <a:headEnd type="none" w="med" len="med"/>
+                      <a:tailEnd type="none" w="med" len="med"/>
+                    </a:lnT>
+                    <a:lnB w="76200" cap="flat" cmpd="sng" algn="ctr">
+                      <a:solidFill>
+                        <a:schemeClr val="bg1"/>
+                      </a:solidFill>
+                      <a:prstDash val="solid"/>
+                      <a:round/>
+                      <a:headEnd type="none" w="med" len="med"/>
+                      <a:tailEnd type="none" w="med" len="med"/>
+                    </a:lnB>
+                    <a:lnTlToBr w="12700" cmpd="sng">
+                      <a:noFill/>
+                      <a:prstDash val="solid"/>
+                    </a:lnTlToBr>
+                    <a:lnBlToTr w="12700" cmpd="sng">
+                      <a:noFill/>
+                      <a:prstDash val="solid"/>
+                    </a:lnBlToTr>
+                    <a:solidFill>
+                      <a:schemeClr val="bg1">
+                        <a:lumMod val="95000"/>
+                      </a:schemeClr>
+                    </a:solidFill>
+                  </a:tcPr>
+                </a:tc>
+                <a:extLst>
+                  <a:ext uri="{0D108BD9-81ED-4DB2-BD59-A6C34878D82A}">
+                    <a16:rowId xmlns:a16="http://schemas.microsoft.com/office/drawing/2014/main" val="10006"/>
+                  </a:ext>
+                </a:extLst>
+              </a:tr>
+              <a:tr h="396240">
+                <a:tc>
+                  <a:txBody>
+                    <a:bodyPr/>
+                    <a:lstStyle/>
+                    <a:p>
+                      <a:pPr algn="ctr"/>
+                      <a:r>
+                        <a:rPr lang="fr-FR" sz="1400" b="1" dirty="0">
+                          <a:solidFill>
+                            <a:srgbClr val="000000"/>
+                          </a:solidFill>
+                          <a:latin typeface="Arial Black" panose="020B0A04020102020204" pitchFamily="34" charset="0"/>
+                        </a:rPr>
+                        <a:t>7</a:t>
+                      </a:r>
+                    </a:p>
+                  </a:txBody>
+                  <a:tcPr anchor="ctr">
+                    <a:lnL w="76200" cap="flat" cmpd="sng" algn="ctr">
+                      <a:noFill/>
+                      <a:prstDash val="solid"/>
+                      <a:round/>
+                      <a:headEnd type="none" w="med" len="med"/>
+                      <a:tailEnd type="none" w="med" len="med"/>
+                    </a:lnL>
+                    <a:lnR>
+                      <a:noFill/>
+                    </a:lnR>
+                    <a:lnT w="76200" cap="flat" cmpd="sng" algn="ctr">
+                      <a:solidFill>
+                        <a:schemeClr val="bg1"/>
+                      </a:solidFill>
+                      <a:prstDash val="solid"/>
+                      <a:round/>
+                      <a:headEnd type="none" w="med" len="med"/>
+                      <a:tailEnd type="none" w="med" len="med"/>
+                    </a:lnT>
+                    <a:lnB w="76200" cap="flat" cmpd="sng" algn="ctr">
+                      <a:solidFill>
+                        <a:schemeClr val="bg1"/>
+                      </a:solidFill>
+                      <a:prstDash val="solid"/>
+                      <a:round/>
+                      <a:headEnd type="none" w="med" len="med"/>
+                      <a:tailEnd type="none" w="med" len="med"/>
+                    </a:lnB>
+                    <a:lnTlToBr w="12700" cmpd="sng">
+                      <a:noFill/>
+                      <a:prstDash val="solid"/>
+                    </a:lnTlToBr>
+                    <a:lnBlToTr w="12700" cmpd="sng">
+                      <a:noFill/>
+                      <a:prstDash val="solid"/>
+                    </a:lnBlToTr>
+                    <a:solidFill>
+                      <a:schemeClr val="bg1">
+                        <a:lumMod val="95000"/>
+                      </a:schemeClr>
+                    </a:solidFill>
+                  </a:tcPr>
+                </a:tc>
+                <a:tc>
+                  <a:txBody>
+                    <a:bodyPr/>
+                    <a:lstStyle/>
+                    <a:p>
+                      <a:pPr algn="r"/>
+                      <a:endParaRPr lang="fr-FR" sz="1400" dirty="0">
+                        <a:solidFill>
+                          <a:srgbClr val="000000"/>
+                        </a:solidFill>
+                        <a:latin typeface="Arial Black" panose="020B0A04020102020204" pitchFamily="34" charset="0"/>
+                      </a:endParaRPr>
+                    </a:p>
+                  </a:txBody>
+                  <a:tcPr anchor="ctr">
+                    <a:lnL>
+                      <a:noFill/>
+                    </a:lnL>
+                    <a:lnR>
+                      <a:noFill/>
+                    </a:lnR>
+                    <a:lnT w="76200" cap="flat" cmpd="sng" algn="ctr">
+                      <a:solidFill>
+                        <a:schemeClr val="bg1"/>
+                      </a:solidFill>
+                      <a:prstDash val="solid"/>
+                      <a:round/>
+                      <a:headEnd type="none" w="med" len="med"/>
+                      <a:tailEnd type="none" w="med" len="med"/>
+                    </a:lnT>
+                    <a:lnB w="76200" cap="flat" cmpd="sng" algn="ctr">
+                      <a:solidFill>
+                        <a:schemeClr val="bg1"/>
+                      </a:solidFill>
+                      <a:prstDash val="solid"/>
+                      <a:round/>
+                      <a:headEnd type="none" w="med" len="med"/>
+                      <a:tailEnd type="none" w="med" len="med"/>
+                    </a:lnB>
+                    <a:lnTlToBr w="12700" cmpd="sng">
+                      <a:noFill/>
+                      <a:prstDash val="solid"/>
+                    </a:lnTlToBr>
+                    <a:lnBlToTr w="12700" cmpd="sng">
+                      <a:noFill/>
+                      <a:prstDash val="solid"/>
+                    </a:lnBlToTr>
+                    <a:solidFill>
+                      <a:schemeClr val="bg1">
+                        <a:lumMod val="95000"/>
+                      </a:schemeClr>
+                    </a:solidFill>
+                  </a:tcPr>
+                </a:tc>
+                <a:tc>
+                  <a:txBody>
+                    <a:bodyPr/>
+                    <a:lstStyle/>
+                    <a:p>
+                      <a:pPr algn="ctr"/>
+                      <a:endParaRPr lang="fr-FR" sz="1400" dirty="0">
+                        <a:solidFill>
+                          <a:srgbClr val="000000"/>
+                        </a:solidFill>
+                      </a:endParaRPr>
+                    </a:p>
+                  </a:txBody>
+                  <a:tcPr anchor="ctr">
+                    <a:lnL>
+                      <a:noFill/>
+                    </a:lnL>
+                    <a:lnR>
+                      <a:noFill/>
+                    </a:lnR>
+                    <a:lnT w="76200" cap="flat" cmpd="sng" algn="ctr">
+                      <a:solidFill>
+                        <a:schemeClr val="bg1"/>
+                      </a:solidFill>
+                      <a:prstDash val="solid"/>
+                      <a:round/>
+                      <a:headEnd type="none" w="med" len="med"/>
+                      <a:tailEnd type="none" w="med" len="med"/>
+                    </a:lnT>
+                    <a:lnB w="76200" cap="flat" cmpd="sng" algn="ctr">
+                      <a:solidFill>
+                        <a:schemeClr val="bg1"/>
+                      </a:solidFill>
+                      <a:prstDash val="solid"/>
+                      <a:round/>
+                      <a:headEnd type="none" w="med" len="med"/>
+                      <a:tailEnd type="none" w="med" len="med"/>
+                    </a:lnB>
+                    <a:lnTlToBr w="12700" cmpd="sng">
+                      <a:noFill/>
+                      <a:prstDash val="solid"/>
+                    </a:lnTlToBr>
+                    <a:lnBlToTr w="12700" cmpd="sng">
+                      <a:noFill/>
+                      <a:prstDash val="solid"/>
+                    </a:lnBlToTr>
+                    <a:solidFill>
+                      <a:schemeClr val="bg1">
+                        <a:lumMod val="95000"/>
+                      </a:schemeClr>
+                    </a:solidFill>
+                  </a:tcPr>
+                </a:tc>
+                <a:extLst>
+                  <a:ext uri="{0D108BD9-81ED-4DB2-BD59-A6C34878D82A}">
+                    <a16:rowId xmlns:a16="http://schemas.microsoft.com/office/drawing/2014/main" val="10007"/>
+                  </a:ext>
+                </a:extLst>
+              </a:tr>
+              <a:tr h="396240">
+                <a:tc>
+                  <a:txBody>
+                    <a:bodyPr/>
+                    <a:lstStyle/>
+                    <a:p>
+                      <a:pPr algn="ctr"/>
+                      <a:r>
+                        <a:rPr lang="fr-FR" sz="1400" b="1" dirty="0">
+                          <a:solidFill>
+                            <a:srgbClr val="000000"/>
+                          </a:solidFill>
+                          <a:latin typeface="Arial Black" panose="020B0A04020102020204" pitchFamily="34" charset="0"/>
+                        </a:rPr>
+                        <a:t>8</a:t>
+                      </a:r>
+                    </a:p>
+                  </a:txBody>
+                  <a:tcPr anchor="ctr">
+                    <a:lnL w="76200" cap="flat" cmpd="sng" algn="ctr">
+                      <a:noFill/>
+                      <a:prstDash val="solid"/>
+                      <a:round/>
+                      <a:headEnd type="none" w="med" len="med"/>
+                      <a:tailEnd type="none" w="med" len="med"/>
+                    </a:lnL>
+                    <a:lnR>
+                      <a:noFill/>
+                    </a:lnR>
+                    <a:lnT w="76200" cap="flat" cmpd="sng" algn="ctr">
+                      <a:solidFill>
+                        <a:schemeClr val="bg1"/>
+                      </a:solidFill>
+                      <a:prstDash val="solid"/>
+                      <a:round/>
+                      <a:headEnd type="none" w="med" len="med"/>
+                      <a:tailEnd type="none" w="med" len="med"/>
+                    </a:lnT>
+                    <a:lnB w="76200" cap="flat" cmpd="sng" algn="ctr">
+                      <a:solidFill>
+                        <a:schemeClr val="bg1"/>
+                      </a:solidFill>
+                      <a:prstDash val="solid"/>
+                      <a:round/>
+                      <a:headEnd type="none" w="med" len="med"/>
+                      <a:tailEnd type="none" w="med" len="med"/>
+                    </a:lnB>
+                    <a:lnTlToBr w="12700" cmpd="sng">
+                      <a:noFill/>
+                      <a:prstDash val="solid"/>
+                    </a:lnTlToBr>
+                    <a:lnBlToTr w="12700" cmpd="sng">
+                      <a:noFill/>
+                      <a:prstDash val="solid"/>
+                    </a:lnBlToTr>
+                    <a:solidFill>
+                      <a:schemeClr val="bg1">
+                        <a:lumMod val="95000"/>
+                      </a:schemeClr>
+                    </a:solidFill>
+                  </a:tcPr>
+                </a:tc>
+                <a:tc>
+                  <a:txBody>
+                    <a:bodyPr/>
+                    <a:lstStyle/>
+                    <a:p>
+                      <a:pPr algn="r"/>
+                      <a:endParaRPr lang="fr-FR" sz="1400" dirty="0">
+                        <a:solidFill>
+                          <a:srgbClr val="000000"/>
+                        </a:solidFill>
+                        <a:latin typeface="Arial Black" panose="020B0A04020102020204" pitchFamily="34" charset="0"/>
+                      </a:endParaRPr>
+                    </a:p>
+                  </a:txBody>
+                  <a:tcPr anchor="ctr">
+                    <a:lnL>
+                      <a:noFill/>
+                    </a:lnL>
+                    <a:lnR>
+                      <a:noFill/>
+                    </a:lnR>
+                    <a:lnT w="76200" cap="flat" cmpd="sng" algn="ctr">
+                      <a:solidFill>
+                        <a:schemeClr val="bg1"/>
+                      </a:solidFill>
+                      <a:prstDash val="solid"/>
+                      <a:round/>
+                      <a:headEnd type="none" w="med" len="med"/>
+                      <a:tailEnd type="none" w="med" len="med"/>
+                    </a:lnT>
+                    <a:lnB w="76200" cap="flat" cmpd="sng" algn="ctr">
+                      <a:solidFill>
+                        <a:schemeClr val="bg1"/>
+                      </a:solidFill>
+                      <a:prstDash val="solid"/>
+                      <a:round/>
+                      <a:headEnd type="none" w="med" len="med"/>
+                      <a:tailEnd type="none" w="med" len="med"/>
+                    </a:lnB>
+                    <a:lnTlToBr w="12700" cmpd="sng">
+                      <a:noFill/>
+                      <a:prstDash val="solid"/>
+                    </a:lnTlToBr>
+                    <a:lnBlToTr w="12700" cmpd="sng">
+                      <a:noFill/>
+                      <a:prstDash val="solid"/>
+                    </a:lnBlToTr>
+                    <a:solidFill>
+                      <a:schemeClr val="bg1">
+                        <a:lumMod val="95000"/>
+                      </a:schemeClr>
+                    </a:solidFill>
+                  </a:tcPr>
+                </a:tc>
+                <a:tc>
+                  <a:txBody>
+                    <a:bodyPr/>
+                    <a:lstStyle/>
+                    <a:p>
+                      <a:pPr algn="ctr"/>
+                      <a:endParaRPr lang="fr-FR" sz="1400" dirty="0">
+                        <a:solidFill>
+                          <a:srgbClr val="000000"/>
+                        </a:solidFill>
+                      </a:endParaRPr>
+                    </a:p>
+                  </a:txBody>
+                  <a:tcPr anchor="ctr">
+                    <a:lnL>
+                      <a:noFill/>
+                    </a:lnL>
+                    <a:lnR>
+                      <a:noFill/>
+                    </a:lnR>
+                    <a:lnT w="76200" cap="flat" cmpd="sng" algn="ctr">
+                      <a:solidFill>
+                        <a:schemeClr val="bg1"/>
+                      </a:solidFill>
+                      <a:prstDash val="solid"/>
+                      <a:round/>
+                      <a:headEnd type="none" w="med" len="med"/>
+                      <a:tailEnd type="none" w="med" len="med"/>
+                    </a:lnT>
+                    <a:lnB w="76200" cap="flat" cmpd="sng" algn="ctr">
+                      <a:solidFill>
+                        <a:schemeClr val="bg1"/>
+                      </a:solidFill>
+                      <a:prstDash val="solid"/>
+                      <a:round/>
+                      <a:headEnd type="none" w="med" len="med"/>
+                      <a:tailEnd type="none" w="med" len="med"/>
+                    </a:lnB>
+                    <a:lnTlToBr w="12700" cmpd="sng">
+                      <a:noFill/>
+                      <a:prstDash val="solid"/>
+                    </a:lnTlToBr>
+                    <a:lnBlToTr w="12700" cmpd="sng">
+                      <a:noFill/>
+                      <a:prstDash val="solid"/>
+                    </a:lnBlToTr>
+                    <a:solidFill>
+                      <a:schemeClr val="bg1">
+                        <a:lumMod val="95000"/>
+                      </a:schemeClr>
+                    </a:solidFill>
+                  </a:tcPr>
+                </a:tc>
+                <a:extLst>
+                  <a:ext uri="{0D108BD9-81ED-4DB2-BD59-A6C34878D82A}">
+                    <a16:rowId xmlns:a16="http://schemas.microsoft.com/office/drawing/2014/main" val="10008"/>
+                  </a:ext>
+                </a:extLst>
+              </a:tr>
+              <a:tr h="396240">
+                <a:tc>
+                  <a:txBody>
+                    <a:bodyPr/>
+                    <a:lstStyle/>
+                    <a:p>
+                      <a:pPr algn="ctr"/>
+                      <a:r>
+                        <a:rPr lang="fr-FR" sz="1400" b="1" dirty="0">
+                          <a:solidFill>
+                            <a:srgbClr val="000000"/>
+                          </a:solidFill>
+                          <a:latin typeface="Arial Black" panose="020B0A04020102020204" pitchFamily="34" charset="0"/>
+                        </a:rPr>
+                        <a:t>9</a:t>
+                      </a:r>
+                    </a:p>
+                  </a:txBody>
+                  <a:tcPr anchor="ctr">
+                    <a:lnL w="76200" cap="flat" cmpd="sng" algn="ctr">
+                      <a:noFill/>
+                      <a:prstDash val="solid"/>
+                      <a:round/>
+                      <a:headEnd type="none" w="med" len="med"/>
+                      <a:tailEnd type="none" w="med" len="med"/>
+                    </a:lnL>
+                    <a:lnR>
+                      <a:noFill/>
+                    </a:lnR>
+                    <a:lnT w="76200" cap="flat" cmpd="sng" algn="ctr">
+                      <a:solidFill>
+                        <a:schemeClr val="bg1"/>
+                      </a:solidFill>
+                      <a:prstDash val="solid"/>
+                      <a:round/>
+                      <a:headEnd type="none" w="med" len="med"/>
+                      <a:tailEnd type="none" w="med" len="med"/>
+                    </a:lnT>
+                    <a:lnB w="76200" cap="flat" cmpd="sng" algn="ctr">
+                      <a:solidFill>
+                        <a:schemeClr val="bg1"/>
+                      </a:solidFill>
+                      <a:prstDash val="solid"/>
+                      <a:round/>
+                      <a:headEnd type="none" w="med" len="med"/>
+                      <a:tailEnd type="none" w="med" len="med"/>
+                    </a:lnB>
+                    <a:lnTlToBr w="12700" cmpd="sng">
+                      <a:noFill/>
+                      <a:prstDash val="solid"/>
+                    </a:lnTlToBr>
+                    <a:lnBlToTr w="12700" cmpd="sng">
+                      <a:noFill/>
+                      <a:prstDash val="solid"/>
+                    </a:lnBlToTr>
+                    <a:solidFill>
+                      <a:schemeClr val="bg1">
+                        <a:lumMod val="95000"/>
+                      </a:schemeClr>
+                    </a:solidFill>
+                  </a:tcPr>
+                </a:tc>
+                <a:tc>
+                  <a:txBody>
+                    <a:bodyPr/>
+                    <a:lstStyle/>
+                    <a:p>
+                      <a:pPr algn="r"/>
+                      <a:endParaRPr lang="fr-FR" sz="1400" dirty="0">
+                        <a:solidFill>
+                          <a:srgbClr val="000000"/>
+                        </a:solidFill>
+                        <a:latin typeface="Arial Black" panose="020B0A04020102020204" pitchFamily="34" charset="0"/>
+                      </a:endParaRPr>
+                    </a:p>
+                  </a:txBody>
+                  <a:tcPr anchor="ctr">
+                    <a:lnL>
+                      <a:noFill/>
+                    </a:lnL>
+                    <a:lnR>
+                      <a:noFill/>
+                    </a:lnR>
+                    <a:lnT w="76200" cap="flat" cmpd="sng" algn="ctr">
+                      <a:solidFill>
+                        <a:schemeClr val="bg1"/>
+                      </a:solidFill>
+                      <a:prstDash val="solid"/>
+                      <a:round/>
+                      <a:headEnd type="none" w="med" len="med"/>
+                      <a:tailEnd type="none" w="med" len="med"/>
+                    </a:lnT>
+                    <a:lnB w="76200" cap="flat" cmpd="sng" algn="ctr">
+                      <a:solidFill>
+                        <a:schemeClr val="bg1"/>
+                      </a:solidFill>
+                      <a:prstDash val="solid"/>
+                      <a:round/>
+                      <a:headEnd type="none" w="med" len="med"/>
+                      <a:tailEnd type="none" w="med" len="med"/>
+                    </a:lnB>
+                    <a:lnTlToBr w="12700" cmpd="sng">
+                      <a:noFill/>
+                      <a:prstDash val="solid"/>
+                    </a:lnTlToBr>
+                    <a:lnBlToTr w="12700" cmpd="sng">
+                      <a:noFill/>
+                      <a:prstDash val="solid"/>
+                    </a:lnBlToTr>
+                    <a:solidFill>
+                      <a:schemeClr val="bg1">
+                        <a:lumMod val="95000"/>
+                      </a:schemeClr>
+                    </a:solidFill>
+                  </a:tcPr>
+                </a:tc>
+                <a:tc>
+                  <a:txBody>
+                    <a:bodyPr/>
+                    <a:lstStyle/>
+                    <a:p>
+                      <a:pPr algn="ctr"/>
+                      <a:endParaRPr lang="fr-FR" sz="1400" dirty="0">
+                        <a:solidFill>
+                          <a:srgbClr val="000000"/>
+                        </a:solidFill>
+                      </a:endParaRPr>
+                    </a:p>
+                  </a:txBody>
+                  <a:tcPr anchor="ctr">
+                    <a:lnL>
+                      <a:noFill/>
+                    </a:lnL>
+                    <a:lnR>
+                      <a:noFill/>
+                    </a:lnR>
+                    <a:lnT w="76200" cap="flat" cmpd="sng" algn="ctr">
+                      <a:solidFill>
+                        <a:schemeClr val="bg1"/>
+                      </a:solidFill>
+                      <a:prstDash val="solid"/>
+                      <a:round/>
+                      <a:headEnd type="none" w="med" len="med"/>
+                      <a:tailEnd type="none" w="med" len="med"/>
+                    </a:lnT>
+                    <a:lnB w="76200" cap="flat" cmpd="sng" algn="ctr">
+                      <a:solidFill>
+                        <a:schemeClr val="bg1"/>
+                      </a:solidFill>
+                      <a:prstDash val="solid"/>
+                      <a:round/>
+                      <a:headEnd type="none" w="med" len="med"/>
+                      <a:tailEnd type="none" w="med" len="med"/>
+                    </a:lnB>
+                    <a:lnTlToBr w="12700" cmpd="sng">
+                      <a:noFill/>
+                      <a:prstDash val="solid"/>
+                    </a:lnTlToBr>
+                    <a:lnBlToTr w="12700" cmpd="sng">
+                      <a:noFill/>
+                      <a:prstDash val="solid"/>
+                    </a:lnBlToTr>
+                    <a:solidFill>
+                      <a:schemeClr val="bg1">
+                        <a:lumMod val="95000"/>
+                      </a:schemeClr>
+                    </a:solidFill>
+                  </a:tcPr>
+                </a:tc>
+                <a:extLst>
+                  <a:ext uri="{0D108BD9-81ED-4DB2-BD59-A6C34878D82A}">
+                    <a16:rowId xmlns:a16="http://schemas.microsoft.com/office/drawing/2014/main" val="10009"/>
+                  </a:ext>
+                </a:extLst>
+              </a:tr>
+              <a:tr h="396240">
+                <a:tc>
+                  <a:txBody>
+                    <a:bodyPr/>
+                    <a:lstStyle/>
+                    <a:p>
+                      <a:pPr algn="ctr"/>
+                      <a:r>
+                        <a:rPr lang="fr-FR" sz="1400" b="1" dirty="0">
+                          <a:solidFill>
+                            <a:srgbClr val="000000"/>
+                          </a:solidFill>
+                          <a:latin typeface="Arial Black" panose="020B0A04020102020204" pitchFamily="34" charset="0"/>
+                        </a:rPr>
+                        <a:t>SP</a:t>
+                      </a:r>
+                    </a:p>
+                  </a:txBody>
+                  <a:tcPr anchor="ctr">
+                    <a:lnL w="76200" cap="flat" cmpd="sng" algn="ctr">
+                      <a:noFill/>
+                      <a:prstDash val="solid"/>
+                      <a:round/>
+                      <a:headEnd type="none" w="med" len="med"/>
+                      <a:tailEnd type="none" w="med" len="med"/>
+                    </a:lnL>
+                    <a:lnR>
+                      <a:noFill/>
+                    </a:lnR>
+                    <a:lnT w="76200" cap="flat" cmpd="sng" algn="ctr">
+                      <a:solidFill>
+                        <a:schemeClr val="bg1"/>
+                      </a:solidFill>
+                      <a:prstDash val="solid"/>
+                      <a:round/>
+                      <a:headEnd type="none" w="med" len="med"/>
+                      <a:tailEnd type="none" w="med" len="med"/>
+                    </a:lnT>
+                    <a:lnB w="76200" cap="flat" cmpd="sng" algn="ctr">
+                      <a:noFill/>
+                      <a:prstDash val="solid"/>
+                      <a:round/>
+                      <a:headEnd type="none" w="med" len="med"/>
+                      <a:tailEnd type="none" w="med" len="med"/>
+                    </a:lnB>
+                    <a:lnTlToBr w="12700" cmpd="sng">
+                      <a:noFill/>
+                      <a:prstDash val="solid"/>
+                    </a:lnTlToBr>
+                    <a:lnBlToTr w="12700" cmpd="sng">
+                      <a:noFill/>
+                      <a:prstDash val="solid"/>
+                    </a:lnBlToTr>
+                    <a:solidFill>
+                      <a:schemeClr val="bg1">
+                        <a:lumMod val="95000"/>
+                      </a:schemeClr>
+                    </a:solidFill>
+                  </a:tcPr>
+                </a:tc>
+                <a:tc>
+                  <a:txBody>
+                    <a:bodyPr/>
+                    <a:lstStyle/>
+                    <a:p>
+                      <a:pPr algn="r"/>
+                      <a:endParaRPr lang="fr-FR" sz="1400" dirty="0">
+                        <a:solidFill>
+                          <a:srgbClr val="000000"/>
+                        </a:solidFill>
+                        <a:latin typeface="Arial Black" panose="020B0A04020102020204" pitchFamily="34" charset="0"/>
+                      </a:endParaRPr>
+                    </a:p>
+                  </a:txBody>
+                  <a:tcPr anchor="ctr">
+                    <a:lnL>
+                      <a:noFill/>
+                    </a:lnL>
+                    <a:lnR w="12700" cap="flat" cmpd="sng" algn="ctr">
+                      <a:noFill/>
+                      <a:prstDash val="solid"/>
+                      <a:round/>
+                      <a:headEnd type="none" w="med" len="med"/>
+                      <a:tailEnd type="none" w="med" len="med"/>
+                    </a:lnR>
+                    <a:lnT w="76200" cap="flat" cmpd="sng" algn="ctr">
+                      <a:solidFill>
+                        <a:schemeClr val="bg1"/>
+                      </a:solidFill>
+                      <a:prstDash val="solid"/>
+                      <a:round/>
+                      <a:headEnd type="none" w="med" len="med"/>
+                      <a:tailEnd type="none" w="med" len="med"/>
+                    </a:lnT>
+                    <a:lnB w="76200" cap="flat" cmpd="sng" algn="ctr">
+                      <a:noFill/>
+                      <a:prstDash val="solid"/>
+                      <a:round/>
+                      <a:headEnd type="none" w="med" len="med"/>
+                      <a:tailEnd type="none" w="med" len="med"/>
+                    </a:lnB>
+                    <a:lnTlToBr w="12700" cmpd="sng">
+                      <a:noFill/>
+                      <a:prstDash val="solid"/>
+                    </a:lnTlToBr>
+                    <a:lnBlToTr w="12700" cmpd="sng">
+                      <a:noFill/>
+                      <a:prstDash val="solid"/>
+                    </a:lnBlToTr>
+                    <a:solidFill>
+                      <a:schemeClr val="bg1">
+                        <a:lumMod val="95000"/>
+                      </a:schemeClr>
+                    </a:solidFill>
+                  </a:tcPr>
+                </a:tc>
+                <a:tc>
+                  <a:txBody>
+                    <a:bodyPr/>
+                    <a:lstStyle/>
+                    <a:p>
+                      <a:pPr algn="ctr"/>
+                      <a:endParaRPr lang="fr-FR" sz="1400" dirty="0">
+                        <a:solidFill>
+                          <a:srgbClr val="000000"/>
+                        </a:solidFill>
+                      </a:endParaRPr>
+                    </a:p>
+                  </a:txBody>
+                  <a:tcPr anchor="ctr">
+                    <a:lnL w="12700" cap="flat" cmpd="sng" algn="ctr">
+                      <a:noFill/>
+                      <a:prstDash val="solid"/>
+                      <a:round/>
+                      <a:headEnd type="none" w="med" len="med"/>
+                      <a:tailEnd type="none" w="med" len="med"/>
+                    </a:lnL>
+                    <a:lnR>
+                      <a:noFill/>
+                    </a:lnR>
+                    <a:lnT w="76200" cap="flat" cmpd="sng" algn="ctr">
+                      <a:solidFill>
+                        <a:schemeClr val="bg1"/>
+                      </a:solidFill>
+                      <a:prstDash val="solid"/>
+                      <a:round/>
+                      <a:headEnd type="none" w="med" len="med"/>
+                      <a:tailEnd type="none" w="med" len="med"/>
+                    </a:lnT>
+                    <a:lnB w="76200" cap="flat" cmpd="sng" algn="ctr">
+                      <a:noFill/>
+                      <a:prstDash val="solid"/>
+                      <a:round/>
+                      <a:headEnd type="none" w="med" len="med"/>
+                      <a:tailEnd type="none" w="med" len="med"/>
+                    </a:lnB>
+                    <a:lnTlToBr w="12700" cmpd="sng">
+                      <a:noFill/>
+                      <a:prstDash val="solid"/>
+                    </a:lnTlToBr>
+                    <a:lnBlToTr w="12700" cmpd="sng">
+                      <a:noFill/>
+                      <a:prstDash val="solid"/>
+                    </a:lnBlToTr>
+                    <a:solidFill>
+                      <a:schemeClr val="bg1">
+                        <a:lumMod val="95000"/>
+                      </a:schemeClr>
+                    </a:solidFill>
+                  </a:tcPr>
+                </a:tc>
+                <a:extLst>
+                  <a:ext uri="{0D108BD9-81ED-4DB2-BD59-A6C34878D82A}">
+                    <a16:rowId xmlns:a16="http://schemas.microsoft.com/office/drawing/2014/main" val="10010"/>
+                  </a:ext>
+                </a:extLst>
+              </a:tr>
+            </a:tbl>
+          </a:graphicData>
+        </a:graphic>
+      </p:graphicFrame>
+      <p:pic>
+        <p:nvPicPr>
+          <p:cNvPr id="16" name="Picture 4" descr="https://shop.vestiaire-officiel.com/catalogue/vignettes/vsto-sticker-cr-templierssenart-u-w-26129.png">
+            <a:extLst>
+              <a:ext uri="{FF2B5EF4-FFF2-40B4-BE49-F238E27FC236}">
+                <a16:creationId xmlns:a16="http://schemas.microsoft.com/office/drawing/2014/main" id="{C6F28D90-215A-4217-BAD7-702C1FA9F898}"/>
+              </a:ext>
+            </a:extLst>
+          </p:cNvPr>
+          <p:cNvPicPr>
+            <a:picLocks noChangeAspect="1" noChangeArrowheads="1"/>
+          </p:cNvPicPr>
+          <p:nvPr/>
+        </p:nvPicPr>
+        <p:blipFill>
+          <a:blip r:embed="rId3" cstate="print">
+            <a:extLst>
+              <a:ext uri="{28A0092B-C50C-407E-A947-70E740481C1C}">
+                <a14:useLocalDpi xmlns:a14="http://schemas.microsoft.com/office/drawing/2010/main" val="0"/>
+              </a:ext>
+            </a:extLst>
+          </a:blip>
+          <a:srcRect/>
+          <a:stretch>
+            <a:fillRect/>
+          </a:stretch>
+        </p:blipFill>
+        <p:spPr bwMode="auto">
+          <a:xfrm>
+            <a:off x="79534" y="5379722"/>
+            <a:ext cx="450832" cy="450832"/>
+          </a:xfrm>
+          <a:prstGeom prst="rect">
+            <a:avLst/>
+          </a:prstGeom>
+          <a:noFill/>
+          <a:extLst>
+            <a:ext uri="{909E8E84-426E-40DD-AFC4-6F175D3DCCD1}">
+              <a14:hiddenFill xmlns:a14="http://schemas.microsoft.com/office/drawing/2010/main">
+                <a:solidFill>
+                  <a:srgbClr val="FFFFFF"/>
+                </a:solidFill>
+              </a14:hiddenFill>
+            </a:ext>
+          </a:extLst>
+        </p:spPr>
+      </p:pic>
+      <p:pic>
+        <p:nvPicPr>
+          <p:cNvPr id="17" name="Picture 4" descr="https://shop.vestiaire-officiel.com/catalogue/vignettes/vsto-sticker-cr-templierssenart-u-w-26129.png">
+            <a:extLst>
+              <a:ext uri="{FF2B5EF4-FFF2-40B4-BE49-F238E27FC236}">
+                <a16:creationId xmlns:a16="http://schemas.microsoft.com/office/drawing/2014/main" id="{4AAC800D-75BE-4C78-B925-090504C20B45}"/>
+              </a:ext>
+            </a:extLst>
+          </p:cNvPr>
+          <p:cNvPicPr>
+            <a:picLocks noChangeAspect="1" noChangeArrowheads="1"/>
+          </p:cNvPicPr>
+          <p:nvPr/>
+        </p:nvPicPr>
+        <p:blipFill>
+          <a:blip r:embed="rId3" cstate="print">
+            <a:extLst>
+              <a:ext uri="{28A0092B-C50C-407E-A947-70E740481C1C}">
+                <a14:useLocalDpi xmlns:a14="http://schemas.microsoft.com/office/drawing/2010/main" val="0"/>
+              </a:ext>
+            </a:extLst>
+          </a:blip>
+          <a:srcRect/>
+          <a:stretch>
+            <a:fillRect/>
+          </a:stretch>
+        </p:blipFill>
+        <p:spPr bwMode="auto">
+          <a:xfrm>
+            <a:off x="79534" y="5773860"/>
+            <a:ext cx="450832" cy="450832"/>
+          </a:xfrm>
+          <a:prstGeom prst="rect">
+            <a:avLst/>
+          </a:prstGeom>
+          <a:noFill/>
+          <a:extLst>
+            <a:ext uri="{909E8E84-426E-40DD-AFC4-6F175D3DCCD1}">
+              <a14:hiddenFill xmlns:a14="http://schemas.microsoft.com/office/drawing/2010/main">
+                <a:solidFill>
+                  <a:srgbClr val="FFFFFF"/>
+                </a:solidFill>
+              </a14:hiddenFill>
+            </a:ext>
+          </a:extLst>
+        </p:spPr>
+      </p:pic>
+      <p:pic>
+        <p:nvPicPr>
+          <p:cNvPr id="18" name="Picture 4" descr="https://shop.vestiaire-officiel.com/catalogue/vignettes/vsto-sticker-cr-templierssenart-u-w-26129.png">
+            <a:extLst>
+              <a:ext uri="{FF2B5EF4-FFF2-40B4-BE49-F238E27FC236}">
+                <a16:creationId xmlns:a16="http://schemas.microsoft.com/office/drawing/2014/main" id="{7FFB0369-7E50-4A41-9D47-61EB07349A44}"/>
+              </a:ext>
+            </a:extLst>
+          </p:cNvPr>
+          <p:cNvPicPr>
+            <a:picLocks noChangeAspect="1" noChangeArrowheads="1"/>
+          </p:cNvPicPr>
+          <p:nvPr/>
+        </p:nvPicPr>
+        <p:blipFill>
+          <a:blip r:embed="rId3" cstate="print">
+            <a:extLst>
+              <a:ext uri="{28A0092B-C50C-407E-A947-70E740481C1C}">
+                <a14:useLocalDpi xmlns:a14="http://schemas.microsoft.com/office/drawing/2010/main" val="0"/>
+              </a:ext>
+            </a:extLst>
+          </a:blip>
+          <a:srcRect/>
+          <a:stretch>
+            <a:fillRect/>
+          </a:stretch>
+        </p:blipFill>
+        <p:spPr bwMode="auto">
+          <a:xfrm>
+            <a:off x="79307" y="6164639"/>
+            <a:ext cx="450832" cy="450832"/>
+          </a:xfrm>
+          <a:prstGeom prst="rect">
+            <a:avLst/>
+          </a:prstGeom>
+          <a:noFill/>
+          <a:extLst>
+            <a:ext uri="{909E8E84-426E-40DD-AFC4-6F175D3DCCD1}">
+              <a14:hiddenFill xmlns:a14="http://schemas.microsoft.com/office/drawing/2010/main">
+                <a:solidFill>
+                  <a:srgbClr val="FFFFFF"/>
+                </a:solidFill>
+              </a14:hiddenFill>
+            </a:ext>
+          </a:extLst>
+        </p:spPr>
+      </p:pic>
+      <p:pic>
+        <p:nvPicPr>
+          <p:cNvPr id="19" name="Picture 4" descr="https://shop.vestiaire-officiel.com/catalogue/vignettes/vsto-sticker-cr-templierssenart-u-w-26129.png">
+            <a:extLst>
+              <a:ext uri="{FF2B5EF4-FFF2-40B4-BE49-F238E27FC236}">
+                <a16:creationId xmlns:a16="http://schemas.microsoft.com/office/drawing/2014/main" id="{4B2EB64C-72F7-4550-9965-7FF73D72EFAC}"/>
+              </a:ext>
+            </a:extLst>
+          </p:cNvPr>
+          <p:cNvPicPr>
+            <a:picLocks noChangeAspect="1" noChangeArrowheads="1"/>
+          </p:cNvPicPr>
+          <p:nvPr/>
+        </p:nvPicPr>
+        <p:blipFill>
+          <a:blip r:embed="rId3" cstate="print">
+            <a:extLst>
+              <a:ext uri="{28A0092B-C50C-407E-A947-70E740481C1C}">
+                <a14:useLocalDpi xmlns:a14="http://schemas.microsoft.com/office/drawing/2010/main" val="0"/>
+              </a:ext>
+            </a:extLst>
+          </a:blip>
+          <a:srcRect/>
+          <a:stretch>
+            <a:fillRect/>
+          </a:stretch>
+        </p:blipFill>
+        <p:spPr bwMode="auto">
+          <a:xfrm>
+            <a:off x="78522" y="6575146"/>
+            <a:ext cx="450832" cy="450832"/>
+          </a:xfrm>
+          <a:prstGeom prst="rect">
+            <a:avLst/>
+          </a:prstGeom>
+          <a:noFill/>
+          <a:extLst>
+            <a:ext uri="{909E8E84-426E-40DD-AFC4-6F175D3DCCD1}">
+              <a14:hiddenFill xmlns:a14="http://schemas.microsoft.com/office/drawing/2010/main">
+                <a:solidFill>
+                  <a:srgbClr val="FFFFFF"/>
+                </a:solidFill>
+              </a14:hiddenFill>
+            </a:ext>
+          </a:extLst>
+        </p:spPr>
+      </p:pic>
+      <p:pic>
+        <p:nvPicPr>
+          <p:cNvPr id="20" name="Picture 4" descr="https://shop.vestiaire-officiel.com/catalogue/vignettes/vsto-sticker-cr-templierssenart-u-w-26129.png">
+            <a:extLst>
+              <a:ext uri="{FF2B5EF4-FFF2-40B4-BE49-F238E27FC236}">
+                <a16:creationId xmlns:a16="http://schemas.microsoft.com/office/drawing/2014/main" id="{62808E77-D1DE-45B7-9720-B1B6FB36BC6D}"/>
+              </a:ext>
+            </a:extLst>
+          </p:cNvPr>
+          <p:cNvPicPr>
+            <a:picLocks noChangeAspect="1" noChangeArrowheads="1"/>
+          </p:cNvPicPr>
+          <p:nvPr/>
+        </p:nvPicPr>
+        <p:blipFill>
+          <a:blip r:embed="rId3" cstate="print">
+            <a:extLst>
+              <a:ext uri="{28A0092B-C50C-407E-A947-70E740481C1C}">
+                <a14:useLocalDpi xmlns:a14="http://schemas.microsoft.com/office/drawing/2010/main" val="0"/>
+              </a:ext>
+            </a:extLst>
+          </a:blip>
+          <a:srcRect/>
+          <a:stretch>
+            <a:fillRect/>
+          </a:stretch>
+        </p:blipFill>
+        <p:spPr bwMode="auto">
+          <a:xfrm>
+            <a:off x="78522" y="6969284"/>
+            <a:ext cx="450832" cy="450832"/>
+          </a:xfrm>
+          <a:prstGeom prst="rect">
+            <a:avLst/>
+          </a:prstGeom>
+          <a:noFill/>
+          <a:extLst>
+            <a:ext uri="{909E8E84-426E-40DD-AFC4-6F175D3DCCD1}">
+              <a14:hiddenFill xmlns:a14="http://schemas.microsoft.com/office/drawing/2010/main">
+                <a:solidFill>
+                  <a:srgbClr val="FFFFFF"/>
+                </a:solidFill>
+              </a14:hiddenFill>
+            </a:ext>
+          </a:extLst>
+        </p:spPr>
+      </p:pic>
+      <p:pic>
+        <p:nvPicPr>
+          <p:cNvPr id="21" name="Picture 4" descr="https://shop.vestiaire-officiel.com/catalogue/vignettes/vsto-sticker-cr-templierssenart-u-w-26129.png">
+            <a:extLst>
+              <a:ext uri="{FF2B5EF4-FFF2-40B4-BE49-F238E27FC236}">
+                <a16:creationId xmlns:a16="http://schemas.microsoft.com/office/drawing/2014/main" id="{3A2C1988-1596-4101-881E-0397B6B4A0D0}"/>
+              </a:ext>
+            </a:extLst>
+          </p:cNvPr>
+          <p:cNvPicPr>
+            <a:picLocks noChangeAspect="1" noChangeArrowheads="1"/>
+          </p:cNvPicPr>
+          <p:nvPr/>
+        </p:nvPicPr>
+        <p:blipFill>
+          <a:blip r:embed="rId3" cstate="print">
+            <a:extLst>
+              <a:ext uri="{28A0092B-C50C-407E-A947-70E740481C1C}">
+                <a14:useLocalDpi xmlns:a14="http://schemas.microsoft.com/office/drawing/2010/main" val="0"/>
+              </a:ext>
+            </a:extLst>
+          </a:blip>
+          <a:srcRect/>
+          <a:stretch>
+            <a:fillRect/>
+          </a:stretch>
+        </p:blipFill>
+        <p:spPr bwMode="auto">
+          <a:xfrm>
+            <a:off x="78295" y="7360063"/>
+            <a:ext cx="450832" cy="450832"/>
+          </a:xfrm>
+          <a:prstGeom prst="rect">
+            <a:avLst/>
+          </a:prstGeom>
+          <a:noFill/>
+          <a:extLst>
+            <a:ext uri="{909E8E84-426E-40DD-AFC4-6F175D3DCCD1}">
+              <a14:hiddenFill xmlns:a14="http://schemas.microsoft.com/office/drawing/2010/main">
+                <a:solidFill>
+                  <a:srgbClr val="FFFFFF"/>
+                </a:solidFill>
+              </a14:hiddenFill>
+            </a:ext>
+          </a:extLst>
+        </p:spPr>
+      </p:pic>
+      <p:pic>
+        <p:nvPicPr>
+          <p:cNvPr id="22" name="Picture 4" descr="https://shop.vestiaire-officiel.com/catalogue/vignettes/vsto-sticker-cr-templierssenart-u-w-26129.png">
+            <a:extLst>
+              <a:ext uri="{FF2B5EF4-FFF2-40B4-BE49-F238E27FC236}">
+                <a16:creationId xmlns:a16="http://schemas.microsoft.com/office/drawing/2014/main" id="{A781C91D-23D8-4D91-B9E4-2C251410348D}"/>
+              </a:ext>
+            </a:extLst>
+          </p:cNvPr>
+          <p:cNvPicPr>
+            <a:picLocks noChangeAspect="1" noChangeArrowheads="1"/>
+          </p:cNvPicPr>
+          <p:nvPr/>
+        </p:nvPicPr>
+        <p:blipFill>
+          <a:blip r:embed="rId3" cstate="print">
+            <a:extLst>
+              <a:ext uri="{28A0092B-C50C-407E-A947-70E740481C1C}">
+                <a14:useLocalDpi xmlns:a14="http://schemas.microsoft.com/office/drawing/2010/main" val="0"/>
+              </a:ext>
+            </a:extLst>
+          </a:blip>
+          <a:srcRect/>
+          <a:stretch>
+            <a:fillRect/>
+          </a:stretch>
+        </p:blipFill>
+        <p:spPr bwMode="auto">
+          <a:xfrm>
+            <a:off x="76427" y="7759091"/>
+            <a:ext cx="450832" cy="450832"/>
+          </a:xfrm>
+          <a:prstGeom prst="rect">
+            <a:avLst/>
+          </a:prstGeom>
+          <a:noFill/>
+          <a:extLst>
+            <a:ext uri="{909E8E84-426E-40DD-AFC4-6F175D3DCCD1}">
+              <a14:hiddenFill xmlns:a14="http://schemas.microsoft.com/office/drawing/2010/main">
+                <a:solidFill>
+                  <a:srgbClr val="FFFFFF"/>
+                </a:solidFill>
+              </a14:hiddenFill>
+            </a:ext>
+          </a:extLst>
+        </p:spPr>
+      </p:pic>
+      <p:pic>
+        <p:nvPicPr>
+          <p:cNvPr id="23" name="Picture 4" descr="https://shop.vestiaire-officiel.com/catalogue/vignettes/vsto-sticker-cr-templierssenart-u-w-26129.png">
+            <a:extLst>
+              <a:ext uri="{FF2B5EF4-FFF2-40B4-BE49-F238E27FC236}">
+                <a16:creationId xmlns:a16="http://schemas.microsoft.com/office/drawing/2014/main" id="{FB8C5FB2-6DDF-4DE2-9440-BE82D6508465}"/>
+              </a:ext>
+            </a:extLst>
+          </p:cNvPr>
+          <p:cNvPicPr>
+            <a:picLocks noChangeAspect="1" noChangeArrowheads="1"/>
+          </p:cNvPicPr>
+          <p:nvPr/>
+        </p:nvPicPr>
+        <p:blipFill>
+          <a:blip r:embed="rId3" cstate="print">
+            <a:extLst>
+              <a:ext uri="{28A0092B-C50C-407E-A947-70E740481C1C}">
+                <a14:useLocalDpi xmlns:a14="http://schemas.microsoft.com/office/drawing/2010/main" val="0"/>
+              </a:ext>
+            </a:extLst>
+          </a:blip>
+          <a:srcRect/>
+          <a:stretch>
+            <a:fillRect/>
+          </a:stretch>
+        </p:blipFill>
+        <p:spPr bwMode="auto">
+          <a:xfrm>
+            <a:off x="76427" y="8153229"/>
+            <a:ext cx="450832" cy="450832"/>
+          </a:xfrm>
+          <a:prstGeom prst="rect">
+            <a:avLst/>
+          </a:prstGeom>
+          <a:noFill/>
+          <a:extLst>
+            <a:ext uri="{909E8E84-426E-40DD-AFC4-6F175D3DCCD1}">
+              <a14:hiddenFill xmlns:a14="http://schemas.microsoft.com/office/drawing/2010/main">
+                <a:solidFill>
+                  <a:srgbClr val="FFFFFF"/>
+                </a:solidFill>
+              </a14:hiddenFill>
+            </a:ext>
+          </a:extLst>
+        </p:spPr>
+      </p:pic>
+      <p:pic>
+        <p:nvPicPr>
+          <p:cNvPr id="24" name="Picture 4" descr="https://shop.vestiaire-officiel.com/catalogue/vignettes/vsto-sticker-cr-templierssenart-u-w-26129.png">
+            <a:extLst>
+              <a:ext uri="{FF2B5EF4-FFF2-40B4-BE49-F238E27FC236}">
+                <a16:creationId xmlns:a16="http://schemas.microsoft.com/office/drawing/2014/main" id="{047653DA-74DB-49FE-90A4-29B6AD6E046B}"/>
+              </a:ext>
+            </a:extLst>
+          </p:cNvPr>
+          <p:cNvPicPr>
+            <a:picLocks noChangeAspect="1" noChangeArrowheads="1"/>
+          </p:cNvPicPr>
+          <p:nvPr/>
+        </p:nvPicPr>
+        <p:blipFill>
+          <a:blip r:embed="rId3" cstate="print">
+            <a:extLst>
+              <a:ext uri="{28A0092B-C50C-407E-A947-70E740481C1C}">
+                <a14:useLocalDpi xmlns:a14="http://schemas.microsoft.com/office/drawing/2010/main" val="0"/>
+              </a:ext>
+            </a:extLst>
+          </a:blip>
+          <a:srcRect/>
+          <a:stretch>
+            <a:fillRect/>
+          </a:stretch>
+        </p:blipFill>
+        <p:spPr bwMode="auto">
+          <a:xfrm>
+            <a:off x="76200" y="8544008"/>
+            <a:ext cx="450832" cy="450832"/>
+          </a:xfrm>
+          <a:prstGeom prst="rect">
+            <a:avLst/>
+          </a:prstGeom>
+          <a:noFill/>
+          <a:extLst>
+            <a:ext uri="{909E8E84-426E-40DD-AFC4-6F175D3DCCD1}">
+              <a14:hiddenFill xmlns:a14="http://schemas.microsoft.com/office/drawing/2010/main">
+                <a:solidFill>
+                  <a:srgbClr val="FFFFFF"/>
+                </a:solidFill>
+              </a14:hiddenFill>
+            </a:ext>
+          </a:extLst>
+        </p:spPr>
+      </p:pic>
+      <p:pic>
+        <p:nvPicPr>
+          <p:cNvPr id="25" name="Picture 4" descr="https://shop.vestiaire-officiel.com/catalogue/vignettes/vsto-sticker-cr-templierssenart-u-w-26129.png">
+            <a:extLst>
+              <a:ext uri="{FF2B5EF4-FFF2-40B4-BE49-F238E27FC236}">
+                <a16:creationId xmlns:a16="http://schemas.microsoft.com/office/drawing/2014/main" id="{B6D1BF7B-F0DD-4D1A-9EDF-58DF0D9EB207}"/>
+              </a:ext>
+            </a:extLst>
+          </p:cNvPr>
+          <p:cNvPicPr>
+            <a:picLocks noChangeAspect="1" noChangeArrowheads="1"/>
+          </p:cNvPicPr>
+          <p:nvPr/>
+        </p:nvPicPr>
+        <p:blipFill>
+          <a:blip r:embed="rId3" cstate="print">
+            <a:extLst>
+              <a:ext uri="{28A0092B-C50C-407E-A947-70E740481C1C}">
+                <a14:useLocalDpi xmlns:a14="http://schemas.microsoft.com/office/drawing/2010/main" val="0"/>
+              </a:ext>
+            </a:extLst>
+          </a:blip>
+          <a:srcRect/>
+          <a:stretch>
+            <a:fillRect/>
+          </a:stretch>
+        </p:blipFill>
+        <p:spPr bwMode="auto">
+          <a:xfrm>
+            <a:off x="90807" y="8962962"/>
+            <a:ext cx="450832" cy="450832"/>
+          </a:xfrm>
+          <a:prstGeom prst="rect">
+            <a:avLst/>
+          </a:prstGeom>
+          <a:noFill/>
+          <a:extLst>
+            <a:ext uri="{909E8E84-426E-40DD-AFC4-6F175D3DCCD1}">
+              <a14:hiddenFill xmlns:a14="http://schemas.microsoft.com/office/drawing/2010/main">
+                <a:solidFill>
+                  <a:srgbClr val="FFFFFF"/>
+                </a:solidFill>
+              </a14:hiddenFill>
+            </a:ext>
+          </a:extLst>
+        </p:spPr>
+      </p:pic>
     </p:spTree>
   </p:cSld>
   <p:clrMapOvr>
